--- a/tp_presentation.pptx
+++ b/tp_presentation.pptx
@@ -5,14 +5,16 @@
     <p:sldMasterId id="2147483648" r:id="rId1"/>
   </p:sldMasterIdLst>
   <p:notesMasterIdLst>
-    <p:notesMasterId r:id="rId7"/>
+    <p:notesMasterId r:id="rId9"/>
   </p:notesMasterIdLst>
   <p:sldIdLst>
     <p:sldId id="256" r:id="rId2"/>
     <p:sldId id="257" r:id="rId3"/>
     <p:sldId id="258" r:id="rId4"/>
-    <p:sldId id="259" r:id="rId5"/>
-    <p:sldId id="260" r:id="rId6"/>
+    <p:sldId id="261" r:id="rId5"/>
+    <p:sldId id="259" r:id="rId6"/>
+    <p:sldId id="260" r:id="rId7"/>
+    <p:sldId id="262" r:id="rId8"/>
   </p:sldIdLst>
   <p:sldSz cx="12192000" cy="6858000"/>
   <p:notesSz cx="6858000" cy="9144000"/>
@@ -196,7 +198,8 @@
           <a:p>
             <a:fld id="{6A0E2F93-A0D4-4469-A521-F75411085C74}" type="datetimeFigureOut">
               <a:rPr lang="sk-SK" smtClean="0"/>
-              <a:t>15. 1. 2018</a:t>
+              <a:pPr/>
+              <a:t>19. 1. 2018</a:t>
             </a:fld>
             <a:endParaRPr lang="sk-SK"/>
           </a:p>
@@ -357,6 +360,7 @@
           <a:p>
             <a:fld id="{02585B59-B4C0-424E-A16C-7680BCBA3274}" type="slidenum">
               <a:rPr lang="sk-SK" smtClean="0"/>
+              <a:pPr/>
               <a:t>‹#›</a:t>
             </a:fld>
             <a:endParaRPr lang="sk-SK"/>
@@ -690,7 +694,8 @@
           <a:p>
             <a:fld id="{4AE59EB6-1DB5-43E0-83D9-8B5F1189E44B}" type="datetime1">
               <a:rPr lang="en-US" smtClean="0"/>
-              <a:t>1/15/2018</a:t>
+              <a:pPr/>
+              <a:t>1/19/2018</a:t>
             </a:fld>
             <a:endParaRPr lang="en-US" dirty="0"/>
           </a:p>
@@ -1024,7 +1029,8 @@
           <a:p>
             <a:fld id="{11C52E2D-01E1-469C-AAF7-4AB0A6840C84}" type="datetime1">
               <a:rPr lang="en-US" smtClean="0"/>
-              <a:t>1/15/2018</a:t>
+              <a:pPr/>
+              <a:t>1/19/2018</a:t>
             </a:fld>
             <a:endParaRPr lang="en-US" dirty="0"/>
           </a:p>
@@ -1302,7 +1308,8 @@
           <a:p>
             <a:fld id="{D8479E92-2FD0-48EC-9F2F-E7C5E3DC8D71}" type="datetime1">
               <a:rPr lang="en-US" smtClean="0"/>
-              <a:t>1/15/2018</a:t>
+              <a:pPr/>
+              <a:t>1/19/2018</a:t>
             </a:fld>
             <a:endParaRPr lang="en-US" dirty="0"/>
           </a:p>
@@ -1870,7 +1877,8 @@
           <a:p>
             <a:fld id="{9EB73BA6-4C0C-4675-BD5A-92C1E93416D0}" type="datetime1">
               <a:rPr lang="en-US" smtClean="0"/>
-              <a:t>1/15/2018</a:t>
+              <a:pPr/>
+              <a:t>1/19/2018</a:t>
             </a:fld>
             <a:endParaRPr lang="en-US" dirty="0"/>
           </a:p>
@@ -2148,7 +2156,8 @@
           <a:p>
             <a:fld id="{6FB05D10-D8AF-438F-8E51-3913AE870CFD}" type="datetime1">
               <a:rPr lang="en-US" smtClean="0"/>
-              <a:t>1/15/2018</a:t>
+              <a:pPr/>
+              <a:t>1/19/2018</a:t>
             </a:fld>
             <a:endParaRPr lang="en-US" dirty="0"/>
           </a:p>
@@ -2710,7 +2719,8 @@
           <a:p>
             <a:fld id="{4A64707E-F81B-4A26-91B6-26D893D42047}" type="datetime1">
               <a:rPr lang="en-US" smtClean="0"/>
-              <a:t>1/15/2018</a:t>
+              <a:pPr/>
+              <a:t>1/19/2018</a:t>
             </a:fld>
             <a:endParaRPr lang="en-US" dirty="0"/>
           </a:p>
@@ -3037,7 +3047,8 @@
           <a:p>
             <a:fld id="{26F2B987-8BDC-40C7-9BC0-39C4DA5F514D}" type="datetime1">
               <a:rPr lang="en-US" smtClean="0"/>
-              <a:t>1/15/2018</a:t>
+              <a:pPr/>
+              <a:t>1/19/2018</a:t>
             </a:fld>
             <a:endParaRPr lang="en-US" dirty="0"/>
           </a:p>
@@ -3214,7 +3225,8 @@
           <a:p>
             <a:fld id="{37582D85-0F8A-45DC-B451-260CE204E768}" type="datetime1">
               <a:rPr lang="en-US" smtClean="0"/>
-              <a:t>1/15/2018</a:t>
+              <a:pPr/>
+              <a:t>1/19/2018</a:t>
             </a:fld>
             <a:endParaRPr lang="en-US" dirty="0"/>
           </a:p>
@@ -3452,7 +3464,8 @@
           <a:p>
             <a:fld id="{303A5041-0462-4299-A548-AF73E050D47E}" type="datetime1">
               <a:rPr lang="en-US" smtClean="0"/>
-              <a:t>1/15/2018</a:t>
+              <a:pPr/>
+              <a:t>1/19/2018</a:t>
             </a:fld>
             <a:endParaRPr lang="en-US" dirty="0"/>
           </a:p>
@@ -3652,7 +3665,8 @@
           <a:p>
             <a:fld id="{E00C9328-767C-48EA-B5FE-0C841C5E80DF}" type="datetime1">
               <a:rPr lang="en-US" smtClean="0"/>
-              <a:t>1/15/2018</a:t>
+              <a:pPr/>
+              <a:t>1/19/2018</a:t>
             </a:fld>
             <a:endParaRPr lang="en-US" dirty="0"/>
           </a:p>
@@ -3928,7 +3942,8 @@
           <a:p>
             <a:fld id="{BF9EFD29-6F05-4DCC-BC3D-707E27A45D7D}" type="datetime1">
               <a:rPr lang="en-US" smtClean="0"/>
-              <a:t>1/15/2018</a:t>
+              <a:pPr/>
+              <a:t>1/19/2018</a:t>
             </a:fld>
             <a:endParaRPr lang="en-US" dirty="0"/>
           </a:p>
@@ -4194,7 +4209,8 @@
           <a:p>
             <a:fld id="{E17C08E7-E297-4B35-9D33-968369C8604D}" type="datetime1">
               <a:rPr lang="en-US" smtClean="0"/>
-              <a:t>1/15/2018</a:t>
+              <a:pPr/>
+              <a:t>1/19/2018</a:t>
             </a:fld>
             <a:endParaRPr lang="en-US" dirty="0"/>
           </a:p>
@@ -4568,7 +4584,8 @@
           <a:p>
             <a:fld id="{C4B3DD9D-B276-4D7C-967D-754AF6FFDB1E}" type="datetime1">
               <a:rPr lang="en-US" smtClean="0"/>
-              <a:t>1/15/2018</a:t>
+              <a:pPr/>
+              <a:t>1/19/2018</a:t>
             </a:fld>
             <a:endParaRPr lang="en-US" dirty="0"/>
           </a:p>
@@ -4716,7 +4733,8 @@
           <a:p>
             <a:fld id="{AB22C7D3-0C93-4A57-A187-7DC81504DE50}" type="datetime1">
               <a:rPr lang="en-US" smtClean="0"/>
-              <a:t>1/15/2018</a:t>
+              <a:pPr/>
+              <a:t>1/19/2018</a:t>
             </a:fld>
             <a:endParaRPr lang="en-US" dirty="0"/>
           </a:p>
@@ -4841,7 +4859,8 @@
           <a:p>
             <a:fld id="{B1DA66F4-4A7A-4EB9-9E42-AEFE7D596F6C}" type="datetime1">
               <a:rPr lang="en-US" smtClean="0"/>
-              <a:t>1/15/2018</a:t>
+              <a:pPr/>
+              <a:t>1/19/2018</a:t>
             </a:fld>
             <a:endParaRPr lang="en-US" dirty="0"/>
           </a:p>
@@ -5126,7 +5145,8 @@
           <a:p>
             <a:fld id="{83756C56-267F-4D0C-89ED-40B943DE8EE5}" type="datetime1">
               <a:rPr lang="en-US" smtClean="0"/>
-              <a:t>1/15/2018</a:t>
+              <a:pPr/>
+              <a:t>1/19/2018</a:t>
             </a:fld>
             <a:endParaRPr lang="en-US" dirty="0"/>
           </a:p>
@@ -5450,7 +5470,8 @@
           <a:p>
             <a:fld id="{AB518942-7816-49BE-A0A0-F629C6FDAD32}" type="datetime1">
               <a:rPr lang="en-US" smtClean="0"/>
-              <a:t>1/15/2018</a:t>
+              <a:pPr/>
+              <a:t>1/19/2018</a:t>
             </a:fld>
             <a:endParaRPr lang="en-US" dirty="0"/>
           </a:p>
@@ -5664,7 +5685,8 @@
           <a:p>
             <a:fld id="{D996A0C8-BB33-4CDA-AAAD-6D3025DD3827}" type="datetime1">
               <a:rPr lang="en-US" smtClean="0"/>
-              <a:t>1/15/2018</a:t>
+              <a:pPr/>
+              <a:t>1/19/2018</a:t>
             </a:fld>
             <a:endParaRPr lang="en-US" dirty="0"/>
           </a:p>
@@ -6541,65 +6563,8 @@
                   <a:reflection blurRad="10000" stA="55000" endPos="48000" dist="500" dir="5400000" sy="-100000" algn="bl" rotWithShape="0"/>
                 </a:effectLst>
               </a:rPr>
-              <a:t> rukavíc vo virtuálnej realite pre zobrazovanie medicín </a:t>
-            </a:r>
-            <a:r>
-              <a:rPr lang="sk-SK" sz="2400" b="1" dirty="0" err="1" smtClean="0">
-                <a:ln/>
-                <a:solidFill>
-                  <a:schemeClr val="accent3">
-                    <a:lumMod val="75000"/>
-                  </a:schemeClr>
-                </a:solidFill>
-                <a:effectLst>
-                  <a:outerShdw blurRad="19685" dist="12700" dir="5400000" algn="tl" rotWithShape="0">
-                    <a:schemeClr val="accent1">
-                      <a:satMod val="130000"/>
-                      <a:alpha val="60000"/>
-                    </a:schemeClr>
-                  </a:outerShdw>
-                  <a:reflection blurRad="10000" stA="55000" endPos="48000" dist="500" dir="5400000" sy="-100000" algn="bl" rotWithShape="0"/>
-                </a:effectLst>
-              </a:rPr>
-              <a:t>skych</a:t>
-            </a:r>
-            <a:r>
-              <a:rPr lang="sk-SK" sz="2400" b="1" dirty="0" smtClean="0">
-                <a:ln/>
-                <a:solidFill>
-                  <a:schemeClr val="accent3">
-                    <a:lumMod val="75000"/>
-                  </a:schemeClr>
-                </a:solidFill>
-                <a:effectLst>
-                  <a:outerShdw blurRad="19685" dist="12700" dir="5400000" algn="tl" rotWithShape="0">
-                    <a:schemeClr val="accent1">
-                      <a:satMod val="130000"/>
-                      <a:alpha val="60000"/>
-                    </a:schemeClr>
-                  </a:outerShdw>
-                  <a:reflection blurRad="10000" stA="55000" endPos="48000" dist="500" dir="5400000" sy="-100000" algn="bl" rotWithShape="0"/>
-                </a:effectLst>
-              </a:rPr>
-              <a:t> dát</a:t>
-            </a:r>
-            <a:endParaRPr lang="sk-SK" sz="2400" b="1" dirty="0" smtClean="0">
-              <a:ln/>
-              <a:solidFill>
-                <a:schemeClr val="accent3">
-                  <a:lumMod val="75000"/>
-                </a:schemeClr>
-              </a:solidFill>
-              <a:effectLst>
-                <a:outerShdw blurRad="19685" dist="12700" dir="5400000" algn="tl" rotWithShape="0">
-                  <a:schemeClr val="accent1">
-                    <a:satMod val="130000"/>
-                    <a:alpha val="60000"/>
-                  </a:schemeClr>
-                </a:outerShdw>
-                <a:reflection blurRad="10000" stA="55000" endPos="48000" dist="500" dir="5400000" sy="-100000" algn="bl" rotWithShape="0"/>
-              </a:effectLst>
-            </a:endParaRPr>
+              <a:t> rukavíc vo virtuálnej realite pre zobrazovanie medicínskych dát</a:t>
+            </a:r>
           </a:p>
         </p:txBody>
       </p:sp>
@@ -6639,7 +6604,7 @@
                   </a:schemeClr>
                 </a:solidFill>
               </a:rPr>
-              <a:t>/5</a:t>
+              <a:t>/7</a:t>
             </a:r>
             <a:endParaRPr lang="en-US" sz="1600" dirty="0">
               <a:solidFill>
@@ -6652,48 +6617,40 @@
           </a:p>
         </p:txBody>
       </p:sp>
-      <p:sp>
-        <p:nvSpPr>
-          <p:cNvPr id="12" name="Zástupný symbol päty 11"/>
-          <p:cNvSpPr>
-            <a:spLocks noGrp="1"/>
-          </p:cNvSpPr>
-          <p:nvPr>
-            <p:ph type="ftr" sz="quarter" idx="11"/>
-          </p:nvPr>
-        </p:nvSpPr>
-        <p:spPr>
-          <a:xfrm>
-            <a:off x="612741" y="5870575"/>
-            <a:ext cx="8243615" cy="377825"/>
-          </a:xfrm>
-        </p:spPr>
-        <p:txBody>
-          <a:bodyPr/>
-          <a:lstStyle/>
-          <a:p>
-            <a:r>
-              <a:rPr lang="sk-SK" sz="1600" dirty="0" smtClean="0">
-                <a:solidFill>
-                  <a:schemeClr val="accent3">
-                    <a:lumMod val="60000"/>
-                    <a:lumOff val="40000"/>
-                  </a:schemeClr>
-                </a:solidFill>
-              </a:rPr>
-              <a:t>Katedra kybernetiky a umelej inteligencie</a:t>
-            </a:r>
-            <a:endParaRPr lang="sk-SK" sz="1600" dirty="0">
-              <a:solidFill>
-                <a:schemeClr val="accent3">
-                  <a:lumMod val="60000"/>
-                  <a:lumOff val="40000"/>
-                </a:schemeClr>
-              </a:solidFill>
-            </a:endParaRPr>
-          </a:p>
-        </p:txBody>
-      </p:sp>
+      <p:pic>
+        <p:nvPicPr>
+          <p:cNvPr id="9" name="Obrázok 11"/>
+          <p:cNvPicPr>
+            <a:picLocks noChangeAspect="1"/>
+          </p:cNvPicPr>
+          <p:nvPr/>
+        </p:nvPicPr>
+        <p:blipFill>
+          <a:blip r:embed="rId3"/>
+          <a:srcRect l="14563" t="25468" r="12988" b="28815"/>
+          <a:stretch>
+            <a:fillRect/>
+          </a:stretch>
+        </p:blipFill>
+        <p:spPr bwMode="auto">
+          <a:xfrm>
+            <a:off x="403519" y="5636002"/>
+            <a:ext cx="2090738" cy="931862"/>
+          </a:xfrm>
+          <a:prstGeom prst="rect">
+            <a:avLst/>
+          </a:prstGeom>
+          <a:solidFill>
+            <a:schemeClr val="tx1"/>
+          </a:solidFill>
+          <a:ln w="9525">
+            <a:noFill/>
+            <a:miter lim="800000"/>
+            <a:headEnd/>
+            <a:tailEnd/>
+          </a:ln>
+        </p:spPr>
+      </p:pic>
     </p:spTree>
     <p:extLst>
       <p:ext uri="{BB962C8B-B14F-4D97-AF65-F5344CB8AC3E}">
@@ -6704,6 +6661,13 @@
   <p:clrMapOvr>
     <a:masterClrMapping/>
   </p:clrMapOvr>
+  <p:timing>
+    <p:tnLst>
+      <p:par>
+        <p:cTn id="1" dur="indefinite" restart="never" nodeType="tmRoot"/>
+      </p:par>
+    </p:tnLst>
+  </p:timing>
 </p:sld>
 </file>
 
@@ -6787,7 +6751,7 @@
                   </a:schemeClr>
                 </a:solidFill>
               </a:rPr>
-              <a:t>Aktuálne sa medicínske dáta zobrazujú len v štandardných formátoch(DICOM, obrázky), ktoré je možné prehliadať na obrazovke počítača alebo iných výstupných zariadeniach</a:t>
+              <a:t>Aktuálne sa medicínske dáta zobrazujú len v štandardných formátoch (DICOM, bežné formáty obrázkov), ktoré je možné prehliadať na obrazovke počítača alebo iných výstupných zariadeniach</a:t>
             </a:r>
           </a:p>
           <a:p>
@@ -6841,7 +6805,7 @@
                   </a:schemeClr>
                 </a:solidFill>
               </a:rPr>
-              <a:t>/5</a:t>
+              <a:t>/7</a:t>
             </a:r>
             <a:endParaRPr lang="en-US" sz="1600" dirty="0">
               <a:solidFill>
@@ -6880,49 +6844,52 @@
           <a:noFill/>
         </p:spPr>
       </p:pic>
-      <p:sp>
-        <p:nvSpPr>
-          <p:cNvPr id="6" name="Zástupný symbol päty 5"/>
-          <p:cNvSpPr>
-            <a:spLocks noGrp="1"/>
-          </p:cNvSpPr>
-          <p:nvPr>
-            <p:ph type="ftr" sz="quarter" idx="11"/>
-          </p:nvPr>
-        </p:nvSpPr>
-        <p:spPr/>
-        <p:txBody>
-          <a:bodyPr/>
-          <a:lstStyle/>
-          <a:p>
-            <a:pPr lvl="0"/>
-            <a:r>
-              <a:rPr lang="sk-SK" sz="1600" dirty="0" smtClean="0">
-                <a:solidFill>
-                  <a:srgbClr val="46B298">
-                    <a:lumMod val="60000"/>
-                    <a:lumOff val="40000"/>
-                  </a:srgbClr>
-                </a:solidFill>
-              </a:rPr>
-              <a:t>Katedra kybernetiky a umelej inteligencie</a:t>
-            </a:r>
-            <a:endParaRPr lang="sk-SK" sz="1600" dirty="0">
-              <a:solidFill>
-                <a:srgbClr val="46B298">
-                  <a:lumMod val="60000"/>
-                  <a:lumOff val="40000"/>
-                </a:srgbClr>
-              </a:solidFill>
-            </a:endParaRPr>
-          </a:p>
-        </p:txBody>
-      </p:sp>
+      <p:pic>
+        <p:nvPicPr>
+          <p:cNvPr id="8" name="Obrázok 11"/>
+          <p:cNvPicPr>
+            <a:picLocks noChangeAspect="1"/>
+          </p:cNvPicPr>
+          <p:nvPr/>
+        </p:nvPicPr>
+        <p:blipFill>
+          <a:blip r:embed="rId3"/>
+          <a:srcRect l="14563" t="25468" r="12988" b="28815"/>
+          <a:stretch>
+            <a:fillRect/>
+          </a:stretch>
+        </p:blipFill>
+        <p:spPr bwMode="auto">
+          <a:xfrm>
+            <a:off x="403519" y="5636002"/>
+            <a:ext cx="2090738" cy="931862"/>
+          </a:xfrm>
+          <a:prstGeom prst="rect">
+            <a:avLst/>
+          </a:prstGeom>
+          <a:solidFill>
+            <a:schemeClr val="tx1"/>
+          </a:solidFill>
+          <a:ln w="9525">
+            <a:noFill/>
+            <a:miter lim="800000"/>
+            <a:headEnd/>
+            <a:tailEnd/>
+          </a:ln>
+        </p:spPr>
+      </p:pic>
     </p:spTree>
   </p:cSld>
   <p:clrMapOvr>
     <a:masterClrMapping/>
   </p:clrMapOvr>
+  <p:timing>
+    <p:tnLst>
+      <p:par>
+        <p:cTn id="1" dur="indefinite" restart="never" nodeType="tmRoot"/>
+      </p:par>
+    </p:tnLst>
+  </p:timing>
 </p:sld>
 </file>
 
@@ -7027,7 +6994,7 @@
           </a:p>
           <a:p>
             <a:r>
-              <a:rPr lang="sk-SK" sz="2400" dirty="0" err="1" smtClean="0">
+              <a:rPr lang="sk-SK" sz="2400" dirty="0" smtClean="0">
                 <a:solidFill>
                   <a:schemeClr val="accent3">
                     <a:lumMod val="60000"/>
@@ -7035,62 +7002,7 @@
                   </a:schemeClr>
                 </a:solidFill>
               </a:rPr>
-              <a:t>Oculus</a:t>
-            </a:r>
-            <a:r>
-              <a:rPr lang="sk-SK" sz="2400" dirty="0" smtClean="0">
-                <a:solidFill>
-                  <a:schemeClr val="accent3">
-                    <a:lumMod val="60000"/>
-                    <a:lumOff val="40000"/>
-                  </a:schemeClr>
-                </a:solidFill>
-              </a:rPr>
-              <a:t> VR set s použitím </a:t>
-            </a:r>
-            <a:r>
-              <a:rPr lang="sk-SK" sz="2400" dirty="0" err="1" smtClean="0">
-                <a:solidFill>
-                  <a:schemeClr val="accent3">
-                    <a:lumMod val="60000"/>
-                    <a:lumOff val="40000"/>
-                  </a:schemeClr>
-                </a:solidFill>
-              </a:rPr>
-              <a:t>Leap</a:t>
-            </a:r>
-            <a:r>
-              <a:rPr lang="sk-SK" sz="2400" dirty="0" smtClean="0">
-                <a:solidFill>
-                  <a:schemeClr val="accent3">
-                    <a:lumMod val="60000"/>
-                    <a:lumOff val="40000"/>
-                  </a:schemeClr>
-                </a:solidFill>
-              </a:rPr>
-              <a:t> </a:t>
-            </a:r>
-            <a:r>
-              <a:rPr lang="sk-SK" sz="2400" dirty="0" err="1" smtClean="0">
-                <a:solidFill>
-                  <a:schemeClr val="accent3">
-                    <a:lumMod val="60000"/>
-                    <a:lumOff val="40000"/>
-                  </a:schemeClr>
-                </a:solidFill>
-              </a:rPr>
-              <a:t>Motion</a:t>
-            </a:r>
-            <a:r>
-              <a:rPr lang="sk-SK" sz="2400" dirty="0" smtClean="0">
-                <a:solidFill>
-                  <a:schemeClr val="accent3">
-                    <a:lumMod val="60000"/>
-                    <a:lumOff val="40000"/>
-                  </a:schemeClr>
-                </a:solidFill>
-              </a:rPr>
-              <a:t> senzora – zobrazuje pre používateľa dáta z aplikácie a sleduje pohyb rúk používateľa</a:t>
+              <a:t>Oculus VR set s použitím Leap Motion senzora – zobrazuje pre používateľa dáta z aplikácie a sleduje pohyb rúk používateľa</a:t>
             </a:r>
           </a:p>
           <a:p>
@@ -7152,7 +7064,7 @@
                   </a:schemeClr>
                 </a:solidFill>
               </a:rPr>
-              <a:t>/5</a:t>
+              <a:t>/7</a:t>
             </a:r>
             <a:endParaRPr lang="en-US" sz="1600" dirty="0">
               <a:solidFill>
@@ -7191,49 +7103,52 @@
           <a:noFill/>
         </p:spPr>
       </p:pic>
-      <p:sp>
-        <p:nvSpPr>
-          <p:cNvPr id="6" name="Zástupný symbol päty 5"/>
-          <p:cNvSpPr>
-            <a:spLocks noGrp="1"/>
-          </p:cNvSpPr>
-          <p:nvPr>
-            <p:ph type="ftr" sz="quarter" idx="11"/>
-          </p:nvPr>
-        </p:nvSpPr>
-        <p:spPr/>
-        <p:txBody>
-          <a:bodyPr/>
-          <a:lstStyle/>
-          <a:p>
-            <a:pPr lvl="0"/>
-            <a:r>
-              <a:rPr lang="sk-SK" sz="1600" dirty="0" smtClean="0">
-                <a:solidFill>
-                  <a:srgbClr val="46B298">
-                    <a:lumMod val="60000"/>
-                    <a:lumOff val="40000"/>
-                  </a:srgbClr>
-                </a:solidFill>
-              </a:rPr>
-              <a:t>Katedra kybernetiky a umelej inteligencie</a:t>
-            </a:r>
-            <a:endParaRPr lang="sk-SK" sz="1600" dirty="0">
-              <a:solidFill>
-                <a:srgbClr val="46B298">
-                  <a:lumMod val="60000"/>
-                  <a:lumOff val="40000"/>
-                </a:srgbClr>
-              </a:solidFill>
-            </a:endParaRPr>
-          </a:p>
-        </p:txBody>
-      </p:sp>
+      <p:pic>
+        <p:nvPicPr>
+          <p:cNvPr id="7" name="Obrázok 11"/>
+          <p:cNvPicPr>
+            <a:picLocks noChangeAspect="1"/>
+          </p:cNvPicPr>
+          <p:nvPr/>
+        </p:nvPicPr>
+        <p:blipFill>
+          <a:blip r:embed="rId3"/>
+          <a:srcRect l="14563" t="25468" r="12988" b="28815"/>
+          <a:stretch>
+            <a:fillRect/>
+          </a:stretch>
+        </p:blipFill>
+        <p:spPr bwMode="auto">
+          <a:xfrm>
+            <a:off x="403519" y="5636002"/>
+            <a:ext cx="2090738" cy="931862"/>
+          </a:xfrm>
+          <a:prstGeom prst="rect">
+            <a:avLst/>
+          </a:prstGeom>
+          <a:solidFill>
+            <a:schemeClr val="tx1"/>
+          </a:solidFill>
+          <a:ln w="9525">
+            <a:noFill/>
+            <a:miter lim="800000"/>
+            <a:headEnd/>
+            <a:tailEnd/>
+          </a:ln>
+        </p:spPr>
+      </p:pic>
     </p:spTree>
   </p:cSld>
   <p:clrMapOvr>
     <a:masterClrMapping/>
   </p:clrMapOvr>
+  <p:timing>
+    <p:tnLst>
+      <p:par>
+        <p:cTn id="1" dur="indefinite" restart="never" nodeType="tmRoot"/>
+      </p:par>
+    </p:tnLst>
+  </p:timing>
 </p:sld>
 </file>
 
@@ -7256,12 +7171,12 @@
       </p:grpSpPr>
       <p:sp>
         <p:nvSpPr>
-          <p:cNvPr id="2" name="Nadpis 1"/>
-          <p:cNvSpPr>
-            <a:spLocks noGrp="1"/>
-          </p:cNvSpPr>
-          <p:nvPr>
-            <p:ph type="title"/>
+          <p:cNvPr id="5" name="Zástupný symbol čísla snímky 4"/>
+          <p:cNvSpPr>
+            <a:spLocks noGrp="1"/>
+          </p:cNvSpPr>
+          <p:nvPr>
+            <p:ph type="sldNum" sz="quarter" idx="12"/>
           </p:nvPr>
         </p:nvSpPr>
         <p:spPr/>
@@ -7269,8 +7184,8 @@
           <a:bodyPr/>
           <a:lstStyle/>
           <a:p>
-            <a:r>
-              <a:rPr lang="sk-SK" dirty="0" smtClean="0">
+            <a:fld id="{D57F1E4F-1CFF-5643-939E-217C01CDF565}" type="slidenum">
+              <a:rPr lang="en-US" sz="1600" smtClean="0">
                 <a:solidFill>
                   <a:schemeClr val="accent3">
                     <a:lumMod val="60000"/>
@@ -7278,7 +7193,56 @@
                   </a:schemeClr>
                 </a:solidFill>
               </a:rPr>
-              <a:t>Ukážka aplikácie</a:t>
+              <a:pPr/>
+              <a:t>4</a:t>
+            </a:fld>
+            <a:r>
+              <a:rPr lang="sk-SK" sz="1600" dirty="0" smtClean="0">
+                <a:solidFill>
+                  <a:schemeClr val="accent3">
+                    <a:lumMod val="60000"/>
+                    <a:lumOff val="40000"/>
+                  </a:schemeClr>
+                </a:solidFill>
+              </a:rPr>
+              <a:t>/7</a:t>
+            </a:r>
+            <a:endParaRPr lang="en-US" sz="1600" dirty="0">
+              <a:solidFill>
+                <a:schemeClr val="accent3">
+                  <a:lumMod val="60000"/>
+                  <a:lumOff val="40000"/>
+                </a:schemeClr>
+              </a:solidFill>
+            </a:endParaRPr>
+          </a:p>
+        </p:txBody>
+      </p:sp>
+      <p:sp>
+        <p:nvSpPr>
+          <p:cNvPr id="6" name="Nadpis 1"/>
+          <p:cNvSpPr>
+            <a:spLocks noGrp="1"/>
+          </p:cNvSpPr>
+          <p:nvPr>
+            <p:ph type="title"/>
+          </p:nvPr>
+        </p:nvSpPr>
+        <p:spPr/>
+        <p:txBody>
+          <a:bodyPr/>
+          <a:lstStyle/>
+          <a:p>
+            <a:r>
+              <a:rPr lang="sk-SK" dirty="0" smtClean="0">
+                <a:solidFill>
+                  <a:schemeClr val="accent3">
+                    <a:lumMod val="60000"/>
+                    <a:lumOff val="40000"/>
+                  </a:schemeClr>
+                </a:solidFill>
+              </a:rPr>
+              <a:t>Použité technológie</a:t>
             </a:r>
             <a:endParaRPr lang="sk-SK" dirty="0">
               <a:solidFill>
@@ -7291,97 +7255,9 @@
           </a:p>
         </p:txBody>
       </p:sp>
-      <p:sp>
-        <p:nvSpPr>
-          <p:cNvPr id="3" name="Zástupný symbol obsahu 2"/>
-          <p:cNvSpPr>
-            <a:spLocks noGrp="1"/>
-          </p:cNvSpPr>
-          <p:nvPr>
-            <p:ph idx="1"/>
-          </p:nvPr>
-        </p:nvSpPr>
-        <p:spPr/>
-        <p:txBody>
-          <a:bodyPr>
-            <a:normAutofit/>
-          </a:bodyPr>
-          <a:lstStyle/>
-          <a:p>
-            <a:r>
-              <a:rPr lang="sk-SK" sz="2400" dirty="0" smtClean="0">
-                <a:solidFill>
-                  <a:schemeClr val="accent3">
-                    <a:lumMod val="60000"/>
-                    <a:lumOff val="40000"/>
-                  </a:schemeClr>
-                </a:solidFill>
-              </a:rPr>
-              <a:t>Sem treba pridať video</a:t>
-            </a:r>
-            <a:endParaRPr lang="sk-SK" sz="2400" dirty="0">
-              <a:solidFill>
-                <a:schemeClr val="accent3">
-                  <a:lumMod val="60000"/>
-                  <a:lumOff val="40000"/>
-                </a:schemeClr>
-              </a:solidFill>
-            </a:endParaRPr>
-          </a:p>
-        </p:txBody>
-      </p:sp>
-      <p:sp>
-        <p:nvSpPr>
-          <p:cNvPr id="4" name="Zástupný symbol čísla snímky 3"/>
-          <p:cNvSpPr>
-            <a:spLocks noGrp="1"/>
-          </p:cNvSpPr>
-          <p:nvPr>
-            <p:ph type="sldNum" sz="quarter" idx="12"/>
-          </p:nvPr>
-        </p:nvSpPr>
-        <p:spPr/>
-        <p:txBody>
-          <a:bodyPr/>
-          <a:lstStyle/>
-          <a:p>
-            <a:fld id="{D57F1E4F-1CFF-5643-939E-217C01CDF565}" type="slidenum">
-              <a:rPr lang="en-US" sz="1600" smtClean="0">
-                <a:solidFill>
-                  <a:schemeClr val="accent3">
-                    <a:lumMod val="60000"/>
-                    <a:lumOff val="40000"/>
-                  </a:schemeClr>
-                </a:solidFill>
-              </a:rPr>
-              <a:pPr/>
-              <a:t>4</a:t>
-            </a:fld>
-            <a:r>
-              <a:rPr lang="sk-SK" sz="1600" dirty="0" smtClean="0">
-                <a:solidFill>
-                  <a:schemeClr val="accent3">
-                    <a:lumMod val="60000"/>
-                    <a:lumOff val="40000"/>
-                  </a:schemeClr>
-                </a:solidFill>
-              </a:rPr>
-              <a:t>/5</a:t>
-            </a:r>
-            <a:endParaRPr lang="en-US" sz="1600" dirty="0">
-              <a:solidFill>
-                <a:schemeClr val="accent3">
-                  <a:lumMod val="60000"/>
-                  <a:lumOff val="40000"/>
-                </a:schemeClr>
-              </a:solidFill>
-            </a:endParaRPr>
-          </a:p>
-        </p:txBody>
-      </p:sp>
       <p:pic>
         <p:nvPicPr>
-          <p:cNvPr id="5" name="Picture 2" descr="C:\Users\Robert\Downloads\siemens.jpg"/>
+          <p:cNvPr id="7" name="Picture 2" descr="C:\Users\Robert\Downloads\siemens.jpg"/>
           <p:cNvPicPr>
             <a:picLocks noChangeAspect="1" noChangeArrowheads="1"/>
           </p:cNvPicPr>
@@ -7405,49 +7281,374 @@
           <a:noFill/>
         </p:spPr>
       </p:pic>
-      <p:sp>
-        <p:nvSpPr>
-          <p:cNvPr id="6" name="Zástupný symbol päty 5"/>
-          <p:cNvSpPr>
-            <a:spLocks noGrp="1"/>
-          </p:cNvSpPr>
-          <p:nvPr>
-            <p:ph type="ftr" sz="quarter" idx="11"/>
-          </p:nvPr>
-        </p:nvSpPr>
-        <p:spPr/>
-        <p:txBody>
-          <a:bodyPr/>
-          <a:lstStyle/>
-          <a:p>
-            <a:pPr lvl="0"/>
-            <a:r>
-              <a:rPr lang="sk-SK" sz="1600" dirty="0" smtClean="0">
-                <a:solidFill>
-                  <a:srgbClr val="46B298">
-                    <a:lumMod val="60000"/>
-                    <a:lumOff val="40000"/>
-                  </a:srgbClr>
-                </a:solidFill>
-              </a:rPr>
-              <a:t>Katedra kybernetiky a umelej inteligencie</a:t>
-            </a:r>
-            <a:endParaRPr lang="sk-SK" sz="1600" dirty="0">
-              <a:solidFill>
-                <a:srgbClr val="46B298">
-                  <a:lumMod val="60000"/>
-                  <a:lumOff val="40000"/>
-                </a:srgbClr>
-              </a:solidFill>
-            </a:endParaRPr>
-          </a:p>
-        </p:txBody>
-      </p:sp>
+      <p:pic>
+        <p:nvPicPr>
+          <p:cNvPr id="1041" name="Picture 17" descr="https://doc.micrium.com/download/attachments/10752175/TCPIPDOC?version=1&amp;modificationDate=1381450369000&amp;api=v2"/>
+          <p:cNvPicPr>
+            <a:picLocks noChangeAspect="1" noChangeArrowheads="1"/>
+          </p:cNvPicPr>
+          <p:nvPr/>
+        </p:nvPicPr>
+        <p:blipFill>
+          <a:blip r:embed="rId3"/>
+          <a:srcRect/>
+          <a:stretch>
+            <a:fillRect/>
+          </a:stretch>
+        </p:blipFill>
+        <p:spPr bwMode="auto">
+          <a:xfrm>
+            <a:off x="6691461" y="3431358"/>
+            <a:ext cx="1329179" cy="1329179"/>
+          </a:xfrm>
+          <a:prstGeom prst="rect">
+            <a:avLst/>
+          </a:prstGeom>
+          <a:noFill/>
+        </p:spPr>
+      </p:pic>
+      <p:pic>
+        <p:nvPicPr>
+          <p:cNvPr id="1045" name="Picture 21" descr="https://hackadaycom.files.wordpress.com/2016/04/arduinopi2.png?w=800"/>
+          <p:cNvPicPr>
+            <a:picLocks noChangeAspect="1" noChangeArrowheads="1"/>
+          </p:cNvPicPr>
+          <p:nvPr/>
+        </p:nvPicPr>
+        <p:blipFill>
+          <a:blip r:embed="rId4"/>
+          <a:srcRect l="45835" r="5423"/>
+          <a:stretch>
+            <a:fillRect/>
+          </a:stretch>
+        </p:blipFill>
+        <p:spPr bwMode="auto">
+          <a:xfrm>
+            <a:off x="4687395" y="2295619"/>
+            <a:ext cx="2165894" cy="1710773"/>
+          </a:xfrm>
+          <a:prstGeom prst="rect">
+            <a:avLst/>
+          </a:prstGeom>
+          <a:noFill/>
+        </p:spPr>
+      </p:pic>
+      <p:pic>
+        <p:nvPicPr>
+          <p:cNvPr id="1047" name="Picture 23" descr="https://download.blender.org/institute/logos/blender-socket.png"/>
+          <p:cNvPicPr>
+            <a:picLocks noChangeAspect="1" noChangeArrowheads="1"/>
+          </p:cNvPicPr>
+          <p:nvPr/>
+        </p:nvPicPr>
+        <p:blipFill>
+          <a:blip r:embed="rId5"/>
+          <a:srcRect/>
+          <a:stretch>
+            <a:fillRect/>
+          </a:stretch>
+        </p:blipFill>
+        <p:spPr bwMode="auto">
+          <a:xfrm>
+            <a:off x="8630206" y="1851669"/>
+            <a:ext cx="3561794" cy="1113061"/>
+          </a:xfrm>
+          <a:prstGeom prst="rect">
+            <a:avLst/>
+          </a:prstGeom>
+          <a:noFill/>
+        </p:spPr>
+      </p:pic>
+      <p:pic>
+        <p:nvPicPr>
+          <p:cNvPr id="1049" name="Picture 25" descr="https://3dwarehouse.sketchup.com/img/SU_Logo_Color.png"/>
+          <p:cNvPicPr>
+            <a:picLocks noChangeAspect="1" noChangeArrowheads="1"/>
+          </p:cNvPicPr>
+          <p:nvPr/>
+        </p:nvPicPr>
+        <p:blipFill>
+          <a:blip r:embed="rId6"/>
+          <a:srcRect/>
+          <a:stretch>
+            <a:fillRect/>
+          </a:stretch>
+        </p:blipFill>
+        <p:spPr bwMode="auto">
+          <a:xfrm>
+            <a:off x="8097098" y="4785991"/>
+            <a:ext cx="3925216" cy="849177"/>
+          </a:xfrm>
+          <a:prstGeom prst="rect">
+            <a:avLst/>
+          </a:prstGeom>
+          <a:solidFill>
+            <a:schemeClr val="tx1"/>
+          </a:solidFill>
+        </p:spPr>
+      </p:pic>
+      <p:pic>
+        <p:nvPicPr>
+          <p:cNvPr id="1053" name="Picture 29" descr="http://is301.com/wp-content/uploads/2017/12/04_Oculus-Full-Lockup-Vertical-Black.png"/>
+          <p:cNvPicPr>
+            <a:picLocks noChangeAspect="1" noChangeArrowheads="1"/>
+          </p:cNvPicPr>
+          <p:nvPr/>
+        </p:nvPicPr>
+        <p:blipFill>
+          <a:blip r:embed="rId7"/>
+          <a:srcRect l="27446" t="13811" r="27109" b="19398"/>
+          <a:stretch>
+            <a:fillRect/>
+          </a:stretch>
+        </p:blipFill>
+        <p:spPr bwMode="auto">
+          <a:xfrm>
+            <a:off x="200953" y="3733014"/>
+            <a:ext cx="1288481" cy="1065229"/>
+          </a:xfrm>
+          <a:prstGeom prst="rect">
+            <a:avLst/>
+          </a:prstGeom>
+          <a:solidFill>
+            <a:schemeClr val="tx1"/>
+          </a:solidFill>
+        </p:spPr>
+      </p:pic>
+      <p:pic>
+        <p:nvPicPr>
+          <p:cNvPr id="1055" name="Picture 31" descr="https://upload.wikimedia.org/wikipedia/commons/thumb/0/02/Leap_Motion_logo.svg/1200px-Leap_Motion_logo.svg.png"/>
+          <p:cNvPicPr>
+            <a:picLocks noChangeAspect="1" noChangeArrowheads="1"/>
+          </p:cNvPicPr>
+          <p:nvPr/>
+        </p:nvPicPr>
+        <p:blipFill>
+          <a:blip r:embed="rId8"/>
+          <a:srcRect l="-9053" t="-11114" r="-8634" b="-13357"/>
+          <a:stretch>
+            <a:fillRect/>
+          </a:stretch>
+        </p:blipFill>
+        <p:spPr bwMode="auto">
+          <a:xfrm>
+            <a:off x="1809945" y="2366129"/>
+            <a:ext cx="2083324" cy="1055802"/>
+          </a:xfrm>
+          <a:prstGeom prst="rect">
+            <a:avLst/>
+          </a:prstGeom>
+          <a:solidFill>
+            <a:schemeClr val="tx1"/>
+          </a:solidFill>
+        </p:spPr>
+      </p:pic>
+      <p:pic>
+        <p:nvPicPr>
+          <p:cNvPr id="1057" name="Picture 33" descr="https://upload.wikimedia.org/wikipedia/commons/thumb/1/19/Unity_Technologies_logo.svg/2000px-Unity_Technologies_logo.svg.png"/>
+          <p:cNvPicPr>
+            <a:picLocks noChangeAspect="1" noChangeArrowheads="1"/>
+          </p:cNvPicPr>
+          <p:nvPr/>
+        </p:nvPicPr>
+        <p:blipFill>
+          <a:blip r:embed="rId9"/>
+          <a:srcRect l="-1866" t="-8309" r="-2239" b="-6660"/>
+          <a:stretch>
+            <a:fillRect/>
+          </a:stretch>
+        </p:blipFill>
+        <p:spPr bwMode="auto">
+          <a:xfrm>
+            <a:off x="1630837" y="3667027"/>
+            <a:ext cx="2630079" cy="1055802"/>
+          </a:xfrm>
+          <a:prstGeom prst="rect">
+            <a:avLst/>
+          </a:prstGeom>
+          <a:solidFill>
+            <a:schemeClr val="tx1"/>
+          </a:solidFill>
+        </p:spPr>
+      </p:pic>
+      <p:pic>
+        <p:nvPicPr>
+          <p:cNvPr id="1059" name="Picture 35" descr="https://camo.githubusercontent.com/0617f4657fef12e8d16db45b8d73def73144b09f/68747470733a2f2f646576656c6f7065722e6665646f726170726f6a6563742e6f72672f7374617469632f6c6f676f2f6373686172702e706e67"/>
+          <p:cNvPicPr>
+            <a:picLocks noChangeAspect="1" noChangeArrowheads="1"/>
+          </p:cNvPicPr>
+          <p:nvPr/>
+        </p:nvPicPr>
+        <p:blipFill>
+          <a:blip r:embed="rId10"/>
+          <a:srcRect/>
+          <a:stretch>
+            <a:fillRect/>
+          </a:stretch>
+        </p:blipFill>
+        <p:spPr bwMode="auto">
+          <a:xfrm>
+            <a:off x="192470" y="2093307"/>
+            <a:ext cx="1385374" cy="1488879"/>
+          </a:xfrm>
+          <a:prstGeom prst="rect">
+            <a:avLst/>
+          </a:prstGeom>
+          <a:noFill/>
+        </p:spPr>
+      </p:pic>
+      <p:pic>
+        <p:nvPicPr>
+          <p:cNvPr id="1061" name="Picture 37" descr="https://upload.wikimedia.org/wikipedia/commons/thumb/a/ae/WiFi_Logo.svg/1200px-WiFi_Logo.svg.png"/>
+          <p:cNvPicPr>
+            <a:picLocks noChangeAspect="1" noChangeArrowheads="1"/>
+          </p:cNvPicPr>
+          <p:nvPr/>
+        </p:nvPicPr>
+        <p:blipFill>
+          <a:blip r:embed="rId11"/>
+          <a:srcRect/>
+          <a:stretch>
+            <a:fillRect/>
+          </a:stretch>
+        </p:blipFill>
+        <p:spPr bwMode="auto">
+          <a:xfrm>
+            <a:off x="4682060" y="3949831"/>
+            <a:ext cx="2131971" cy="1263193"/>
+          </a:xfrm>
+          <a:prstGeom prst="rect">
+            <a:avLst/>
+          </a:prstGeom>
+          <a:noFill/>
+        </p:spPr>
+      </p:pic>
+      <p:pic>
+        <p:nvPicPr>
+          <p:cNvPr id="1063" name="Picture 39" descr="https://atmosphere.anaren.com/sites/default/files/EspressifLogoFullGlow.png"/>
+          <p:cNvPicPr>
+            <a:picLocks noChangeAspect="1" noChangeArrowheads="1"/>
+          </p:cNvPicPr>
+          <p:nvPr/>
+        </p:nvPicPr>
+        <p:blipFill>
+          <a:blip r:embed="rId12"/>
+          <a:srcRect/>
+          <a:stretch>
+            <a:fillRect/>
+          </a:stretch>
+        </p:blipFill>
+        <p:spPr bwMode="auto">
+          <a:xfrm>
+            <a:off x="6735990" y="1951348"/>
+            <a:ext cx="1438367" cy="1489434"/>
+          </a:xfrm>
+          <a:prstGeom prst="rect">
+            <a:avLst/>
+          </a:prstGeom>
+          <a:noFill/>
+        </p:spPr>
+      </p:pic>
+      <p:pic>
+        <p:nvPicPr>
+          <p:cNvPr id="1065" name="Picture 41" descr="https://camo.githubusercontent.com/2460cb1ca5e4066d33c8aef0b3f10662e7df981e/687474703a2f2f7777772e6c6865726e616e64657a2e6f72672f77702d636f6e74656e742f75706c6f6164732f323031362f30322f632d6c6f676f2e706e67"/>
+          <p:cNvPicPr>
+            <a:picLocks noChangeAspect="1" noChangeArrowheads="1"/>
+          </p:cNvPicPr>
+          <p:nvPr/>
+        </p:nvPicPr>
+        <p:blipFill>
+          <a:blip r:embed="rId13"/>
+          <a:srcRect/>
+          <a:stretch>
+            <a:fillRect/>
+          </a:stretch>
+        </p:blipFill>
+        <p:spPr bwMode="auto">
+          <a:xfrm>
+            <a:off x="4837348" y="1442300"/>
+            <a:ext cx="2224538" cy="1074656"/>
+          </a:xfrm>
+          <a:prstGeom prst="rect">
+            <a:avLst/>
+          </a:prstGeom>
+          <a:noFill/>
+        </p:spPr>
+      </p:pic>
+      <p:pic>
+        <p:nvPicPr>
+          <p:cNvPr id="1067" name="Picture 43" descr="http://editorial.3dprint.com/wp-content/uploads/2016/05/3dp_Prusai3MK2_prusa_logo.png"/>
+          <p:cNvPicPr>
+            <a:picLocks noChangeAspect="1" noChangeArrowheads="1"/>
+          </p:cNvPicPr>
+          <p:nvPr/>
+        </p:nvPicPr>
+        <p:blipFill>
+          <a:blip r:embed="rId14"/>
+          <a:srcRect/>
+          <a:stretch>
+            <a:fillRect/>
+          </a:stretch>
+        </p:blipFill>
+        <p:spPr bwMode="auto">
+          <a:xfrm>
+            <a:off x="9235573" y="3041323"/>
+            <a:ext cx="2348037" cy="1596665"/>
+          </a:xfrm>
+          <a:prstGeom prst="rect">
+            <a:avLst/>
+          </a:prstGeom>
+          <a:solidFill>
+            <a:schemeClr val="tx1"/>
+          </a:solidFill>
+        </p:spPr>
+      </p:pic>
+      <p:pic>
+        <p:nvPicPr>
+          <p:cNvPr id="37" name="Obrázok 11"/>
+          <p:cNvPicPr>
+            <a:picLocks noChangeAspect="1"/>
+          </p:cNvPicPr>
+          <p:nvPr/>
+        </p:nvPicPr>
+        <p:blipFill>
+          <a:blip r:embed="rId15"/>
+          <a:srcRect l="14563" t="25468" r="12988" b="28815"/>
+          <a:stretch>
+            <a:fillRect/>
+          </a:stretch>
+        </p:blipFill>
+        <p:spPr bwMode="auto">
+          <a:xfrm>
+            <a:off x="403519" y="5636002"/>
+            <a:ext cx="2090738" cy="931862"/>
+          </a:xfrm>
+          <a:prstGeom prst="rect">
+            <a:avLst/>
+          </a:prstGeom>
+          <a:solidFill>
+            <a:schemeClr val="tx1"/>
+          </a:solidFill>
+          <a:ln w="9525">
+            <a:noFill/>
+            <a:miter lim="800000"/>
+            <a:headEnd/>
+            <a:tailEnd/>
+          </a:ln>
+        </p:spPr>
+      </p:pic>
     </p:spTree>
   </p:cSld>
   <p:clrMapOvr>
     <a:masterClrMapping/>
   </p:clrMapOvr>
+  <p:timing>
+    <p:tnLst>
+      <p:par>
+        <p:cTn id="1" dur="indefinite" restart="never" nodeType="tmRoot"/>
+      </p:par>
+    </p:tnLst>
+  </p:timing>
 </p:sld>
 </file>
 
@@ -7492,7 +7693,7 @@
                   </a:schemeClr>
                 </a:solidFill>
               </a:rPr>
-              <a:t>Výhody riešenia</a:t>
+              <a:t>Ukážka aplikácie</a:t>
             </a:r>
             <a:endParaRPr lang="sk-SK" dirty="0">
               <a:solidFill>
@@ -7507,75 +7708,6 @@
       </p:sp>
       <p:sp>
         <p:nvSpPr>
-          <p:cNvPr id="3" name="Zástupný symbol obsahu 2"/>
-          <p:cNvSpPr>
-            <a:spLocks noGrp="1"/>
-          </p:cNvSpPr>
-          <p:nvPr>
-            <p:ph idx="1"/>
-          </p:nvPr>
-        </p:nvSpPr>
-        <p:spPr/>
-        <p:txBody>
-          <a:bodyPr/>
-          <a:lstStyle/>
-          <a:p>
-            <a:r>
-              <a:rPr lang="sk-SK" sz="2400" dirty="0" smtClean="0">
-                <a:solidFill>
-                  <a:schemeClr val="accent3">
-                    <a:lumMod val="60000"/>
-                    <a:lumOff val="40000"/>
-                  </a:schemeClr>
-                </a:solidFill>
-              </a:rPr>
-              <a:t>P</a:t>
-            </a:r>
-            <a:r>
-              <a:rPr lang="sk-SK" sz="2400" dirty="0" smtClean="0">
-                <a:solidFill>
-                  <a:schemeClr val="accent3">
-                    <a:lumMod val="60000"/>
-                    <a:lumOff val="40000"/>
-                  </a:schemeClr>
-                </a:solidFill>
-              </a:rPr>
-              <a:t>riamej interakcie s medicínskymi dátami, vrátane spätnej väzby pri dotyku s objektom a manipulácie s objektmi podľa potreby</a:t>
-            </a:r>
-          </a:p>
-          <a:p>
-            <a:r>
-              <a:rPr lang="sk-SK" sz="2400" dirty="0" smtClean="0">
-                <a:solidFill>
-                  <a:schemeClr val="accent3">
-                    <a:lumMod val="60000"/>
-                    <a:lumOff val="40000"/>
-                  </a:schemeClr>
-                </a:solidFill>
-              </a:rPr>
-              <a:t>Jednoduché rozšírenie o akékoľvek nové získané medicínske dáta, ktoré je možné načítať do scény</a:t>
-            </a:r>
-          </a:p>
-          <a:p>
-            <a:r>
-              <a:rPr lang="sk-SK" sz="2400" dirty="0" smtClean="0">
-                <a:solidFill>
-                  <a:schemeClr val="accent3">
-                    <a:lumMod val="60000"/>
-                    <a:lumOff val="40000"/>
-                  </a:schemeClr>
-                </a:solidFill>
-              </a:rPr>
-              <a:t>Prepojenie s rozšírenou alebo zmiešanou realitou</a:t>
-            </a:r>
-          </a:p>
-          <a:p>
-            <a:endParaRPr lang="sk-SK" dirty="0"/>
-          </a:p>
-        </p:txBody>
-      </p:sp>
-      <p:sp>
-        <p:nvSpPr>
           <p:cNvPr id="4" name="Zástupný symbol čísla snímky 3"/>
           <p:cNvSpPr>
             <a:spLocks noGrp="1"/>
@@ -7610,7 +7742,7 @@
                   </a:schemeClr>
                 </a:solidFill>
               </a:rPr>
-              <a:t>/5</a:t>
+              <a:t>/7</a:t>
             </a:r>
             <a:endParaRPr lang="en-US" sz="1600" dirty="0">
               <a:solidFill>
@@ -7649,14 +7781,112 @@
           <a:noFill/>
         </p:spPr>
       </p:pic>
-      <p:sp>
-        <p:nvSpPr>
-          <p:cNvPr id="6" name="Zástupný symbol päty 5"/>
-          <p:cNvSpPr>
-            <a:spLocks noGrp="1"/>
-          </p:cNvSpPr>
-          <p:nvPr>
-            <p:ph type="ftr" sz="quarter" idx="11"/>
+      <p:pic>
+        <p:nvPicPr>
+          <p:cNvPr id="7" name="Obrázok 11"/>
+          <p:cNvPicPr>
+            <a:picLocks noChangeAspect="1"/>
+          </p:cNvPicPr>
+          <p:nvPr/>
+        </p:nvPicPr>
+        <p:blipFill>
+          <a:blip r:embed="rId3"/>
+          <a:srcRect l="14563" t="25468" r="12988" b="28815"/>
+          <a:stretch>
+            <a:fillRect/>
+          </a:stretch>
+        </p:blipFill>
+        <p:spPr bwMode="auto">
+          <a:xfrm>
+            <a:off x="403519" y="5636002"/>
+            <a:ext cx="2090738" cy="931862"/>
+          </a:xfrm>
+          <a:prstGeom prst="rect">
+            <a:avLst/>
+          </a:prstGeom>
+          <a:solidFill>
+            <a:schemeClr val="tx1"/>
+          </a:solidFill>
+          <a:ln w="9525">
+            <a:noFill/>
+            <a:miter lim="800000"/>
+            <a:headEnd/>
+            <a:tailEnd/>
+          </a:ln>
+        </p:spPr>
+      </p:pic>
+      <p:sp>
+        <p:nvSpPr>
+          <p:cNvPr id="10" name="Zástupný symbol obsahu 2"/>
+          <p:cNvSpPr>
+            <a:spLocks noGrp="1"/>
+          </p:cNvSpPr>
+          <p:nvPr>
+            <p:ph idx="1"/>
+          </p:nvPr>
+        </p:nvSpPr>
+        <p:spPr>
+          <a:xfrm>
+            <a:off x="685801" y="2142068"/>
+            <a:ext cx="10131425" cy="893363"/>
+          </a:xfrm>
+        </p:spPr>
+        <p:txBody>
+          <a:bodyPr>
+            <a:normAutofit/>
+          </a:bodyPr>
+          <a:lstStyle/>
+          <a:p>
+            <a:r>
+              <a:rPr lang="sk-SK" sz="2400" dirty="0" smtClean="0">
+                <a:hlinkClick r:id="rId4"/>
+              </a:rPr>
+              <a:t>https://www.youtube.com/watch?v=EYsU3LLesao&amp;feature=youtu.be</a:t>
+            </a:r>
+            <a:endParaRPr lang="sk-SK" dirty="0"/>
+          </a:p>
+        </p:txBody>
+      </p:sp>
+    </p:spTree>
+  </p:cSld>
+  <p:clrMapOvr>
+    <a:masterClrMapping/>
+  </p:clrMapOvr>
+  <p:timing>
+    <p:tnLst>
+      <p:par>
+        <p:cTn id="1" dur="indefinite" restart="never" nodeType="tmRoot"/>
+      </p:par>
+    </p:tnLst>
+  </p:timing>
+</p:sld>
+</file>
+
+<file path=ppt/slides/slide6.xml><?xml version="1.0" encoding="utf-8"?>
+<p:sld xmlns:a="http://schemas.openxmlformats.org/drawingml/2006/main" xmlns:r="http://schemas.openxmlformats.org/officeDocument/2006/relationships" xmlns:p="http://schemas.openxmlformats.org/presentationml/2006/main">
+  <p:cSld>
+    <p:spTree>
+      <p:nvGrpSpPr>
+        <p:cNvPr id="1" name=""/>
+        <p:cNvGrpSpPr/>
+        <p:nvPr/>
+      </p:nvGrpSpPr>
+      <p:grpSpPr>
+        <a:xfrm>
+          <a:off x="0" y="0"/>
+          <a:ext cx="0" cy="0"/>
+          <a:chOff x="0" y="0"/>
+          <a:chExt cx="0" cy="0"/>
+        </a:xfrm>
+      </p:grpSpPr>
+      <p:sp>
+        <p:nvSpPr>
+          <p:cNvPr id="2" name="Nadpis 1"/>
+          <p:cNvSpPr>
+            <a:spLocks noGrp="1"/>
+          </p:cNvSpPr>
+          <p:nvPr>
+            <p:ph type="title"/>
           </p:nvPr>
         </p:nvSpPr>
         <p:spPr/>
@@ -7664,29 +7894,457 @@
           <a:bodyPr/>
           <a:lstStyle/>
           <a:p>
-            <a:pPr lvl="0"/>
-            <a:r>
-              <a:rPr lang="sk-SK" sz="1600" dirty="0" smtClean="0">
-                <a:solidFill>
-                  <a:srgbClr val="46B298">
+            <a:r>
+              <a:rPr lang="sk-SK" dirty="0" smtClean="0">
+                <a:solidFill>
+                  <a:schemeClr val="accent3">
                     <a:lumMod val="60000"/>
                     <a:lumOff val="40000"/>
-                  </a:srgbClr>
+                  </a:schemeClr>
                 </a:solidFill>
               </a:rPr>
-              <a:t>Katedra kybernetiky a umelej inteligencie</a:t>
-            </a:r>
-            <a:endParaRPr lang="sk-SK" sz="1600" dirty="0">
+              <a:t>Výhody riešenia A možné rozšírenia</a:t>
+            </a:r>
+            <a:endParaRPr lang="sk-SK" dirty="0">
               <a:solidFill>
-                <a:srgbClr val="46B298">
+                <a:schemeClr val="accent3">
                   <a:lumMod val="60000"/>
                   <a:lumOff val="40000"/>
-                </a:srgbClr>
+                </a:schemeClr>
               </a:solidFill>
             </a:endParaRPr>
           </a:p>
         </p:txBody>
       </p:sp>
+      <p:sp>
+        <p:nvSpPr>
+          <p:cNvPr id="3" name="Zástupný symbol obsahu 2"/>
+          <p:cNvSpPr>
+            <a:spLocks noGrp="1"/>
+          </p:cNvSpPr>
+          <p:nvPr>
+            <p:ph idx="1"/>
+          </p:nvPr>
+        </p:nvSpPr>
+        <p:spPr/>
+        <p:txBody>
+          <a:bodyPr>
+            <a:normAutofit lnSpcReduction="10000"/>
+          </a:bodyPr>
+          <a:lstStyle/>
+          <a:p>
+            <a:pPr>
+              <a:buNone/>
+            </a:pPr>
+            <a:r>
+              <a:rPr lang="sk-SK" sz="2400" dirty="0" smtClean="0">
+                <a:solidFill>
+                  <a:schemeClr val="accent3">
+                    <a:lumMod val="60000"/>
+                    <a:lumOff val="40000"/>
+                  </a:schemeClr>
+                </a:solidFill>
+              </a:rPr>
+              <a:t>Výhody</a:t>
+            </a:r>
+          </a:p>
+          <a:p>
+            <a:r>
+              <a:rPr lang="sk-SK" sz="2400" dirty="0" smtClean="0">
+                <a:solidFill>
+                  <a:schemeClr val="accent3">
+                    <a:lumMod val="60000"/>
+                    <a:lumOff val="40000"/>
+                  </a:schemeClr>
+                </a:solidFill>
+              </a:rPr>
+              <a:t>Rukavice je možné využiť vo virtuálnej, zmiešanej alebo rozšírenej realite</a:t>
+            </a:r>
+          </a:p>
+          <a:p>
+            <a:r>
+              <a:rPr lang="sk-SK" sz="2400" dirty="0" smtClean="0">
+                <a:solidFill>
+                  <a:schemeClr val="accent3">
+                    <a:lumMod val="60000"/>
+                    <a:lumOff val="40000"/>
+                  </a:schemeClr>
+                </a:solidFill>
+              </a:rPr>
+              <a:t>Nízka hmotnosť, malá veľkosť a podpora bezdrôtovej komunikácie</a:t>
+            </a:r>
+          </a:p>
+          <a:p>
+            <a:r>
+              <a:rPr lang="sk-SK" sz="2400" dirty="0" smtClean="0">
+                <a:solidFill>
+                  <a:schemeClr val="accent3">
+                    <a:lumMod val="60000"/>
+                    <a:lumOff val="40000"/>
+                  </a:schemeClr>
+                </a:solidFill>
+              </a:rPr>
+              <a:t>Jednoduché rozšírenie o akékoľvek nové získané medicínske dáta, ktoré je možné nahrať do programu</a:t>
+            </a:r>
+          </a:p>
+          <a:p>
+            <a:pPr>
+              <a:buNone/>
+            </a:pPr>
+            <a:r>
+              <a:rPr lang="sk-SK" sz="2400" dirty="0" smtClean="0">
+                <a:solidFill>
+                  <a:schemeClr val="accent3">
+                    <a:lumMod val="60000"/>
+                    <a:lumOff val="40000"/>
+                  </a:schemeClr>
+                </a:solidFill>
+              </a:rPr>
+              <a:t>Rozšírenia</a:t>
+            </a:r>
+          </a:p>
+          <a:p>
+            <a:r>
+              <a:rPr lang="sk-SK" sz="2400" dirty="0" smtClean="0">
+                <a:solidFill>
+                  <a:schemeClr val="accent3">
+                    <a:lumMod val="60000"/>
+                    <a:lumOff val="40000"/>
+                  </a:schemeClr>
+                </a:solidFill>
+              </a:rPr>
+              <a:t>Využitie inej technológie s lepšie implementovaným snímaním rúk</a:t>
+            </a:r>
+          </a:p>
+          <a:p>
+            <a:r>
+              <a:rPr lang="sk-SK" sz="2400" dirty="0" smtClean="0">
+                <a:solidFill>
+                  <a:schemeClr val="accent3">
+                    <a:lumMod val="60000"/>
+                    <a:lumOff val="40000"/>
+                  </a:schemeClr>
+                </a:solidFill>
+              </a:rPr>
+              <a:t>Rozšírenie pôsobenia spätnej väzby pri dotyku na celý prst</a:t>
+            </a:r>
+          </a:p>
+          <a:p>
+            <a:endParaRPr lang="sk-SK" dirty="0"/>
+          </a:p>
+        </p:txBody>
+      </p:sp>
+      <p:sp>
+        <p:nvSpPr>
+          <p:cNvPr id="4" name="Zástupný symbol čísla snímky 3"/>
+          <p:cNvSpPr>
+            <a:spLocks noGrp="1"/>
+          </p:cNvSpPr>
+          <p:nvPr>
+            <p:ph type="sldNum" sz="quarter" idx="12"/>
+          </p:nvPr>
+        </p:nvSpPr>
+        <p:spPr/>
+        <p:txBody>
+          <a:bodyPr/>
+          <a:lstStyle/>
+          <a:p>
+            <a:fld id="{D57F1E4F-1CFF-5643-939E-217C01CDF565}" type="slidenum">
+              <a:rPr lang="en-US" sz="1600" smtClean="0">
+                <a:solidFill>
+                  <a:schemeClr val="accent3">
+                    <a:lumMod val="60000"/>
+                    <a:lumOff val="40000"/>
+                  </a:schemeClr>
+                </a:solidFill>
+              </a:rPr>
+              <a:pPr/>
+              <a:t>6</a:t>
+            </a:fld>
+            <a:r>
+              <a:rPr lang="sk-SK" sz="1600" dirty="0" smtClean="0">
+                <a:solidFill>
+                  <a:schemeClr val="accent3">
+                    <a:lumMod val="60000"/>
+                    <a:lumOff val="40000"/>
+                  </a:schemeClr>
+                </a:solidFill>
+              </a:rPr>
+              <a:t>/7</a:t>
+            </a:r>
+            <a:endParaRPr lang="en-US" sz="1600" dirty="0">
+              <a:solidFill>
+                <a:schemeClr val="accent3">
+                  <a:lumMod val="60000"/>
+                  <a:lumOff val="40000"/>
+                </a:schemeClr>
+              </a:solidFill>
+            </a:endParaRPr>
+          </a:p>
+        </p:txBody>
+      </p:sp>
+      <p:pic>
+        <p:nvPicPr>
+          <p:cNvPr id="5" name="Picture 2" descr="C:\Users\Robert\Downloads\siemens.jpg"/>
+          <p:cNvPicPr>
+            <a:picLocks noChangeAspect="1" noChangeArrowheads="1"/>
+          </p:cNvPicPr>
+          <p:nvPr/>
+        </p:nvPicPr>
+        <p:blipFill>
+          <a:blip r:embed="rId2"/>
+          <a:srcRect/>
+          <a:stretch>
+            <a:fillRect/>
+          </a:stretch>
+        </p:blipFill>
+        <p:spPr bwMode="auto">
+          <a:xfrm>
+            <a:off x="8574832" y="127376"/>
+            <a:ext cx="3194763" cy="1277905"/>
+          </a:xfrm>
+          <a:prstGeom prst="rect">
+            <a:avLst/>
+          </a:prstGeom>
+          <a:noFill/>
+        </p:spPr>
+      </p:pic>
+      <p:pic>
+        <p:nvPicPr>
+          <p:cNvPr id="7" name="Obrázok 11"/>
+          <p:cNvPicPr>
+            <a:picLocks noChangeAspect="1"/>
+          </p:cNvPicPr>
+          <p:nvPr/>
+        </p:nvPicPr>
+        <p:blipFill>
+          <a:blip r:embed="rId3"/>
+          <a:srcRect l="14563" t="25468" r="12988" b="28815"/>
+          <a:stretch>
+            <a:fillRect/>
+          </a:stretch>
+        </p:blipFill>
+        <p:spPr bwMode="auto">
+          <a:xfrm>
+            <a:off x="403519" y="5636002"/>
+            <a:ext cx="2090738" cy="931862"/>
+          </a:xfrm>
+          <a:prstGeom prst="rect">
+            <a:avLst/>
+          </a:prstGeom>
+          <a:solidFill>
+            <a:schemeClr val="tx1"/>
+          </a:solidFill>
+          <a:ln w="9525">
+            <a:noFill/>
+            <a:miter lim="800000"/>
+            <a:headEnd/>
+            <a:tailEnd/>
+          </a:ln>
+        </p:spPr>
+      </p:pic>
+    </p:spTree>
+  </p:cSld>
+  <p:clrMapOvr>
+    <a:masterClrMapping/>
+  </p:clrMapOvr>
+  <p:timing>
+    <p:tnLst>
+      <p:par>
+        <p:cTn id="1" dur="indefinite" restart="never" nodeType="tmRoot"/>
+      </p:par>
+    </p:tnLst>
+  </p:timing>
+</p:sld>
+</file>
+
+<file path=ppt/slides/slide7.xml><?xml version="1.0" encoding="utf-8"?>
+<p:sld xmlns:a="http://schemas.openxmlformats.org/drawingml/2006/main" xmlns:r="http://schemas.openxmlformats.org/officeDocument/2006/relationships" xmlns:p="http://schemas.openxmlformats.org/presentationml/2006/main">
+  <p:cSld>
+    <p:spTree>
+      <p:nvGrpSpPr>
+        <p:cNvPr id="1" name=""/>
+        <p:cNvGrpSpPr/>
+        <p:nvPr/>
+      </p:nvGrpSpPr>
+      <p:grpSpPr>
+        <a:xfrm>
+          <a:off x="0" y="0"/>
+          <a:ext cx="0" cy="0"/>
+          <a:chOff x="0" y="0"/>
+          <a:chExt cx="0" cy="0"/>
+        </a:xfrm>
+      </p:grpSpPr>
+      <p:sp>
+        <p:nvSpPr>
+          <p:cNvPr id="5" name="Zástupný symbol čísla snímky 4"/>
+          <p:cNvSpPr>
+            <a:spLocks noGrp="1"/>
+          </p:cNvSpPr>
+          <p:nvPr>
+            <p:ph type="sldNum" sz="quarter" idx="12"/>
+          </p:nvPr>
+        </p:nvSpPr>
+        <p:spPr/>
+        <p:txBody>
+          <a:bodyPr/>
+          <a:lstStyle/>
+          <a:p>
+            <a:fld id="{D57F1E4F-1CFF-5643-939E-217C01CDF565}" type="slidenum">
+              <a:rPr lang="en-US" sz="1600" smtClean="0">
+                <a:solidFill>
+                  <a:schemeClr val="accent3">
+                    <a:lumMod val="60000"/>
+                    <a:lumOff val="40000"/>
+                  </a:schemeClr>
+                </a:solidFill>
+              </a:rPr>
+              <a:pPr/>
+              <a:t>7</a:t>
+            </a:fld>
+            <a:r>
+              <a:rPr lang="sk-SK" sz="1600" dirty="0" smtClean="0">
+                <a:solidFill>
+                  <a:schemeClr val="accent3">
+                    <a:lumMod val="60000"/>
+                    <a:lumOff val="40000"/>
+                  </a:schemeClr>
+                </a:solidFill>
+              </a:rPr>
+              <a:t>/7</a:t>
+            </a:r>
+            <a:endParaRPr lang="en-US" sz="1600" dirty="0">
+              <a:solidFill>
+                <a:schemeClr val="accent3">
+                  <a:lumMod val="60000"/>
+                  <a:lumOff val="40000"/>
+                </a:schemeClr>
+              </a:solidFill>
+            </a:endParaRPr>
+          </a:p>
+        </p:txBody>
+      </p:sp>
+      <p:pic>
+        <p:nvPicPr>
+          <p:cNvPr id="6" name="Obrázok 11"/>
+          <p:cNvPicPr>
+            <a:picLocks noChangeAspect="1"/>
+          </p:cNvPicPr>
+          <p:nvPr/>
+        </p:nvPicPr>
+        <p:blipFill>
+          <a:blip r:embed="rId2"/>
+          <a:srcRect l="14563" t="25468" r="12988" b="28815"/>
+          <a:stretch>
+            <a:fillRect/>
+          </a:stretch>
+        </p:blipFill>
+        <p:spPr bwMode="auto">
+          <a:xfrm>
+            <a:off x="403519" y="5636002"/>
+            <a:ext cx="2090738" cy="931862"/>
+          </a:xfrm>
+          <a:prstGeom prst="rect">
+            <a:avLst/>
+          </a:prstGeom>
+          <a:solidFill>
+            <a:schemeClr val="tx1"/>
+          </a:solidFill>
+          <a:ln w="9525">
+            <a:noFill/>
+            <a:miter lim="800000"/>
+            <a:headEnd/>
+            <a:tailEnd/>
+          </a:ln>
+        </p:spPr>
+      </p:pic>
+      <p:sp>
+        <p:nvSpPr>
+          <p:cNvPr id="7" name="Obdĺžnik 6"/>
+          <p:cNvSpPr/>
+          <p:nvPr/>
+        </p:nvSpPr>
+        <p:spPr>
+          <a:xfrm>
+            <a:off x="1941244" y="2531126"/>
+            <a:ext cx="8107729" cy="923330"/>
+          </a:xfrm>
+          <a:prstGeom prst="rect">
+            <a:avLst/>
+          </a:prstGeom>
+          <a:noFill/>
+        </p:spPr>
+        <p:txBody>
+          <a:bodyPr wrap="square" lIns="91440" tIns="45720" rIns="91440" bIns="45720">
+            <a:spAutoFit/>
+            <a:scene3d>
+              <a:camera prst="orthographicFront"/>
+              <a:lightRig rig="brightRoom" dir="t"/>
+            </a:scene3d>
+            <a:sp3d contourW="6350" prstMaterial="plastic">
+              <a:bevelT w="20320" h="20320" prst="angle"/>
+              <a:contourClr>
+                <a:schemeClr val="accent1">
+                  <a:tint val="100000"/>
+                  <a:shade val="100000"/>
+                  <a:hueMod val="100000"/>
+                  <a:satMod val="100000"/>
+                </a:schemeClr>
+              </a:contourClr>
+            </a:sp3d>
+          </a:bodyPr>
+          <a:lstStyle/>
+          <a:p>
+            <a:pPr algn="ctr"/>
+            <a:r>
+              <a:rPr lang="sk-SK" sz="5400" b="1" dirty="0" smtClean="0">
+                <a:ln/>
+                <a:solidFill>
+                  <a:schemeClr val="accent3">
+                    <a:lumMod val="75000"/>
+                  </a:schemeClr>
+                </a:solidFill>
+                <a:effectLst>
+                  <a:outerShdw blurRad="19685" dist="12700" dir="5400000" algn="tl" rotWithShape="0">
+                    <a:schemeClr val="accent1">
+                      <a:satMod val="130000"/>
+                      <a:alpha val="60000"/>
+                    </a:schemeClr>
+                  </a:outerShdw>
+                  <a:reflection blurRad="10000" stA="55000" endPos="48000" dist="500" dir="5400000" sy="-100000" algn="bl" rotWithShape="0"/>
+                </a:effectLst>
+              </a:rPr>
+              <a:t>Ďakujeme za pozornosť!</a:t>
+            </a:r>
+          </a:p>
+        </p:txBody>
+      </p:sp>
+      <p:pic>
+        <p:nvPicPr>
+          <p:cNvPr id="8" name="Picture 2" descr="C:\Users\Robert\Downloads\siemens.jpg"/>
+          <p:cNvPicPr>
+            <a:picLocks noChangeAspect="1" noChangeArrowheads="1"/>
+          </p:cNvPicPr>
+          <p:nvPr/>
+        </p:nvPicPr>
+        <p:blipFill>
+          <a:blip r:embed="rId3"/>
+          <a:srcRect/>
+          <a:stretch>
+            <a:fillRect/>
+          </a:stretch>
+        </p:blipFill>
+        <p:spPr bwMode="auto">
+          <a:xfrm>
+            <a:off x="8574832" y="127376"/>
+            <a:ext cx="3194763" cy="1277905"/>
+          </a:xfrm>
+          <a:prstGeom prst="rect">
+            <a:avLst/>
+          </a:prstGeom>
+          <a:noFill/>
+        </p:spPr>
+      </p:pic>
     </p:spTree>
   </p:cSld>
   <p:clrMapOvr>

--- a/tp_presentation.pptx
+++ b/tp_presentation.pptx
@@ -5,16 +5,17 @@
     <p:sldMasterId id="2147483648" r:id="rId1"/>
   </p:sldMasterIdLst>
   <p:notesMasterIdLst>
-    <p:notesMasterId r:id="rId9"/>
+    <p:notesMasterId r:id="rId10"/>
   </p:notesMasterIdLst>
   <p:sldIdLst>
     <p:sldId id="256" r:id="rId2"/>
     <p:sldId id="257" r:id="rId3"/>
-    <p:sldId id="258" r:id="rId4"/>
-    <p:sldId id="261" r:id="rId5"/>
-    <p:sldId id="259" r:id="rId6"/>
-    <p:sldId id="260" r:id="rId7"/>
-    <p:sldId id="262" r:id="rId8"/>
+    <p:sldId id="263" r:id="rId4"/>
+    <p:sldId id="258" r:id="rId5"/>
+    <p:sldId id="261" r:id="rId6"/>
+    <p:sldId id="259" r:id="rId7"/>
+    <p:sldId id="260" r:id="rId8"/>
+    <p:sldId id="262" r:id="rId9"/>
   </p:sldIdLst>
   <p:sldSz cx="12192000" cy="6858000"/>
   <p:notesSz cx="6858000" cy="9144000"/>
@@ -199,7 +200,7 @@
             <a:fld id="{6A0E2F93-A0D4-4469-A521-F75411085C74}" type="datetimeFigureOut">
               <a:rPr lang="sk-SK" smtClean="0"/>
               <a:pPr/>
-              <a:t>19. 1. 2018</a:t>
+              <a:t>20. 1. 2018</a:t>
             </a:fld>
             <a:endParaRPr lang="sk-SK"/>
           </a:p>
@@ -499,7 +500,7 @@
           <a:blip r:embed="rId2">
             <a:extLst>
               <a:ext uri="{28A0092B-C50C-407E-A947-70E740481C1C}">
-                <a14:useLocalDpi xmlns="" xmlns:a14="http://schemas.microsoft.com/office/drawing/2010/main" val="0"/>
+                <a14:useLocalDpi xmlns:a14="http://schemas.microsoft.com/office/drawing/2010/main" xmlns="" val="0"/>
               </a:ext>
             </a:extLst>
           </a:blip>
@@ -695,7 +696,7 @@
             <a:fld id="{4AE59EB6-1DB5-43E0-83D9-8B5F1189E44B}" type="datetime1">
               <a:rPr lang="en-US" smtClean="0"/>
               <a:pPr/>
-              <a:t>1/19/2018</a:t>
+              <a:t>1/20/2018</a:t>
             </a:fld>
             <a:endParaRPr lang="en-US" dirty="0"/>
           </a:p>
@@ -795,7 +796,7 @@
           <a:blip r:embed="rId2">
             <a:extLst>
               <a:ext uri="{28A0092B-C50C-407E-A947-70E740481C1C}">
-                <a14:useLocalDpi xmlns="" xmlns:a14="http://schemas.microsoft.com/office/drawing/2010/main" val="0"/>
+                <a14:useLocalDpi xmlns:a14="http://schemas.microsoft.com/office/drawing/2010/main" xmlns="" val="0"/>
               </a:ext>
             </a:extLst>
           </a:blip>
@@ -1030,7 +1031,7 @@
             <a:fld id="{11C52E2D-01E1-469C-AAF7-4AB0A6840C84}" type="datetime1">
               <a:rPr lang="en-US" smtClean="0"/>
               <a:pPr/>
-              <a:t>1/19/2018</a:t>
+              <a:t>1/20/2018</a:t>
             </a:fld>
             <a:endParaRPr lang="en-US" dirty="0"/>
           </a:p>
@@ -1120,7 +1121,7 @@
           <a:blip r:embed="rId2">
             <a:extLst>
               <a:ext uri="{28A0092B-C50C-407E-A947-70E740481C1C}">
-                <a14:useLocalDpi xmlns="" xmlns:a14="http://schemas.microsoft.com/office/drawing/2010/main" val="0"/>
+                <a14:useLocalDpi xmlns:a14="http://schemas.microsoft.com/office/drawing/2010/main" xmlns="" val="0"/>
               </a:ext>
             </a:extLst>
           </a:blip>
@@ -1309,7 +1310,7 @@
             <a:fld id="{D8479E92-2FD0-48EC-9F2F-E7C5E3DC8D71}" type="datetime1">
               <a:rPr lang="en-US" smtClean="0"/>
               <a:pPr/>
-              <a:t>1/19/2018</a:t>
+              <a:t>1/20/2018</a:t>
             </a:fld>
             <a:endParaRPr lang="en-US" dirty="0"/>
           </a:p>
@@ -1399,7 +1400,7 @@
           <a:blip r:embed="rId2">
             <a:extLst>
               <a:ext uri="{28A0092B-C50C-407E-A947-70E740481C1C}">
-                <a14:useLocalDpi xmlns="" xmlns:a14="http://schemas.microsoft.com/office/drawing/2010/main" val="0"/>
+                <a14:useLocalDpi xmlns:a14="http://schemas.microsoft.com/office/drawing/2010/main" xmlns="" val="0"/>
               </a:ext>
             </a:extLst>
           </a:blip>
@@ -1878,7 +1879,7 @@
             <a:fld id="{9EB73BA6-4C0C-4675-BD5A-92C1E93416D0}" type="datetime1">
               <a:rPr lang="en-US" smtClean="0"/>
               <a:pPr/>
-              <a:t>1/19/2018</a:t>
+              <a:t>1/20/2018</a:t>
             </a:fld>
             <a:endParaRPr lang="en-US" dirty="0"/>
           </a:p>
@@ -1968,7 +1969,7 @@
           <a:blip r:embed="rId2">
             <a:extLst>
               <a:ext uri="{28A0092B-C50C-407E-A947-70E740481C1C}">
-                <a14:useLocalDpi xmlns="" xmlns:a14="http://schemas.microsoft.com/office/drawing/2010/main" val="0"/>
+                <a14:useLocalDpi xmlns:a14="http://schemas.microsoft.com/office/drawing/2010/main" xmlns="" val="0"/>
               </a:ext>
             </a:extLst>
           </a:blip>
@@ -2157,7 +2158,7 @@
             <a:fld id="{6FB05D10-D8AF-438F-8E51-3913AE870CFD}" type="datetime1">
               <a:rPr lang="en-US" smtClean="0"/>
               <a:pPr/>
-              <a:t>1/19/2018</a:t>
+              <a:t>1/20/2018</a:t>
             </a:fld>
             <a:endParaRPr lang="en-US" dirty="0"/>
           </a:p>
@@ -2247,7 +2248,7 @@
           <a:blip r:embed="rId2">
             <a:extLst>
               <a:ext uri="{28A0092B-C50C-407E-A947-70E740481C1C}">
-                <a14:useLocalDpi xmlns="" xmlns:a14="http://schemas.microsoft.com/office/drawing/2010/main" val="0"/>
+                <a14:useLocalDpi xmlns:a14="http://schemas.microsoft.com/office/drawing/2010/main" xmlns="" val="0"/>
               </a:ext>
             </a:extLst>
           </a:blip>
@@ -2720,7 +2721,7 @@
             <a:fld id="{4A64707E-F81B-4A26-91B6-26D893D42047}" type="datetime1">
               <a:rPr lang="en-US" smtClean="0"/>
               <a:pPr/>
-              <a:t>1/19/2018</a:t>
+              <a:t>1/20/2018</a:t>
             </a:fld>
             <a:endParaRPr lang="en-US" dirty="0"/>
           </a:p>
@@ -2810,7 +2811,7 @@
           <a:blip r:embed="rId2">
             <a:extLst>
               <a:ext uri="{28A0092B-C50C-407E-A947-70E740481C1C}">
-                <a14:useLocalDpi xmlns="" xmlns:a14="http://schemas.microsoft.com/office/drawing/2010/main" val="0"/>
+                <a14:useLocalDpi xmlns:a14="http://schemas.microsoft.com/office/drawing/2010/main" xmlns="" val="0"/>
               </a:ext>
             </a:extLst>
           </a:blip>
@@ -3048,7 +3049,7 @@
             <a:fld id="{26F2B987-8BDC-40C7-9BC0-39C4DA5F514D}" type="datetime1">
               <a:rPr lang="en-US" smtClean="0"/>
               <a:pPr/>
-              <a:t>1/19/2018</a:t>
+              <a:t>1/20/2018</a:t>
             </a:fld>
             <a:endParaRPr lang="en-US" dirty="0"/>
           </a:p>
@@ -3138,7 +3139,7 @@
           <a:blip r:embed="rId2">
             <a:extLst>
               <a:ext uri="{28A0092B-C50C-407E-A947-70E740481C1C}">
-                <a14:useLocalDpi xmlns="" xmlns:a14="http://schemas.microsoft.com/office/drawing/2010/main" val="0"/>
+                <a14:useLocalDpi xmlns:a14="http://schemas.microsoft.com/office/drawing/2010/main" xmlns="" val="0"/>
               </a:ext>
             </a:extLst>
           </a:blip>
@@ -3226,7 +3227,7 @@
             <a:fld id="{37582D85-0F8A-45DC-B451-260CE204E768}" type="datetime1">
               <a:rPr lang="en-US" smtClean="0"/>
               <a:pPr/>
-              <a:t>1/19/2018</a:t>
+              <a:t>1/20/2018</a:t>
             </a:fld>
             <a:endParaRPr lang="en-US" dirty="0"/>
           </a:p>
@@ -3344,7 +3345,7 @@
           <a:blip r:embed="rId2">
             <a:extLst>
               <a:ext uri="{28A0092B-C50C-407E-A947-70E740481C1C}">
-                <a14:useLocalDpi xmlns="" xmlns:a14="http://schemas.microsoft.com/office/drawing/2010/main" val="0"/>
+                <a14:useLocalDpi xmlns:a14="http://schemas.microsoft.com/office/drawing/2010/main" xmlns="" val="0"/>
               </a:ext>
             </a:extLst>
           </a:blip>
@@ -3465,7 +3466,7 @@
             <a:fld id="{303A5041-0462-4299-A548-AF73E050D47E}" type="datetime1">
               <a:rPr lang="en-US" smtClean="0"/>
               <a:pPr/>
-              <a:t>1/19/2018</a:t>
+              <a:t>1/20/2018</a:t>
             </a:fld>
             <a:endParaRPr lang="en-US" dirty="0"/>
           </a:p>
@@ -3555,7 +3556,7 @@
           <a:blip r:embed="rId2">
             <a:extLst>
               <a:ext uri="{28A0092B-C50C-407E-A947-70E740481C1C}">
-                <a14:useLocalDpi xmlns="" xmlns:a14="http://schemas.microsoft.com/office/drawing/2010/main" val="0"/>
+                <a14:useLocalDpi xmlns:a14="http://schemas.microsoft.com/office/drawing/2010/main" xmlns="" val="0"/>
               </a:ext>
             </a:extLst>
           </a:blip>
@@ -3666,7 +3667,7 @@
             <a:fld id="{E00C9328-767C-48EA-B5FE-0C841C5E80DF}" type="datetime1">
               <a:rPr lang="en-US" smtClean="0"/>
               <a:pPr/>
-              <a:t>1/19/2018</a:t>
+              <a:t>1/20/2018</a:t>
             </a:fld>
             <a:endParaRPr lang="en-US" dirty="0"/>
           </a:p>
@@ -3756,7 +3757,7 @@
           <a:blip r:embed="rId2">
             <a:extLst>
               <a:ext uri="{28A0092B-C50C-407E-A947-70E740481C1C}">
-                <a14:useLocalDpi xmlns="" xmlns:a14="http://schemas.microsoft.com/office/drawing/2010/main" val="0"/>
+                <a14:useLocalDpi xmlns:a14="http://schemas.microsoft.com/office/drawing/2010/main" xmlns="" val="0"/>
               </a:ext>
             </a:extLst>
           </a:blip>
@@ -3943,7 +3944,7 @@
             <a:fld id="{BF9EFD29-6F05-4DCC-BC3D-707E27A45D7D}" type="datetime1">
               <a:rPr lang="en-US" smtClean="0"/>
               <a:pPr/>
-              <a:t>1/19/2018</a:t>
+              <a:t>1/20/2018</a:t>
             </a:fld>
             <a:endParaRPr lang="en-US" dirty="0"/>
           </a:p>
@@ -4033,7 +4034,7 @@
           <a:blip r:embed="rId2">
             <a:extLst>
               <a:ext uri="{28A0092B-C50C-407E-A947-70E740481C1C}">
-                <a14:useLocalDpi xmlns="" xmlns:a14="http://schemas.microsoft.com/office/drawing/2010/main" val="0"/>
+                <a14:useLocalDpi xmlns:a14="http://schemas.microsoft.com/office/drawing/2010/main" xmlns="" val="0"/>
               </a:ext>
             </a:extLst>
           </a:blip>
@@ -4210,7 +4211,7 @@
             <a:fld id="{E17C08E7-E297-4B35-9D33-968369C8604D}" type="datetime1">
               <a:rPr lang="en-US" smtClean="0"/>
               <a:pPr/>
-              <a:t>1/19/2018</a:t>
+              <a:t>1/20/2018</a:t>
             </a:fld>
             <a:endParaRPr lang="en-US" dirty="0"/>
           </a:p>
@@ -4585,7 +4586,7 @@
             <a:fld id="{C4B3DD9D-B276-4D7C-967D-754AF6FFDB1E}" type="datetime1">
               <a:rPr lang="en-US" smtClean="0"/>
               <a:pPr/>
-              <a:t>1/19/2018</a:t>
+              <a:t>1/20/2018</a:t>
             </a:fld>
             <a:endParaRPr lang="en-US" dirty="0"/>
           </a:p>
@@ -4675,7 +4676,7 @@
           <a:blip r:embed="rId2">
             <a:extLst>
               <a:ext uri="{28A0092B-C50C-407E-A947-70E740481C1C}">
-                <a14:useLocalDpi xmlns="" xmlns:a14="http://schemas.microsoft.com/office/drawing/2010/main" val="0"/>
+                <a14:useLocalDpi xmlns:a14="http://schemas.microsoft.com/office/drawing/2010/main" xmlns="" val="0"/>
               </a:ext>
             </a:extLst>
           </a:blip>
@@ -4734,7 +4735,7 @@
             <a:fld id="{AB22C7D3-0C93-4A57-A187-7DC81504DE50}" type="datetime1">
               <a:rPr lang="en-US" smtClean="0"/>
               <a:pPr/>
-              <a:t>1/19/2018</a:t>
+              <a:t>1/20/2018</a:t>
             </a:fld>
             <a:endParaRPr lang="en-US" dirty="0"/>
           </a:p>
@@ -4824,7 +4825,7 @@
           <a:blip r:embed="rId2">
             <a:extLst>
               <a:ext uri="{28A0092B-C50C-407E-A947-70E740481C1C}">
-                <a14:useLocalDpi xmlns="" xmlns:a14="http://schemas.microsoft.com/office/drawing/2010/main" val="0"/>
+                <a14:useLocalDpi xmlns:a14="http://schemas.microsoft.com/office/drawing/2010/main" xmlns="" val="0"/>
               </a:ext>
             </a:extLst>
           </a:blip>
@@ -4860,7 +4861,7 @@
             <a:fld id="{B1DA66F4-4A7A-4EB9-9E42-AEFE7D596F6C}" type="datetime1">
               <a:rPr lang="en-US" smtClean="0"/>
               <a:pPr/>
-              <a:t>1/19/2018</a:t>
+              <a:t>1/20/2018</a:t>
             </a:fld>
             <a:endParaRPr lang="en-US" dirty="0"/>
           </a:p>
@@ -4950,7 +4951,7 @@
           <a:blip r:embed="rId2">
             <a:extLst>
               <a:ext uri="{28A0092B-C50C-407E-A947-70E740481C1C}">
-                <a14:useLocalDpi xmlns="" xmlns:a14="http://schemas.microsoft.com/office/drawing/2010/main" val="0"/>
+                <a14:useLocalDpi xmlns:a14="http://schemas.microsoft.com/office/drawing/2010/main" xmlns="" val="0"/>
               </a:ext>
             </a:extLst>
           </a:blip>
@@ -5146,7 +5147,7 @@
             <a:fld id="{83756C56-267F-4D0C-89ED-40B943DE8EE5}" type="datetime1">
               <a:rPr lang="en-US" smtClean="0"/>
               <a:pPr/>
-              <a:t>1/19/2018</a:t>
+              <a:t>1/20/2018</a:t>
             </a:fld>
             <a:endParaRPr lang="en-US" dirty="0"/>
           </a:p>
@@ -5236,7 +5237,7 @@
           <a:blip r:embed="rId2">
             <a:extLst>
               <a:ext uri="{28A0092B-C50C-407E-A947-70E740481C1C}">
-                <a14:useLocalDpi xmlns="" xmlns:a14="http://schemas.microsoft.com/office/drawing/2010/main" val="0"/>
+                <a14:useLocalDpi xmlns:a14="http://schemas.microsoft.com/office/drawing/2010/main" xmlns="" val="0"/>
               </a:ext>
             </a:extLst>
           </a:blip>
@@ -5471,7 +5472,7 @@
             <a:fld id="{AB518942-7816-49BE-A0A0-F629C6FDAD32}" type="datetime1">
               <a:rPr lang="en-US" smtClean="0"/>
               <a:pPr/>
-              <a:t>1/19/2018</a:t>
+              <a:t>1/20/2018</a:t>
             </a:fld>
             <a:endParaRPr lang="en-US" dirty="0"/>
           </a:p>
@@ -5686,7 +5687,7 @@
             <a:fld id="{D996A0C8-BB33-4CDA-AAAD-6D3025DD3827}" type="datetime1">
               <a:rPr lang="en-US" smtClean="0"/>
               <a:pPr/>
-              <a:t>1/19/2018</a:t>
+              <a:t>1/20/2018</a:t>
             </a:fld>
             <a:endParaRPr lang="en-US" dirty="0"/>
           </a:p>
@@ -6312,8 +6313,8 @@
         </p:nvSpPr>
         <p:spPr>
           <a:xfrm>
-            <a:off x="208078" y="2024743"/>
-            <a:ext cx="11983922" cy="1569660"/>
+            <a:off x="495464" y="2024743"/>
+            <a:ext cx="10486973" cy="1384995"/>
           </a:xfrm>
           <a:prstGeom prst="rect">
             <a:avLst/>
@@ -6327,7 +6328,7 @@
           <a:lstStyle/>
           <a:p>
             <a:r>
-              <a:rPr lang="sk-SK" sz="3200" dirty="0" smtClean="0">
+              <a:rPr lang="sk-SK" sz="2800" dirty="0" smtClean="0">
                 <a:solidFill>
                   <a:schemeClr val="accent3">
                     <a:lumMod val="60000"/>
@@ -6340,7 +6341,7 @@
           </a:p>
           <a:p>
             <a:r>
-              <a:rPr lang="sk-SK" sz="3200" dirty="0" smtClean="0">
+              <a:rPr lang="sk-SK" sz="2800" dirty="0" smtClean="0">
                 <a:solidFill>
                   <a:schemeClr val="accent3">
                     <a:lumMod val="60000"/>
@@ -6353,7 +6354,7 @@
           </a:p>
           <a:p>
             <a:r>
-              <a:rPr lang="sk-SK" sz="3200" dirty="0" smtClean="0">
+              <a:rPr lang="sk-SK" sz="2800" dirty="0" smtClean="0">
                 <a:solidFill>
                   <a:schemeClr val="accent3">
                     <a:lumMod val="60000"/>
@@ -6604,7 +6605,7 @@
                   </a:schemeClr>
                 </a:solidFill>
               </a:rPr>
-              <a:t>/7</a:t>
+              <a:t>/8</a:t>
             </a:r>
             <a:endParaRPr lang="en-US" sz="1600" dirty="0">
               <a:solidFill>
@@ -6654,7 +6655,7 @@
     </p:spTree>
     <p:extLst>
       <p:ext uri="{BB962C8B-B14F-4D97-AF65-F5344CB8AC3E}">
-        <p14:creationId xmlns="" xmlns:p14="http://schemas.microsoft.com/office/powerpoint/2010/main" val="2526593619"/>
+        <p14:creationId xmlns:p14="http://schemas.microsoft.com/office/powerpoint/2010/main" xmlns="" val="2526593619"/>
       </p:ext>
     </p:extLst>
   </p:cSld>
@@ -6735,7 +6736,12 @@
             <p:ph idx="1"/>
           </p:nvPr>
         </p:nvSpPr>
-        <p:spPr/>
+        <p:spPr>
+          <a:xfrm>
+            <a:off x="685801" y="2142068"/>
+            <a:ext cx="10131425" cy="2442996"/>
+          </a:xfrm>
+        </p:spPr>
         <p:txBody>
           <a:bodyPr>
             <a:normAutofit/>
@@ -6805,7 +6811,7 @@
                   </a:schemeClr>
                 </a:solidFill>
               </a:rPr>
-              <a:t>/7</a:t>
+              <a:t>/8</a:t>
             </a:r>
             <a:endParaRPr lang="en-US" sz="1600" dirty="0">
               <a:solidFill>
@@ -6912,125 +6918,7 @@
       </p:grpSpPr>
       <p:sp>
         <p:nvSpPr>
-          <p:cNvPr id="2" name="Nadpis 1"/>
-          <p:cNvSpPr>
-            <a:spLocks noGrp="1"/>
-          </p:cNvSpPr>
-          <p:nvPr>
-            <p:ph type="title"/>
-          </p:nvPr>
-        </p:nvSpPr>
-        <p:spPr/>
-        <p:txBody>
-          <a:bodyPr/>
-          <a:lstStyle/>
-          <a:p>
-            <a:r>
-              <a:rPr lang="sk-SK" dirty="0" smtClean="0">
-                <a:solidFill>
-                  <a:schemeClr val="accent3">
-                    <a:lumMod val="60000"/>
-                    <a:lumOff val="40000"/>
-                  </a:schemeClr>
-                </a:solidFill>
-              </a:rPr>
-              <a:t>Architektúra riešenia</a:t>
-            </a:r>
-            <a:endParaRPr lang="sk-SK" dirty="0">
-              <a:solidFill>
-                <a:schemeClr val="accent3">
-                  <a:lumMod val="60000"/>
-                  <a:lumOff val="40000"/>
-                </a:schemeClr>
-              </a:solidFill>
-            </a:endParaRPr>
-          </a:p>
-        </p:txBody>
-      </p:sp>
-      <p:sp>
-        <p:nvSpPr>
-          <p:cNvPr id="3" name="Zástupný symbol obsahu 2"/>
-          <p:cNvSpPr>
-            <a:spLocks noGrp="1"/>
-          </p:cNvSpPr>
-          <p:nvPr>
-            <p:ph idx="1"/>
-          </p:nvPr>
-        </p:nvSpPr>
-        <p:spPr/>
-        <p:txBody>
-          <a:bodyPr>
-            <a:normAutofit/>
-          </a:bodyPr>
-          <a:lstStyle/>
-          <a:p>
-            <a:pPr>
-              <a:buNone/>
-            </a:pPr>
-            <a:r>
-              <a:rPr lang="sk-SK" sz="2400" dirty="0" smtClean="0">
-                <a:solidFill>
-                  <a:schemeClr val="accent3">
-                    <a:lumMod val="60000"/>
-                    <a:lumOff val="40000"/>
-                  </a:schemeClr>
-                </a:solidFill>
-              </a:rPr>
-              <a:t>Naše riešenie pozostáva z 3 prepojených častí:</a:t>
-            </a:r>
-          </a:p>
-          <a:p>
-            <a:r>
-              <a:rPr lang="sk-SK" sz="2400" dirty="0" smtClean="0">
-                <a:solidFill>
-                  <a:schemeClr val="accent3">
-                    <a:lumMod val="60000"/>
-                    <a:lumOff val="40000"/>
-                  </a:schemeClr>
-                </a:solidFill>
-              </a:rPr>
-              <a:t>Aplikácia na počítači – zobrazuje rôzne formy medicínskych dát, ktoré si môže používateľ prehliadať pomocou okuliarov pre virtuálnu realitu</a:t>
-            </a:r>
-          </a:p>
-          <a:p>
-            <a:r>
-              <a:rPr lang="sk-SK" sz="2400" dirty="0" smtClean="0">
-                <a:solidFill>
-                  <a:schemeClr val="accent3">
-                    <a:lumMod val="60000"/>
-                    <a:lumOff val="40000"/>
-                  </a:schemeClr>
-                </a:solidFill>
-              </a:rPr>
-              <a:t>Oculus VR set s použitím Leap Motion senzora – zobrazuje pre používateľa dáta z aplikácie a sleduje pohyb rúk používateľa</a:t>
-            </a:r>
-          </a:p>
-          <a:p>
-            <a:r>
-              <a:rPr lang="sk-SK" sz="2400" dirty="0" smtClean="0">
-                <a:solidFill>
-                  <a:schemeClr val="accent3">
-                    <a:lumMod val="60000"/>
-                    <a:lumOff val="40000"/>
-                  </a:schemeClr>
-                </a:solidFill>
-              </a:rPr>
-              <a:t>Rukavica – špeciálne zostrojená z vytlačených 3D komponentov pre realizáciu spätnej väzby pri dotyku s virtuálnym objektom v aplikácii</a:t>
-            </a:r>
-            <a:endParaRPr lang="sk-SK" sz="2400" dirty="0">
-              <a:solidFill>
-                <a:schemeClr val="accent3">
-                  <a:lumMod val="60000"/>
-                  <a:lumOff val="40000"/>
-                </a:schemeClr>
-              </a:solidFill>
-            </a:endParaRPr>
-          </a:p>
-        </p:txBody>
-      </p:sp>
-      <p:sp>
-        <p:nvSpPr>
-          <p:cNvPr id="4" name="Zástupný symbol čísla snímky 3"/>
+          <p:cNvPr id="5" name="Zástupný symbol čísla snímky 4"/>
           <p:cNvSpPr>
             <a:spLocks noGrp="1"/>
           </p:cNvSpPr>
@@ -7064,7 +6952,7 @@
                   </a:schemeClr>
                 </a:solidFill>
               </a:rPr>
-              <a:t>/7</a:t>
+              <a:t>/8</a:t>
             </a:r>
             <a:endParaRPr lang="en-US" sz="1600" dirty="0">
               <a:solidFill>
@@ -7079,7 +6967,7 @@
       </p:sp>
       <p:pic>
         <p:nvPicPr>
-          <p:cNvPr id="5" name="Picture 2" descr="C:\Users\Robert\Downloads\siemens.jpg"/>
+          <p:cNvPr id="6" name="Picture 2" descr="C:\Users\Robert\Downloads\siemens.jpg"/>
           <p:cNvPicPr>
             <a:picLocks noChangeAspect="1" noChangeArrowheads="1"/>
           </p:cNvPicPr>
@@ -7137,18 +7025,81 @@
           </a:ln>
         </p:spPr>
       </p:pic>
+      <p:pic>
+        <p:nvPicPr>
+          <p:cNvPr id="27650" name="Picture 2" descr="https://www.mathworks.com/content/mathworks/www/en/company/newsletters/articles/accessing-data-in-dicom-files/jcr:content/mainParsys/image_0.adapt.full.high.jpg/1469941449199.jpg"/>
+          <p:cNvPicPr>
+            <a:picLocks noChangeAspect="1" noChangeArrowheads="1"/>
+          </p:cNvPicPr>
+          <p:nvPr/>
+        </p:nvPicPr>
+        <p:blipFill>
+          <a:blip r:embed="rId4"/>
+          <a:srcRect/>
+          <a:stretch>
+            <a:fillRect/>
+          </a:stretch>
+        </p:blipFill>
+        <p:spPr bwMode="auto">
+          <a:xfrm rot="5400000">
+            <a:off x="3996056" y="1031965"/>
+            <a:ext cx="3687001" cy="4698093"/>
+          </a:xfrm>
+          <a:prstGeom prst="rect">
+            <a:avLst/>
+          </a:prstGeom>
+          <a:noFill/>
+        </p:spPr>
+      </p:pic>
+      <p:sp>
+        <p:nvSpPr>
+          <p:cNvPr id="10" name="BlokTextu 9"/>
+          <p:cNvSpPr txBox="1"/>
+          <p:nvPr/>
+        </p:nvSpPr>
+        <p:spPr>
+          <a:xfrm>
+            <a:off x="4572000" y="5303520"/>
+            <a:ext cx="2170531" cy="461665"/>
+          </a:xfrm>
+          <a:prstGeom prst="rect">
+            <a:avLst/>
+          </a:prstGeom>
+          <a:noFill/>
+        </p:spPr>
+        <p:txBody>
+          <a:bodyPr wrap="none" rtlCol="0">
+            <a:spAutoFit/>
+          </a:bodyPr>
+          <a:lstStyle/>
+          <a:p>
+            <a:r>
+              <a:rPr lang="sk-SK" sz="2400" dirty="0" smtClean="0">
+                <a:solidFill>
+                  <a:schemeClr val="accent3">
+                    <a:lumMod val="60000"/>
+                    <a:lumOff val="40000"/>
+                  </a:schemeClr>
+                </a:solidFill>
+              </a:rPr>
+              <a:t>CT snímky hlavy</a:t>
+            </a:r>
+            <a:endParaRPr lang="sk-SK" sz="2400" dirty="0">
+              <a:solidFill>
+                <a:schemeClr val="accent3">
+                  <a:lumMod val="60000"/>
+                  <a:lumOff val="40000"/>
+                </a:schemeClr>
+              </a:solidFill>
+            </a:endParaRPr>
+          </a:p>
+        </p:txBody>
+      </p:sp>
     </p:spTree>
   </p:cSld>
   <p:clrMapOvr>
     <a:masterClrMapping/>
   </p:clrMapOvr>
-  <p:timing>
-    <p:tnLst>
-      <p:par>
-        <p:cTn id="1" dur="indefinite" restart="never" nodeType="tmRoot"/>
-      </p:par>
-    </p:tnLst>
-  </p:timing>
 </p:sld>
 </file>
 
@@ -7171,7 +7122,130 @@
       </p:grpSpPr>
       <p:sp>
         <p:nvSpPr>
-          <p:cNvPr id="5" name="Zástupný symbol čísla snímky 4"/>
+          <p:cNvPr id="2" name="Nadpis 1"/>
+          <p:cNvSpPr>
+            <a:spLocks noGrp="1"/>
+          </p:cNvSpPr>
+          <p:nvPr>
+            <p:ph type="title"/>
+          </p:nvPr>
+        </p:nvSpPr>
+        <p:spPr/>
+        <p:txBody>
+          <a:bodyPr/>
+          <a:lstStyle/>
+          <a:p>
+            <a:r>
+              <a:rPr lang="sk-SK" dirty="0" smtClean="0">
+                <a:solidFill>
+                  <a:schemeClr val="accent3">
+                    <a:lumMod val="60000"/>
+                    <a:lumOff val="40000"/>
+                  </a:schemeClr>
+                </a:solidFill>
+              </a:rPr>
+              <a:t>Architektúra riešenia</a:t>
+            </a:r>
+            <a:endParaRPr lang="sk-SK" dirty="0">
+              <a:solidFill>
+                <a:schemeClr val="accent3">
+                  <a:lumMod val="60000"/>
+                  <a:lumOff val="40000"/>
+                </a:schemeClr>
+              </a:solidFill>
+            </a:endParaRPr>
+          </a:p>
+        </p:txBody>
+      </p:sp>
+      <p:sp>
+        <p:nvSpPr>
+          <p:cNvPr id="3" name="Zástupný symbol obsahu 2"/>
+          <p:cNvSpPr>
+            <a:spLocks noGrp="1"/>
+          </p:cNvSpPr>
+          <p:nvPr>
+            <p:ph idx="1"/>
+          </p:nvPr>
+        </p:nvSpPr>
+        <p:spPr>
+          <a:xfrm>
+            <a:off x="685801" y="2142068"/>
+            <a:ext cx="10131425" cy="3122264"/>
+          </a:xfrm>
+        </p:spPr>
+        <p:txBody>
+          <a:bodyPr>
+            <a:normAutofit/>
+          </a:bodyPr>
+          <a:lstStyle/>
+          <a:p>
+            <a:pPr>
+              <a:buNone/>
+            </a:pPr>
+            <a:r>
+              <a:rPr lang="sk-SK" sz="2400" dirty="0" smtClean="0">
+                <a:solidFill>
+                  <a:schemeClr val="accent3">
+                    <a:lumMod val="60000"/>
+                    <a:lumOff val="40000"/>
+                  </a:schemeClr>
+                </a:solidFill>
+              </a:rPr>
+              <a:t>Naše riešenie pozostáva z 3 prepojených častí:</a:t>
+            </a:r>
+          </a:p>
+          <a:p>
+            <a:r>
+              <a:rPr lang="sk-SK" sz="2400" dirty="0" smtClean="0">
+                <a:solidFill>
+                  <a:schemeClr val="accent3">
+                    <a:lumMod val="60000"/>
+                    <a:lumOff val="40000"/>
+                  </a:schemeClr>
+                </a:solidFill>
+              </a:rPr>
+              <a:t>Aplikácia na počítači – zobrazuje rôzne formy medicínskych dát, ktoré si môže používateľ prehliadať pomocou okuliarov pre virtuálnu realitu</a:t>
+            </a:r>
+          </a:p>
+          <a:p>
+            <a:r>
+              <a:rPr lang="sk-SK" sz="2400" dirty="0" smtClean="0">
+                <a:solidFill>
+                  <a:schemeClr val="accent3">
+                    <a:lumMod val="60000"/>
+                    <a:lumOff val="40000"/>
+                  </a:schemeClr>
+                </a:solidFill>
+              </a:rPr>
+              <a:t>Oculus VR set s použitím Leap Motion senzora – zobrazuje pre používateľa dáta z aplikácie a sleduje pohyb rúk používateľa</a:t>
+            </a:r>
+          </a:p>
+          <a:p>
+            <a:r>
+              <a:rPr lang="sk-SK" sz="2400" dirty="0" smtClean="0">
+                <a:solidFill>
+                  <a:schemeClr val="accent3">
+                    <a:lumMod val="60000"/>
+                    <a:lumOff val="40000"/>
+                  </a:schemeClr>
+                </a:solidFill>
+              </a:rPr>
+              <a:t>Rukavica – špeciálne zostrojená z vytlačených 3D komponentov pre realizáciu spätnej väzby pri dotyku s virtuálnym objektom v aplikácii</a:t>
+            </a:r>
+            <a:endParaRPr lang="sk-SK" sz="2400" dirty="0">
+              <a:solidFill>
+                <a:schemeClr val="accent3">
+                  <a:lumMod val="60000"/>
+                  <a:lumOff val="40000"/>
+                </a:schemeClr>
+              </a:solidFill>
+            </a:endParaRPr>
+          </a:p>
+        </p:txBody>
+      </p:sp>
+      <p:sp>
+        <p:nvSpPr>
+          <p:cNvPr id="4" name="Zástupný symbol čísla snímky 3"/>
           <p:cNvSpPr>
             <a:spLocks noGrp="1"/>
           </p:cNvSpPr>
@@ -7205,7 +7279,7 @@
                   </a:schemeClr>
                 </a:solidFill>
               </a:rPr>
-              <a:t>/7</a:t>
+              <a:t>/8</a:t>
             </a:r>
             <a:endParaRPr lang="en-US" sz="1600" dirty="0">
               <a:solidFill>
@@ -7218,46 +7292,9 @@
           </a:p>
         </p:txBody>
       </p:sp>
-      <p:sp>
-        <p:nvSpPr>
-          <p:cNvPr id="6" name="Nadpis 1"/>
-          <p:cNvSpPr>
-            <a:spLocks noGrp="1"/>
-          </p:cNvSpPr>
-          <p:nvPr>
-            <p:ph type="title"/>
-          </p:nvPr>
-        </p:nvSpPr>
-        <p:spPr/>
-        <p:txBody>
-          <a:bodyPr/>
-          <a:lstStyle/>
-          <a:p>
-            <a:r>
-              <a:rPr lang="sk-SK" dirty="0" smtClean="0">
-                <a:solidFill>
-                  <a:schemeClr val="accent3">
-                    <a:lumMod val="60000"/>
-                    <a:lumOff val="40000"/>
-                  </a:schemeClr>
-                </a:solidFill>
-              </a:rPr>
-              <a:t>Použité technológie</a:t>
-            </a:r>
-            <a:endParaRPr lang="sk-SK" dirty="0">
-              <a:solidFill>
-                <a:schemeClr val="accent3">
-                  <a:lumMod val="60000"/>
-                  <a:lumOff val="40000"/>
-                </a:schemeClr>
-              </a:solidFill>
-            </a:endParaRPr>
-          </a:p>
-        </p:txBody>
-      </p:sp>
       <p:pic>
         <p:nvPicPr>
-          <p:cNvPr id="7" name="Picture 2" descr="C:\Users\Robert\Downloads\siemens.jpg"/>
+          <p:cNvPr id="5" name="Picture 2" descr="C:\Users\Robert\Downloads\siemens.jpg"/>
           <p:cNvPicPr>
             <a:picLocks noChangeAspect="1" noChangeArrowheads="1"/>
           </p:cNvPicPr>
@@ -7283,336 +7320,14 @@
       </p:pic>
       <p:pic>
         <p:nvPicPr>
-          <p:cNvPr id="1041" name="Picture 17" descr="https://doc.micrium.com/download/attachments/10752175/TCPIPDOC?version=1&amp;modificationDate=1381450369000&amp;api=v2"/>
-          <p:cNvPicPr>
-            <a:picLocks noChangeAspect="1" noChangeArrowheads="1"/>
-          </p:cNvPicPr>
-          <p:nvPr/>
-        </p:nvPicPr>
-        <p:blipFill>
-          <a:blip r:embed="rId3"/>
-          <a:srcRect/>
-          <a:stretch>
-            <a:fillRect/>
-          </a:stretch>
-        </p:blipFill>
-        <p:spPr bwMode="auto">
-          <a:xfrm>
-            <a:off x="6691461" y="3431358"/>
-            <a:ext cx="1329179" cy="1329179"/>
-          </a:xfrm>
-          <a:prstGeom prst="rect">
-            <a:avLst/>
-          </a:prstGeom>
-          <a:noFill/>
-        </p:spPr>
-      </p:pic>
-      <p:pic>
-        <p:nvPicPr>
-          <p:cNvPr id="1045" name="Picture 21" descr="https://hackadaycom.files.wordpress.com/2016/04/arduinopi2.png?w=800"/>
-          <p:cNvPicPr>
-            <a:picLocks noChangeAspect="1" noChangeArrowheads="1"/>
-          </p:cNvPicPr>
-          <p:nvPr/>
-        </p:nvPicPr>
-        <p:blipFill>
-          <a:blip r:embed="rId4"/>
-          <a:srcRect l="45835" r="5423"/>
-          <a:stretch>
-            <a:fillRect/>
-          </a:stretch>
-        </p:blipFill>
-        <p:spPr bwMode="auto">
-          <a:xfrm>
-            <a:off x="4687395" y="2295619"/>
-            <a:ext cx="2165894" cy="1710773"/>
-          </a:xfrm>
-          <a:prstGeom prst="rect">
-            <a:avLst/>
-          </a:prstGeom>
-          <a:noFill/>
-        </p:spPr>
-      </p:pic>
-      <p:pic>
-        <p:nvPicPr>
-          <p:cNvPr id="1047" name="Picture 23" descr="https://download.blender.org/institute/logos/blender-socket.png"/>
-          <p:cNvPicPr>
-            <a:picLocks noChangeAspect="1" noChangeArrowheads="1"/>
-          </p:cNvPicPr>
-          <p:nvPr/>
-        </p:nvPicPr>
-        <p:blipFill>
-          <a:blip r:embed="rId5"/>
-          <a:srcRect/>
-          <a:stretch>
-            <a:fillRect/>
-          </a:stretch>
-        </p:blipFill>
-        <p:spPr bwMode="auto">
-          <a:xfrm>
-            <a:off x="8630206" y="1851669"/>
-            <a:ext cx="3561794" cy="1113061"/>
-          </a:xfrm>
-          <a:prstGeom prst="rect">
-            <a:avLst/>
-          </a:prstGeom>
-          <a:noFill/>
-        </p:spPr>
-      </p:pic>
-      <p:pic>
-        <p:nvPicPr>
-          <p:cNvPr id="1049" name="Picture 25" descr="https://3dwarehouse.sketchup.com/img/SU_Logo_Color.png"/>
-          <p:cNvPicPr>
-            <a:picLocks noChangeAspect="1" noChangeArrowheads="1"/>
-          </p:cNvPicPr>
-          <p:nvPr/>
-        </p:nvPicPr>
-        <p:blipFill>
-          <a:blip r:embed="rId6"/>
-          <a:srcRect/>
-          <a:stretch>
-            <a:fillRect/>
-          </a:stretch>
-        </p:blipFill>
-        <p:spPr bwMode="auto">
-          <a:xfrm>
-            <a:off x="8097098" y="4785991"/>
-            <a:ext cx="3925216" cy="849177"/>
-          </a:xfrm>
-          <a:prstGeom prst="rect">
-            <a:avLst/>
-          </a:prstGeom>
-          <a:solidFill>
-            <a:schemeClr val="tx1"/>
-          </a:solidFill>
-        </p:spPr>
-      </p:pic>
-      <p:pic>
-        <p:nvPicPr>
-          <p:cNvPr id="1053" name="Picture 29" descr="http://is301.com/wp-content/uploads/2017/12/04_Oculus-Full-Lockup-Vertical-Black.png"/>
-          <p:cNvPicPr>
-            <a:picLocks noChangeAspect="1" noChangeArrowheads="1"/>
-          </p:cNvPicPr>
-          <p:nvPr/>
-        </p:nvPicPr>
-        <p:blipFill>
-          <a:blip r:embed="rId7"/>
-          <a:srcRect l="27446" t="13811" r="27109" b="19398"/>
-          <a:stretch>
-            <a:fillRect/>
-          </a:stretch>
-        </p:blipFill>
-        <p:spPr bwMode="auto">
-          <a:xfrm>
-            <a:off x="200953" y="3733014"/>
-            <a:ext cx="1288481" cy="1065229"/>
-          </a:xfrm>
-          <a:prstGeom prst="rect">
-            <a:avLst/>
-          </a:prstGeom>
-          <a:solidFill>
-            <a:schemeClr val="tx1"/>
-          </a:solidFill>
-        </p:spPr>
-      </p:pic>
-      <p:pic>
-        <p:nvPicPr>
-          <p:cNvPr id="1055" name="Picture 31" descr="https://upload.wikimedia.org/wikipedia/commons/thumb/0/02/Leap_Motion_logo.svg/1200px-Leap_Motion_logo.svg.png"/>
-          <p:cNvPicPr>
-            <a:picLocks noChangeAspect="1" noChangeArrowheads="1"/>
-          </p:cNvPicPr>
-          <p:nvPr/>
-        </p:nvPicPr>
-        <p:blipFill>
-          <a:blip r:embed="rId8"/>
-          <a:srcRect l="-9053" t="-11114" r="-8634" b="-13357"/>
-          <a:stretch>
-            <a:fillRect/>
-          </a:stretch>
-        </p:blipFill>
-        <p:spPr bwMode="auto">
-          <a:xfrm>
-            <a:off x="1809945" y="2366129"/>
-            <a:ext cx="2083324" cy="1055802"/>
-          </a:xfrm>
-          <a:prstGeom prst="rect">
-            <a:avLst/>
-          </a:prstGeom>
-          <a:solidFill>
-            <a:schemeClr val="tx1"/>
-          </a:solidFill>
-        </p:spPr>
-      </p:pic>
-      <p:pic>
-        <p:nvPicPr>
-          <p:cNvPr id="1057" name="Picture 33" descr="https://upload.wikimedia.org/wikipedia/commons/thumb/1/19/Unity_Technologies_logo.svg/2000px-Unity_Technologies_logo.svg.png"/>
-          <p:cNvPicPr>
-            <a:picLocks noChangeAspect="1" noChangeArrowheads="1"/>
-          </p:cNvPicPr>
-          <p:nvPr/>
-        </p:nvPicPr>
-        <p:blipFill>
-          <a:blip r:embed="rId9"/>
-          <a:srcRect l="-1866" t="-8309" r="-2239" b="-6660"/>
-          <a:stretch>
-            <a:fillRect/>
-          </a:stretch>
-        </p:blipFill>
-        <p:spPr bwMode="auto">
-          <a:xfrm>
-            <a:off x="1630837" y="3667027"/>
-            <a:ext cx="2630079" cy="1055802"/>
-          </a:xfrm>
-          <a:prstGeom prst="rect">
-            <a:avLst/>
-          </a:prstGeom>
-          <a:solidFill>
-            <a:schemeClr val="tx1"/>
-          </a:solidFill>
-        </p:spPr>
-      </p:pic>
-      <p:pic>
-        <p:nvPicPr>
-          <p:cNvPr id="1059" name="Picture 35" descr="https://camo.githubusercontent.com/0617f4657fef12e8d16db45b8d73def73144b09f/68747470733a2f2f646576656c6f7065722e6665646f726170726f6a6563742e6f72672f7374617469632f6c6f676f2f6373686172702e706e67"/>
-          <p:cNvPicPr>
-            <a:picLocks noChangeAspect="1" noChangeArrowheads="1"/>
-          </p:cNvPicPr>
-          <p:nvPr/>
-        </p:nvPicPr>
-        <p:blipFill>
-          <a:blip r:embed="rId10"/>
-          <a:srcRect/>
-          <a:stretch>
-            <a:fillRect/>
-          </a:stretch>
-        </p:blipFill>
-        <p:spPr bwMode="auto">
-          <a:xfrm>
-            <a:off x="192470" y="2093307"/>
-            <a:ext cx="1385374" cy="1488879"/>
-          </a:xfrm>
-          <a:prstGeom prst="rect">
-            <a:avLst/>
-          </a:prstGeom>
-          <a:noFill/>
-        </p:spPr>
-      </p:pic>
-      <p:pic>
-        <p:nvPicPr>
-          <p:cNvPr id="1061" name="Picture 37" descr="https://upload.wikimedia.org/wikipedia/commons/thumb/a/ae/WiFi_Logo.svg/1200px-WiFi_Logo.svg.png"/>
-          <p:cNvPicPr>
-            <a:picLocks noChangeAspect="1" noChangeArrowheads="1"/>
-          </p:cNvPicPr>
-          <p:nvPr/>
-        </p:nvPicPr>
-        <p:blipFill>
-          <a:blip r:embed="rId11"/>
-          <a:srcRect/>
-          <a:stretch>
-            <a:fillRect/>
-          </a:stretch>
-        </p:blipFill>
-        <p:spPr bwMode="auto">
-          <a:xfrm>
-            <a:off x="4682060" y="3949831"/>
-            <a:ext cx="2131971" cy="1263193"/>
-          </a:xfrm>
-          <a:prstGeom prst="rect">
-            <a:avLst/>
-          </a:prstGeom>
-          <a:noFill/>
-        </p:spPr>
-      </p:pic>
-      <p:pic>
-        <p:nvPicPr>
-          <p:cNvPr id="1063" name="Picture 39" descr="https://atmosphere.anaren.com/sites/default/files/EspressifLogoFullGlow.png"/>
-          <p:cNvPicPr>
-            <a:picLocks noChangeAspect="1" noChangeArrowheads="1"/>
-          </p:cNvPicPr>
-          <p:nvPr/>
-        </p:nvPicPr>
-        <p:blipFill>
-          <a:blip r:embed="rId12"/>
-          <a:srcRect/>
-          <a:stretch>
-            <a:fillRect/>
-          </a:stretch>
-        </p:blipFill>
-        <p:spPr bwMode="auto">
-          <a:xfrm>
-            <a:off x="6735990" y="1951348"/>
-            <a:ext cx="1438367" cy="1489434"/>
-          </a:xfrm>
-          <a:prstGeom prst="rect">
-            <a:avLst/>
-          </a:prstGeom>
-          <a:noFill/>
-        </p:spPr>
-      </p:pic>
-      <p:pic>
-        <p:nvPicPr>
-          <p:cNvPr id="1065" name="Picture 41" descr="https://camo.githubusercontent.com/2460cb1ca5e4066d33c8aef0b3f10662e7df981e/687474703a2f2f7777772e6c6865726e616e64657a2e6f72672f77702d636f6e74656e742f75706c6f6164732f323031362f30322f632d6c6f676f2e706e67"/>
-          <p:cNvPicPr>
-            <a:picLocks noChangeAspect="1" noChangeArrowheads="1"/>
-          </p:cNvPicPr>
-          <p:nvPr/>
-        </p:nvPicPr>
-        <p:blipFill>
-          <a:blip r:embed="rId13"/>
-          <a:srcRect/>
-          <a:stretch>
-            <a:fillRect/>
-          </a:stretch>
-        </p:blipFill>
-        <p:spPr bwMode="auto">
-          <a:xfrm>
-            <a:off x="4837348" y="1442300"/>
-            <a:ext cx="2224538" cy="1074656"/>
-          </a:xfrm>
-          <a:prstGeom prst="rect">
-            <a:avLst/>
-          </a:prstGeom>
-          <a:noFill/>
-        </p:spPr>
-      </p:pic>
-      <p:pic>
-        <p:nvPicPr>
-          <p:cNvPr id="1067" name="Picture 43" descr="http://editorial.3dprint.com/wp-content/uploads/2016/05/3dp_Prusai3MK2_prusa_logo.png"/>
-          <p:cNvPicPr>
-            <a:picLocks noChangeAspect="1" noChangeArrowheads="1"/>
-          </p:cNvPicPr>
-          <p:nvPr/>
-        </p:nvPicPr>
-        <p:blipFill>
-          <a:blip r:embed="rId14"/>
-          <a:srcRect/>
-          <a:stretch>
-            <a:fillRect/>
-          </a:stretch>
-        </p:blipFill>
-        <p:spPr bwMode="auto">
-          <a:xfrm>
-            <a:off x="9235573" y="3041323"/>
-            <a:ext cx="2348037" cy="1596665"/>
-          </a:xfrm>
-          <a:prstGeom prst="rect">
-            <a:avLst/>
-          </a:prstGeom>
-          <a:solidFill>
-            <a:schemeClr val="tx1"/>
-          </a:solidFill>
-        </p:spPr>
-      </p:pic>
-      <p:pic>
-        <p:nvPicPr>
-          <p:cNvPr id="37" name="Obrázok 11"/>
+          <p:cNvPr id="7" name="Obrázok 11"/>
           <p:cNvPicPr>
             <a:picLocks noChangeAspect="1"/>
           </p:cNvPicPr>
           <p:nvPr/>
         </p:nvPicPr>
         <p:blipFill>
-          <a:blip r:embed="rId15"/>
+          <a:blip r:embed="rId3"/>
           <a:srcRect l="14563" t="25468" r="12988" b="28815"/>
           <a:stretch>
             <a:fillRect/>
@@ -7671,12 +7386,12 @@
       </p:grpSpPr>
       <p:sp>
         <p:nvSpPr>
-          <p:cNvPr id="2" name="Nadpis 1"/>
-          <p:cNvSpPr>
-            <a:spLocks noGrp="1"/>
-          </p:cNvSpPr>
-          <p:nvPr>
-            <p:ph type="title"/>
+          <p:cNvPr id="5" name="Zástupný symbol čísla snímky 4"/>
+          <p:cNvSpPr>
+            <a:spLocks noGrp="1"/>
+          </p:cNvSpPr>
+          <p:nvPr>
+            <p:ph type="sldNum" sz="quarter" idx="12"/>
           </p:nvPr>
         </p:nvSpPr>
         <p:spPr/>
@@ -7684,8 +7399,8 @@
           <a:bodyPr/>
           <a:lstStyle/>
           <a:p>
-            <a:r>
-              <a:rPr lang="sk-SK" dirty="0" smtClean="0">
+            <a:fld id="{D57F1E4F-1CFF-5643-939E-217C01CDF565}" type="slidenum">
+              <a:rPr lang="en-US" sz="1600" smtClean="0">
                 <a:solidFill>
                   <a:schemeClr val="accent3">
                     <a:lumMod val="60000"/>
@@ -7693,7 +7408,56 @@
                   </a:schemeClr>
                 </a:solidFill>
               </a:rPr>
-              <a:t>Ukážka aplikácie</a:t>
+              <a:pPr/>
+              <a:t>5</a:t>
+            </a:fld>
+            <a:r>
+              <a:rPr lang="sk-SK" sz="1600" dirty="0" smtClean="0">
+                <a:solidFill>
+                  <a:schemeClr val="accent3">
+                    <a:lumMod val="60000"/>
+                    <a:lumOff val="40000"/>
+                  </a:schemeClr>
+                </a:solidFill>
+              </a:rPr>
+              <a:t>/8</a:t>
+            </a:r>
+            <a:endParaRPr lang="en-US" sz="1600" dirty="0">
+              <a:solidFill>
+                <a:schemeClr val="accent3">
+                  <a:lumMod val="60000"/>
+                  <a:lumOff val="40000"/>
+                </a:schemeClr>
+              </a:solidFill>
+            </a:endParaRPr>
+          </a:p>
+        </p:txBody>
+      </p:sp>
+      <p:sp>
+        <p:nvSpPr>
+          <p:cNvPr id="6" name="Nadpis 1"/>
+          <p:cNvSpPr>
+            <a:spLocks noGrp="1"/>
+          </p:cNvSpPr>
+          <p:nvPr>
+            <p:ph type="title"/>
+          </p:nvPr>
+        </p:nvSpPr>
+        <p:spPr/>
+        <p:txBody>
+          <a:bodyPr/>
+          <a:lstStyle/>
+          <a:p>
+            <a:r>
+              <a:rPr lang="sk-SK" dirty="0" smtClean="0">
+                <a:solidFill>
+                  <a:schemeClr val="accent3">
+                    <a:lumMod val="60000"/>
+                    <a:lumOff val="40000"/>
+                  </a:schemeClr>
+                </a:solidFill>
+              </a:rPr>
+              <a:t>Použité technológie</a:t>
             </a:r>
             <a:endParaRPr lang="sk-SK" dirty="0">
               <a:solidFill>
@@ -7706,58 +7470,9 @@
           </a:p>
         </p:txBody>
       </p:sp>
-      <p:sp>
-        <p:nvSpPr>
-          <p:cNvPr id="4" name="Zástupný symbol čísla snímky 3"/>
-          <p:cNvSpPr>
-            <a:spLocks noGrp="1"/>
-          </p:cNvSpPr>
-          <p:nvPr>
-            <p:ph type="sldNum" sz="quarter" idx="12"/>
-          </p:nvPr>
-        </p:nvSpPr>
-        <p:spPr/>
-        <p:txBody>
-          <a:bodyPr/>
-          <a:lstStyle/>
-          <a:p>
-            <a:fld id="{D57F1E4F-1CFF-5643-939E-217C01CDF565}" type="slidenum">
-              <a:rPr lang="en-US" sz="1600" smtClean="0">
-                <a:solidFill>
-                  <a:schemeClr val="accent3">
-                    <a:lumMod val="60000"/>
-                    <a:lumOff val="40000"/>
-                  </a:schemeClr>
-                </a:solidFill>
-              </a:rPr>
-              <a:pPr/>
-              <a:t>5</a:t>
-            </a:fld>
-            <a:r>
-              <a:rPr lang="sk-SK" sz="1600" dirty="0" smtClean="0">
-                <a:solidFill>
-                  <a:schemeClr val="accent3">
-                    <a:lumMod val="60000"/>
-                    <a:lumOff val="40000"/>
-                  </a:schemeClr>
-                </a:solidFill>
-              </a:rPr>
-              <a:t>/7</a:t>
-            </a:r>
-            <a:endParaRPr lang="en-US" sz="1600" dirty="0">
-              <a:solidFill>
-                <a:schemeClr val="accent3">
-                  <a:lumMod val="60000"/>
-                  <a:lumOff val="40000"/>
-                </a:schemeClr>
-              </a:solidFill>
-            </a:endParaRPr>
-          </a:p>
-        </p:txBody>
-      </p:sp>
       <p:pic>
         <p:nvPicPr>
-          <p:cNvPr id="5" name="Picture 2" descr="C:\Users\Robert\Downloads\siemens.jpg"/>
+          <p:cNvPr id="7" name="Picture 2" descr="C:\Users\Robert\Downloads\siemens.jpg"/>
           <p:cNvPicPr>
             <a:picLocks noChangeAspect="1" noChangeArrowheads="1"/>
           </p:cNvPicPr>
@@ -7783,14 +7498,336 @@
       </p:pic>
       <p:pic>
         <p:nvPicPr>
-          <p:cNvPr id="7" name="Obrázok 11"/>
+          <p:cNvPr id="1041" name="Picture 17" descr="https://doc.micrium.com/download/attachments/10752175/TCPIPDOC?version=1&amp;modificationDate=1381450369000&amp;api=v2"/>
+          <p:cNvPicPr>
+            <a:picLocks noChangeAspect="1" noChangeArrowheads="1"/>
+          </p:cNvPicPr>
+          <p:nvPr/>
+        </p:nvPicPr>
+        <p:blipFill>
+          <a:blip r:embed="rId3"/>
+          <a:srcRect/>
+          <a:stretch>
+            <a:fillRect/>
+          </a:stretch>
+        </p:blipFill>
+        <p:spPr bwMode="auto">
+          <a:xfrm>
+            <a:off x="6691461" y="3431358"/>
+            <a:ext cx="1329179" cy="1329179"/>
+          </a:xfrm>
+          <a:prstGeom prst="rect">
+            <a:avLst/>
+          </a:prstGeom>
+          <a:noFill/>
+        </p:spPr>
+      </p:pic>
+      <p:pic>
+        <p:nvPicPr>
+          <p:cNvPr id="1045" name="Picture 21" descr="https://hackadaycom.files.wordpress.com/2016/04/arduinopi2.png?w=800"/>
+          <p:cNvPicPr>
+            <a:picLocks noChangeAspect="1" noChangeArrowheads="1"/>
+          </p:cNvPicPr>
+          <p:nvPr/>
+        </p:nvPicPr>
+        <p:blipFill>
+          <a:blip r:embed="rId4"/>
+          <a:srcRect l="45835" r="5423"/>
+          <a:stretch>
+            <a:fillRect/>
+          </a:stretch>
+        </p:blipFill>
+        <p:spPr bwMode="auto">
+          <a:xfrm>
+            <a:off x="4687395" y="2295619"/>
+            <a:ext cx="2165894" cy="1710773"/>
+          </a:xfrm>
+          <a:prstGeom prst="rect">
+            <a:avLst/>
+          </a:prstGeom>
+          <a:noFill/>
+        </p:spPr>
+      </p:pic>
+      <p:pic>
+        <p:nvPicPr>
+          <p:cNvPr id="1047" name="Picture 23" descr="https://download.blender.org/institute/logos/blender-socket.png"/>
+          <p:cNvPicPr>
+            <a:picLocks noChangeAspect="1" noChangeArrowheads="1"/>
+          </p:cNvPicPr>
+          <p:nvPr/>
+        </p:nvPicPr>
+        <p:blipFill>
+          <a:blip r:embed="rId5"/>
+          <a:srcRect/>
+          <a:stretch>
+            <a:fillRect/>
+          </a:stretch>
+        </p:blipFill>
+        <p:spPr bwMode="auto">
+          <a:xfrm>
+            <a:off x="8630206" y="1851669"/>
+            <a:ext cx="3561794" cy="1113061"/>
+          </a:xfrm>
+          <a:prstGeom prst="rect">
+            <a:avLst/>
+          </a:prstGeom>
+          <a:noFill/>
+        </p:spPr>
+      </p:pic>
+      <p:pic>
+        <p:nvPicPr>
+          <p:cNvPr id="1049" name="Picture 25" descr="https://3dwarehouse.sketchup.com/img/SU_Logo_Color.png"/>
+          <p:cNvPicPr>
+            <a:picLocks noChangeAspect="1" noChangeArrowheads="1"/>
+          </p:cNvPicPr>
+          <p:nvPr/>
+        </p:nvPicPr>
+        <p:blipFill>
+          <a:blip r:embed="rId6"/>
+          <a:srcRect/>
+          <a:stretch>
+            <a:fillRect/>
+          </a:stretch>
+        </p:blipFill>
+        <p:spPr bwMode="auto">
+          <a:xfrm>
+            <a:off x="8097098" y="4785991"/>
+            <a:ext cx="3925216" cy="849177"/>
+          </a:xfrm>
+          <a:prstGeom prst="rect">
+            <a:avLst/>
+          </a:prstGeom>
+          <a:solidFill>
+            <a:schemeClr val="tx1"/>
+          </a:solidFill>
+        </p:spPr>
+      </p:pic>
+      <p:pic>
+        <p:nvPicPr>
+          <p:cNvPr id="1053" name="Picture 29" descr="http://is301.com/wp-content/uploads/2017/12/04_Oculus-Full-Lockup-Vertical-Black.png"/>
+          <p:cNvPicPr>
+            <a:picLocks noChangeAspect="1" noChangeArrowheads="1"/>
+          </p:cNvPicPr>
+          <p:nvPr/>
+        </p:nvPicPr>
+        <p:blipFill>
+          <a:blip r:embed="rId7"/>
+          <a:srcRect l="27446" t="13811" r="27109" b="19398"/>
+          <a:stretch>
+            <a:fillRect/>
+          </a:stretch>
+        </p:blipFill>
+        <p:spPr bwMode="auto">
+          <a:xfrm>
+            <a:off x="200953" y="3733014"/>
+            <a:ext cx="1288481" cy="1065229"/>
+          </a:xfrm>
+          <a:prstGeom prst="rect">
+            <a:avLst/>
+          </a:prstGeom>
+          <a:solidFill>
+            <a:schemeClr val="tx1"/>
+          </a:solidFill>
+        </p:spPr>
+      </p:pic>
+      <p:pic>
+        <p:nvPicPr>
+          <p:cNvPr id="1055" name="Picture 31" descr="https://upload.wikimedia.org/wikipedia/commons/thumb/0/02/Leap_Motion_logo.svg/1200px-Leap_Motion_logo.svg.png"/>
+          <p:cNvPicPr>
+            <a:picLocks noChangeAspect="1" noChangeArrowheads="1"/>
+          </p:cNvPicPr>
+          <p:nvPr/>
+        </p:nvPicPr>
+        <p:blipFill>
+          <a:blip r:embed="rId8"/>
+          <a:srcRect l="-9053" t="-11114" r="-8634" b="-13357"/>
+          <a:stretch>
+            <a:fillRect/>
+          </a:stretch>
+        </p:blipFill>
+        <p:spPr bwMode="auto">
+          <a:xfrm>
+            <a:off x="1809945" y="2366129"/>
+            <a:ext cx="2083324" cy="1055802"/>
+          </a:xfrm>
+          <a:prstGeom prst="rect">
+            <a:avLst/>
+          </a:prstGeom>
+          <a:solidFill>
+            <a:schemeClr val="tx1"/>
+          </a:solidFill>
+        </p:spPr>
+      </p:pic>
+      <p:pic>
+        <p:nvPicPr>
+          <p:cNvPr id="1057" name="Picture 33" descr="https://upload.wikimedia.org/wikipedia/commons/thumb/1/19/Unity_Technologies_logo.svg/2000px-Unity_Technologies_logo.svg.png"/>
+          <p:cNvPicPr>
+            <a:picLocks noChangeAspect="1" noChangeArrowheads="1"/>
+          </p:cNvPicPr>
+          <p:nvPr/>
+        </p:nvPicPr>
+        <p:blipFill>
+          <a:blip r:embed="rId9"/>
+          <a:srcRect l="-1866" t="-8309" r="-2239" b="-6660"/>
+          <a:stretch>
+            <a:fillRect/>
+          </a:stretch>
+        </p:blipFill>
+        <p:spPr bwMode="auto">
+          <a:xfrm>
+            <a:off x="1630837" y="3667027"/>
+            <a:ext cx="2630079" cy="1055802"/>
+          </a:xfrm>
+          <a:prstGeom prst="rect">
+            <a:avLst/>
+          </a:prstGeom>
+          <a:solidFill>
+            <a:schemeClr val="tx1"/>
+          </a:solidFill>
+        </p:spPr>
+      </p:pic>
+      <p:pic>
+        <p:nvPicPr>
+          <p:cNvPr id="1059" name="Picture 35" descr="https://camo.githubusercontent.com/0617f4657fef12e8d16db45b8d73def73144b09f/68747470733a2f2f646576656c6f7065722e6665646f726170726f6a6563742e6f72672f7374617469632f6c6f676f2f6373686172702e706e67"/>
+          <p:cNvPicPr>
+            <a:picLocks noChangeAspect="1" noChangeArrowheads="1"/>
+          </p:cNvPicPr>
+          <p:nvPr/>
+        </p:nvPicPr>
+        <p:blipFill>
+          <a:blip r:embed="rId10"/>
+          <a:srcRect/>
+          <a:stretch>
+            <a:fillRect/>
+          </a:stretch>
+        </p:blipFill>
+        <p:spPr bwMode="auto">
+          <a:xfrm>
+            <a:off x="192470" y="2093307"/>
+            <a:ext cx="1385374" cy="1488879"/>
+          </a:xfrm>
+          <a:prstGeom prst="rect">
+            <a:avLst/>
+          </a:prstGeom>
+          <a:noFill/>
+        </p:spPr>
+      </p:pic>
+      <p:pic>
+        <p:nvPicPr>
+          <p:cNvPr id="1061" name="Picture 37" descr="https://upload.wikimedia.org/wikipedia/commons/thumb/a/ae/WiFi_Logo.svg/1200px-WiFi_Logo.svg.png"/>
+          <p:cNvPicPr>
+            <a:picLocks noChangeAspect="1" noChangeArrowheads="1"/>
+          </p:cNvPicPr>
+          <p:nvPr/>
+        </p:nvPicPr>
+        <p:blipFill>
+          <a:blip r:embed="rId11"/>
+          <a:srcRect/>
+          <a:stretch>
+            <a:fillRect/>
+          </a:stretch>
+        </p:blipFill>
+        <p:spPr bwMode="auto">
+          <a:xfrm>
+            <a:off x="4682060" y="3949831"/>
+            <a:ext cx="2131971" cy="1263193"/>
+          </a:xfrm>
+          <a:prstGeom prst="rect">
+            <a:avLst/>
+          </a:prstGeom>
+          <a:noFill/>
+        </p:spPr>
+      </p:pic>
+      <p:pic>
+        <p:nvPicPr>
+          <p:cNvPr id="1063" name="Picture 39" descr="https://atmosphere.anaren.com/sites/default/files/EspressifLogoFullGlow.png"/>
+          <p:cNvPicPr>
+            <a:picLocks noChangeAspect="1" noChangeArrowheads="1"/>
+          </p:cNvPicPr>
+          <p:nvPr/>
+        </p:nvPicPr>
+        <p:blipFill>
+          <a:blip r:embed="rId12"/>
+          <a:srcRect/>
+          <a:stretch>
+            <a:fillRect/>
+          </a:stretch>
+        </p:blipFill>
+        <p:spPr bwMode="auto">
+          <a:xfrm>
+            <a:off x="6735990" y="1951348"/>
+            <a:ext cx="1438367" cy="1489434"/>
+          </a:xfrm>
+          <a:prstGeom prst="rect">
+            <a:avLst/>
+          </a:prstGeom>
+          <a:noFill/>
+        </p:spPr>
+      </p:pic>
+      <p:pic>
+        <p:nvPicPr>
+          <p:cNvPr id="1065" name="Picture 41" descr="https://camo.githubusercontent.com/2460cb1ca5e4066d33c8aef0b3f10662e7df981e/687474703a2f2f7777772e6c6865726e616e64657a2e6f72672f77702d636f6e74656e742f75706c6f6164732f323031362f30322f632d6c6f676f2e706e67"/>
+          <p:cNvPicPr>
+            <a:picLocks noChangeAspect="1" noChangeArrowheads="1"/>
+          </p:cNvPicPr>
+          <p:nvPr/>
+        </p:nvPicPr>
+        <p:blipFill>
+          <a:blip r:embed="rId13"/>
+          <a:srcRect/>
+          <a:stretch>
+            <a:fillRect/>
+          </a:stretch>
+        </p:blipFill>
+        <p:spPr bwMode="auto">
+          <a:xfrm>
+            <a:off x="4837348" y="1442300"/>
+            <a:ext cx="2224538" cy="1074656"/>
+          </a:xfrm>
+          <a:prstGeom prst="rect">
+            <a:avLst/>
+          </a:prstGeom>
+          <a:noFill/>
+        </p:spPr>
+      </p:pic>
+      <p:pic>
+        <p:nvPicPr>
+          <p:cNvPr id="1067" name="Picture 43" descr="http://editorial.3dprint.com/wp-content/uploads/2016/05/3dp_Prusai3MK2_prusa_logo.png"/>
+          <p:cNvPicPr>
+            <a:picLocks noChangeAspect="1" noChangeArrowheads="1"/>
+          </p:cNvPicPr>
+          <p:nvPr/>
+        </p:nvPicPr>
+        <p:blipFill>
+          <a:blip r:embed="rId14"/>
+          <a:srcRect/>
+          <a:stretch>
+            <a:fillRect/>
+          </a:stretch>
+        </p:blipFill>
+        <p:spPr bwMode="auto">
+          <a:xfrm>
+            <a:off x="9235573" y="3041323"/>
+            <a:ext cx="2348037" cy="1596665"/>
+          </a:xfrm>
+          <a:prstGeom prst="rect">
+            <a:avLst/>
+          </a:prstGeom>
+          <a:solidFill>
+            <a:schemeClr val="tx1"/>
+          </a:solidFill>
+        </p:spPr>
+      </p:pic>
+      <p:pic>
+        <p:nvPicPr>
+          <p:cNvPr id="37" name="Obrázok 11"/>
           <p:cNvPicPr>
             <a:picLocks noChangeAspect="1"/>
           </p:cNvPicPr>
           <p:nvPr/>
         </p:nvPicPr>
         <p:blipFill>
-          <a:blip r:embed="rId3"/>
+          <a:blip r:embed="rId15"/>
           <a:srcRect l="14563" t="25468" r="12988" b="28815"/>
           <a:stretch>
             <a:fillRect/>
@@ -7815,38 +7852,6 @@
           </a:ln>
         </p:spPr>
       </p:pic>
-      <p:sp>
-        <p:nvSpPr>
-          <p:cNvPr id="10" name="Zástupný symbol obsahu 2"/>
-          <p:cNvSpPr>
-            <a:spLocks noGrp="1"/>
-          </p:cNvSpPr>
-          <p:nvPr>
-            <p:ph idx="1"/>
-          </p:nvPr>
-        </p:nvSpPr>
-        <p:spPr>
-          <a:xfrm>
-            <a:off x="685801" y="2142068"/>
-            <a:ext cx="10131425" cy="893363"/>
-          </a:xfrm>
-        </p:spPr>
-        <p:txBody>
-          <a:bodyPr>
-            <a:normAutofit/>
-          </a:bodyPr>
-          <a:lstStyle/>
-          <a:p>
-            <a:r>
-              <a:rPr lang="sk-SK" sz="2400" dirty="0" smtClean="0">
-                <a:hlinkClick r:id="rId4"/>
-              </a:rPr>
-              <a:t>https://www.youtube.com/watch?v=EYsU3LLesao&amp;feature=youtu.be</a:t>
-            </a:r>
-            <a:endParaRPr lang="sk-SK" dirty="0"/>
-          </a:p>
-        </p:txBody>
-      </p:sp>
     </p:spTree>
   </p:cSld>
   <p:clrMapOvr>
@@ -7903,7 +7908,7 @@
                   </a:schemeClr>
                 </a:solidFill>
               </a:rPr>
-              <a:t>Výhody riešenia A možné rozšírenia</a:t>
+              <a:t>Ukážka aplikácie</a:t>
             </a:r>
             <a:endParaRPr lang="sk-SK" dirty="0">
               <a:solidFill>
@@ -7918,124 +7923,6 @@
       </p:sp>
       <p:sp>
         <p:nvSpPr>
-          <p:cNvPr id="3" name="Zástupný symbol obsahu 2"/>
-          <p:cNvSpPr>
-            <a:spLocks noGrp="1"/>
-          </p:cNvSpPr>
-          <p:nvPr>
-            <p:ph idx="1"/>
-          </p:nvPr>
-        </p:nvSpPr>
-        <p:spPr/>
-        <p:txBody>
-          <a:bodyPr>
-            <a:normAutofit lnSpcReduction="10000"/>
-          </a:bodyPr>
-          <a:lstStyle/>
-          <a:p>
-            <a:pPr>
-              <a:buNone/>
-            </a:pPr>
-            <a:r>
-              <a:rPr lang="sk-SK" sz="2400" dirty="0" smtClean="0">
-                <a:solidFill>
-                  <a:schemeClr val="accent3">
-                    <a:lumMod val="60000"/>
-                    <a:lumOff val="40000"/>
-                  </a:schemeClr>
-                </a:solidFill>
-              </a:rPr>
-              <a:t>Výhody</a:t>
-            </a:r>
-          </a:p>
-          <a:p>
-            <a:r>
-              <a:rPr lang="sk-SK" sz="2400" dirty="0" smtClean="0">
-                <a:solidFill>
-                  <a:schemeClr val="accent3">
-                    <a:lumMod val="60000"/>
-                    <a:lumOff val="40000"/>
-                  </a:schemeClr>
-                </a:solidFill>
-              </a:rPr>
-              <a:t>Rukavice je možné využiť vo virtuálnej, zmiešanej alebo rozšírenej realite</a:t>
-            </a:r>
-          </a:p>
-          <a:p>
-            <a:r>
-              <a:rPr lang="sk-SK" sz="2400" dirty="0" smtClean="0">
-                <a:solidFill>
-                  <a:schemeClr val="accent3">
-                    <a:lumMod val="60000"/>
-                    <a:lumOff val="40000"/>
-                  </a:schemeClr>
-                </a:solidFill>
-              </a:rPr>
-              <a:t>Nízka hmotnosť, malá veľkosť a podpora bezdrôtovej komunikácie</a:t>
-            </a:r>
-          </a:p>
-          <a:p>
-            <a:r>
-              <a:rPr lang="sk-SK" sz="2400" dirty="0" smtClean="0">
-                <a:solidFill>
-                  <a:schemeClr val="accent3">
-                    <a:lumMod val="60000"/>
-                    <a:lumOff val="40000"/>
-                  </a:schemeClr>
-                </a:solidFill>
-              </a:rPr>
-              <a:t>Jednoduché rozšírenie o akékoľvek nové získané medicínske dáta, ktoré je možné nahrať do programu</a:t>
-            </a:r>
-          </a:p>
-          <a:p>
-            <a:pPr>
-              <a:buNone/>
-            </a:pPr>
-            <a:r>
-              <a:rPr lang="sk-SK" sz="2400" dirty="0" smtClean="0">
-                <a:solidFill>
-                  <a:schemeClr val="accent3">
-                    <a:lumMod val="60000"/>
-                    <a:lumOff val="40000"/>
-                  </a:schemeClr>
-                </a:solidFill>
-              </a:rPr>
-              <a:t>Rozšírenia</a:t>
-            </a:r>
-          </a:p>
-          <a:p>
-            <a:r>
-              <a:rPr lang="sk-SK" sz="2400" dirty="0" smtClean="0">
-                <a:solidFill>
-                  <a:schemeClr val="accent3">
-                    <a:lumMod val="60000"/>
-                    <a:lumOff val="40000"/>
-                  </a:schemeClr>
-                </a:solidFill>
-              </a:rPr>
-              <a:t>Využitie inej technológie s lepšie implementovaným snímaním rúk</a:t>
-            </a:r>
-          </a:p>
-          <a:p>
-            <a:r>
-              <a:rPr lang="sk-SK" sz="2400" dirty="0" smtClean="0">
-                <a:solidFill>
-                  <a:schemeClr val="accent3">
-                    <a:lumMod val="60000"/>
-                    <a:lumOff val="40000"/>
-                  </a:schemeClr>
-                </a:solidFill>
-              </a:rPr>
-              <a:t>Rozšírenie pôsobenia spätnej väzby pri dotyku na celý prst</a:t>
-            </a:r>
-          </a:p>
-          <a:p>
-            <a:endParaRPr lang="sk-SK" dirty="0"/>
-          </a:p>
-        </p:txBody>
-      </p:sp>
-      <p:sp>
-        <p:nvSpPr>
           <p:cNvPr id="4" name="Zástupný symbol čísla snímky 3"/>
           <p:cNvSpPr>
             <a:spLocks noGrp="1"/>
@@ -8070,7 +7957,7 @@
                   </a:schemeClr>
                 </a:solidFill>
               </a:rPr>
-              <a:t>/7</a:t>
+              <a:t>/8</a:t>
             </a:r>
             <a:endParaRPr lang="en-US" sz="1600" dirty="0">
               <a:solidFill>
@@ -8143,6 +8030,38 @@
           </a:ln>
         </p:spPr>
       </p:pic>
+      <p:sp>
+        <p:nvSpPr>
+          <p:cNvPr id="10" name="Zástupný symbol obsahu 2"/>
+          <p:cNvSpPr>
+            <a:spLocks noGrp="1"/>
+          </p:cNvSpPr>
+          <p:nvPr>
+            <p:ph idx="1"/>
+          </p:nvPr>
+        </p:nvSpPr>
+        <p:spPr>
+          <a:xfrm>
+            <a:off x="685801" y="2142068"/>
+            <a:ext cx="10131425" cy="893363"/>
+          </a:xfrm>
+        </p:spPr>
+        <p:txBody>
+          <a:bodyPr>
+            <a:normAutofit/>
+          </a:bodyPr>
+          <a:lstStyle/>
+          <a:p>
+            <a:r>
+              <a:rPr lang="sk-SK" sz="2400" dirty="0" smtClean="0">
+                <a:hlinkClick r:id="rId4"/>
+              </a:rPr>
+              <a:t>https://www.youtube.com/watch?v=EYsU3LLesao&amp;feature=youtu.be</a:t>
+            </a:r>
+            <a:endParaRPr lang="sk-SK" dirty="0"/>
+          </a:p>
+        </p:txBody>
+      </p:sp>
     </p:spTree>
   </p:cSld>
   <p:clrMapOvr>
@@ -8177,7 +8096,167 @@
       </p:grpSpPr>
       <p:sp>
         <p:nvSpPr>
-          <p:cNvPr id="5" name="Zástupný symbol čísla snímky 4"/>
+          <p:cNvPr id="2" name="Nadpis 1"/>
+          <p:cNvSpPr>
+            <a:spLocks noGrp="1"/>
+          </p:cNvSpPr>
+          <p:nvPr>
+            <p:ph type="title"/>
+          </p:nvPr>
+        </p:nvSpPr>
+        <p:spPr/>
+        <p:txBody>
+          <a:bodyPr/>
+          <a:lstStyle/>
+          <a:p>
+            <a:r>
+              <a:rPr lang="sk-SK" dirty="0" smtClean="0">
+                <a:solidFill>
+                  <a:schemeClr val="accent3">
+                    <a:lumMod val="60000"/>
+                    <a:lumOff val="40000"/>
+                  </a:schemeClr>
+                </a:solidFill>
+              </a:rPr>
+              <a:t>Výhody riešenia A možné rozšírenia</a:t>
+            </a:r>
+            <a:endParaRPr lang="sk-SK" dirty="0">
+              <a:solidFill>
+                <a:schemeClr val="accent3">
+                  <a:lumMod val="60000"/>
+                  <a:lumOff val="40000"/>
+                </a:schemeClr>
+              </a:solidFill>
+            </a:endParaRPr>
+          </a:p>
+        </p:txBody>
+      </p:sp>
+      <p:sp>
+        <p:nvSpPr>
+          <p:cNvPr id="3" name="Zástupný symbol obsahu 2"/>
+          <p:cNvSpPr>
+            <a:spLocks noGrp="1"/>
+          </p:cNvSpPr>
+          <p:nvPr>
+            <p:ph idx="1"/>
+          </p:nvPr>
+        </p:nvSpPr>
+        <p:spPr>
+          <a:xfrm>
+            <a:off x="698864" y="1919998"/>
+            <a:ext cx="10131425" cy="3649133"/>
+          </a:xfrm>
+        </p:spPr>
+        <p:txBody>
+          <a:bodyPr>
+            <a:normAutofit lnSpcReduction="10000"/>
+          </a:bodyPr>
+          <a:lstStyle/>
+          <a:p>
+            <a:pPr>
+              <a:buNone/>
+            </a:pPr>
+            <a:r>
+              <a:rPr lang="sk-SK" sz="2400" dirty="0" smtClean="0">
+                <a:solidFill>
+                  <a:schemeClr val="accent3">
+                    <a:lumMod val="60000"/>
+                    <a:lumOff val="40000"/>
+                  </a:schemeClr>
+                </a:solidFill>
+              </a:rPr>
+              <a:t>Výhody</a:t>
+            </a:r>
+          </a:p>
+          <a:p>
+            <a:r>
+              <a:rPr lang="sk-SK" sz="2400" dirty="0" smtClean="0">
+                <a:solidFill>
+                  <a:schemeClr val="accent3">
+                    <a:lumMod val="60000"/>
+                    <a:lumOff val="40000"/>
+                  </a:schemeClr>
+                </a:solidFill>
+              </a:rPr>
+              <a:t>Rukavice je možné využiť vo virtuálnej, zmiešanej alebo rozšírenej realite</a:t>
+            </a:r>
+          </a:p>
+          <a:p>
+            <a:r>
+              <a:rPr lang="sk-SK" sz="2400" dirty="0" smtClean="0">
+                <a:solidFill>
+                  <a:schemeClr val="accent3">
+                    <a:lumMod val="60000"/>
+                    <a:lumOff val="40000"/>
+                  </a:schemeClr>
+                </a:solidFill>
+              </a:rPr>
+              <a:t>Nízka hmotnosť, malá veľkosť a podpora bezdrôtovej komunikácie</a:t>
+            </a:r>
+          </a:p>
+          <a:p>
+            <a:r>
+              <a:rPr lang="sk-SK" sz="2400" dirty="0" smtClean="0">
+                <a:solidFill>
+                  <a:schemeClr val="accent3">
+                    <a:lumMod val="60000"/>
+                    <a:lumOff val="40000"/>
+                  </a:schemeClr>
+                </a:solidFill>
+              </a:rPr>
+              <a:t>Jednoduché rozšírenie o akékoľvek nové získané medicínske dáta, ktoré je možné nahrať do programu</a:t>
+            </a:r>
+          </a:p>
+          <a:p>
+            <a:pPr>
+              <a:buNone/>
+            </a:pPr>
+            <a:r>
+              <a:rPr lang="sk-SK" sz="2400" dirty="0" smtClean="0">
+                <a:solidFill>
+                  <a:schemeClr val="accent3">
+                    <a:lumMod val="60000"/>
+                    <a:lumOff val="40000"/>
+                  </a:schemeClr>
+                </a:solidFill>
+              </a:rPr>
+              <a:t>Rozšírenia</a:t>
+            </a:r>
+          </a:p>
+          <a:p>
+            <a:r>
+              <a:rPr lang="sk-SK" sz="2400" dirty="0" smtClean="0">
+                <a:solidFill>
+                  <a:schemeClr val="accent3">
+                    <a:lumMod val="60000"/>
+                    <a:lumOff val="40000"/>
+                  </a:schemeClr>
+                </a:solidFill>
+              </a:rPr>
+              <a:t>Využitie inej technológie s lepšie implementovaným snímaním rúk</a:t>
+            </a:r>
+          </a:p>
+          <a:p>
+            <a:r>
+              <a:rPr lang="sk-SK" sz="2400" dirty="0" smtClean="0">
+                <a:solidFill>
+                  <a:schemeClr val="accent3">
+                    <a:lumMod val="60000"/>
+                    <a:lumOff val="40000"/>
+                  </a:schemeClr>
+                </a:solidFill>
+              </a:rPr>
+              <a:t>Rozšírenie pôsobenia spätnej väzby pri dotyku na celý prst</a:t>
+            </a:r>
+          </a:p>
+          <a:p>
+            <a:endParaRPr lang="sk-SK" dirty="0"/>
+          </a:p>
+        </p:txBody>
+      </p:sp>
+      <p:sp>
+        <p:nvSpPr>
+          <p:cNvPr id="4" name="Zástupný symbol čísla snímky 3"/>
           <p:cNvSpPr>
             <a:spLocks noGrp="1"/>
           </p:cNvSpPr>
@@ -8211,7 +8290,148 @@
                   </a:schemeClr>
                 </a:solidFill>
               </a:rPr>
-              <a:t>/7</a:t>
+              <a:t>/8</a:t>
+            </a:r>
+            <a:endParaRPr lang="en-US" sz="1600" dirty="0">
+              <a:solidFill>
+                <a:schemeClr val="accent3">
+                  <a:lumMod val="60000"/>
+                  <a:lumOff val="40000"/>
+                </a:schemeClr>
+              </a:solidFill>
+            </a:endParaRPr>
+          </a:p>
+        </p:txBody>
+      </p:sp>
+      <p:pic>
+        <p:nvPicPr>
+          <p:cNvPr id="5" name="Picture 2" descr="C:\Users\Robert\Downloads\siemens.jpg"/>
+          <p:cNvPicPr>
+            <a:picLocks noChangeAspect="1" noChangeArrowheads="1"/>
+          </p:cNvPicPr>
+          <p:nvPr/>
+        </p:nvPicPr>
+        <p:blipFill>
+          <a:blip r:embed="rId2"/>
+          <a:srcRect/>
+          <a:stretch>
+            <a:fillRect/>
+          </a:stretch>
+        </p:blipFill>
+        <p:spPr bwMode="auto">
+          <a:xfrm>
+            <a:off x="8574832" y="127376"/>
+            <a:ext cx="3194763" cy="1277905"/>
+          </a:xfrm>
+          <a:prstGeom prst="rect">
+            <a:avLst/>
+          </a:prstGeom>
+          <a:noFill/>
+        </p:spPr>
+      </p:pic>
+      <p:pic>
+        <p:nvPicPr>
+          <p:cNvPr id="7" name="Obrázok 11"/>
+          <p:cNvPicPr>
+            <a:picLocks noChangeAspect="1"/>
+          </p:cNvPicPr>
+          <p:nvPr/>
+        </p:nvPicPr>
+        <p:blipFill>
+          <a:blip r:embed="rId3"/>
+          <a:srcRect l="14563" t="25468" r="12988" b="28815"/>
+          <a:stretch>
+            <a:fillRect/>
+          </a:stretch>
+        </p:blipFill>
+        <p:spPr bwMode="auto">
+          <a:xfrm>
+            <a:off x="403519" y="5636002"/>
+            <a:ext cx="2090738" cy="931862"/>
+          </a:xfrm>
+          <a:prstGeom prst="rect">
+            <a:avLst/>
+          </a:prstGeom>
+          <a:solidFill>
+            <a:schemeClr val="tx1"/>
+          </a:solidFill>
+          <a:ln w="9525">
+            <a:noFill/>
+            <a:miter lim="800000"/>
+            <a:headEnd/>
+            <a:tailEnd/>
+          </a:ln>
+        </p:spPr>
+      </p:pic>
+    </p:spTree>
+  </p:cSld>
+  <p:clrMapOvr>
+    <a:masterClrMapping/>
+  </p:clrMapOvr>
+  <p:timing>
+    <p:tnLst>
+      <p:par>
+        <p:cTn id="1" dur="indefinite" restart="never" nodeType="tmRoot"/>
+      </p:par>
+    </p:tnLst>
+  </p:timing>
+</p:sld>
+</file>
+
+<file path=ppt/slides/slide8.xml><?xml version="1.0" encoding="utf-8"?>
+<p:sld xmlns:a="http://schemas.openxmlformats.org/drawingml/2006/main" xmlns:r="http://schemas.openxmlformats.org/officeDocument/2006/relationships" xmlns:p="http://schemas.openxmlformats.org/presentationml/2006/main">
+  <p:cSld>
+    <p:spTree>
+      <p:nvGrpSpPr>
+        <p:cNvPr id="1" name=""/>
+        <p:cNvGrpSpPr/>
+        <p:nvPr/>
+      </p:nvGrpSpPr>
+      <p:grpSpPr>
+        <a:xfrm>
+          <a:off x="0" y="0"/>
+          <a:ext cx="0" cy="0"/>
+          <a:chOff x="0" y="0"/>
+          <a:chExt cx="0" cy="0"/>
+        </a:xfrm>
+      </p:grpSpPr>
+      <p:sp>
+        <p:nvSpPr>
+          <p:cNvPr id="5" name="Zástupný symbol čísla snímky 4"/>
+          <p:cNvSpPr>
+            <a:spLocks noGrp="1"/>
+          </p:cNvSpPr>
+          <p:nvPr>
+            <p:ph type="sldNum" sz="quarter" idx="12"/>
+          </p:nvPr>
+        </p:nvSpPr>
+        <p:spPr/>
+        <p:txBody>
+          <a:bodyPr/>
+          <a:lstStyle/>
+          <a:p>
+            <a:fld id="{D57F1E4F-1CFF-5643-939E-217C01CDF565}" type="slidenum">
+              <a:rPr lang="en-US" sz="1600" smtClean="0">
+                <a:solidFill>
+                  <a:schemeClr val="accent3">
+                    <a:lumMod val="60000"/>
+                    <a:lumOff val="40000"/>
+                  </a:schemeClr>
+                </a:solidFill>
+              </a:rPr>
+              <a:pPr/>
+              <a:t>8</a:t>
+            </a:fld>
+            <a:r>
+              <a:rPr lang="sk-SK" sz="1600" dirty="0" smtClean="0">
+                <a:solidFill>
+                  <a:schemeClr val="accent3">
+                    <a:lumMod val="60000"/>
+                    <a:lumOff val="40000"/>
+                  </a:schemeClr>
+                </a:solidFill>
+              </a:rPr>
+              <a:t>/8</a:t>
             </a:r>
             <a:endParaRPr lang="en-US" sz="1600" dirty="0">
               <a:solidFill>
@@ -8596,7 +8816,7 @@
   <a:extraClrSchemeLst/>
   <a:extLst>
     <a:ext uri="{05A4C25C-085E-4340-85A3-A5531E510DB2}">
-      <thm15:themeFamily xmlns="" xmlns:thm15="http://schemas.microsoft.com/office/thememl/2012/main" name="Celestial" id="{C4BB2A3D-0E93-4C5F-B0D2-9D3FCE089CC5}" vid="{42E5908D-19A2-46FD-89FA-638B126129EF}"/>
+      <thm15:themeFamily xmlns:thm15="http://schemas.microsoft.com/office/thememl/2012/main" xmlns="" name="Celestial" id="{C4BB2A3D-0E93-4C5F-B0D2-9D3FCE089CC5}" vid="{42E5908D-19A2-46FD-89FA-638B126129EF}"/>
     </a:ext>
   </a:extLst>
 </a:theme>

--- a/tp_presentation.pptx
+++ b/tp_presentation.pptx
@@ -5,17 +5,18 @@
     <p:sldMasterId id="2147483648" r:id="rId1"/>
   </p:sldMasterIdLst>
   <p:notesMasterIdLst>
-    <p:notesMasterId r:id="rId10"/>
+    <p:notesMasterId r:id="rId11"/>
   </p:notesMasterIdLst>
   <p:sldIdLst>
     <p:sldId id="256" r:id="rId2"/>
     <p:sldId id="257" r:id="rId3"/>
     <p:sldId id="263" r:id="rId4"/>
     <p:sldId id="258" r:id="rId5"/>
-    <p:sldId id="261" r:id="rId6"/>
-    <p:sldId id="259" r:id="rId7"/>
-    <p:sldId id="260" r:id="rId8"/>
-    <p:sldId id="262" r:id="rId9"/>
+    <p:sldId id="264" r:id="rId6"/>
+    <p:sldId id="261" r:id="rId7"/>
+    <p:sldId id="259" r:id="rId8"/>
+    <p:sldId id="260" r:id="rId9"/>
+    <p:sldId id="262" r:id="rId10"/>
   </p:sldIdLst>
   <p:sldSz cx="12192000" cy="6858000"/>
   <p:notesSz cx="6858000" cy="9144000"/>
@@ -200,7 +201,7 @@
             <a:fld id="{6A0E2F93-A0D4-4469-A521-F75411085C74}" type="datetimeFigureOut">
               <a:rPr lang="sk-SK" smtClean="0"/>
               <a:pPr/>
-              <a:t>20. 1. 2018</a:t>
+              <a:t>21. 1. 2018</a:t>
             </a:fld>
             <a:endParaRPr lang="sk-SK"/>
           </a:p>
@@ -500,7 +501,7 @@
           <a:blip r:embed="rId2">
             <a:extLst>
               <a:ext uri="{28A0092B-C50C-407E-A947-70E740481C1C}">
-                <a14:useLocalDpi xmlns:a14="http://schemas.microsoft.com/office/drawing/2010/main" xmlns="" val="0"/>
+                <a14:useLocalDpi xmlns="" xmlns:a14="http://schemas.microsoft.com/office/drawing/2010/main" val="0"/>
               </a:ext>
             </a:extLst>
           </a:blip>
@@ -696,7 +697,7 @@
             <a:fld id="{4AE59EB6-1DB5-43E0-83D9-8B5F1189E44B}" type="datetime1">
               <a:rPr lang="en-US" smtClean="0"/>
               <a:pPr/>
-              <a:t>1/20/2018</a:t>
+              <a:t>1/21/2018</a:t>
             </a:fld>
             <a:endParaRPr lang="en-US" dirty="0"/>
           </a:p>
@@ -796,7 +797,7 @@
           <a:blip r:embed="rId2">
             <a:extLst>
               <a:ext uri="{28A0092B-C50C-407E-A947-70E740481C1C}">
-                <a14:useLocalDpi xmlns:a14="http://schemas.microsoft.com/office/drawing/2010/main" xmlns="" val="0"/>
+                <a14:useLocalDpi xmlns="" xmlns:a14="http://schemas.microsoft.com/office/drawing/2010/main" val="0"/>
               </a:ext>
             </a:extLst>
           </a:blip>
@@ -1031,7 +1032,7 @@
             <a:fld id="{11C52E2D-01E1-469C-AAF7-4AB0A6840C84}" type="datetime1">
               <a:rPr lang="en-US" smtClean="0"/>
               <a:pPr/>
-              <a:t>1/20/2018</a:t>
+              <a:t>1/21/2018</a:t>
             </a:fld>
             <a:endParaRPr lang="en-US" dirty="0"/>
           </a:p>
@@ -1121,7 +1122,7 @@
           <a:blip r:embed="rId2">
             <a:extLst>
               <a:ext uri="{28A0092B-C50C-407E-A947-70E740481C1C}">
-                <a14:useLocalDpi xmlns:a14="http://schemas.microsoft.com/office/drawing/2010/main" xmlns="" val="0"/>
+                <a14:useLocalDpi xmlns="" xmlns:a14="http://schemas.microsoft.com/office/drawing/2010/main" val="0"/>
               </a:ext>
             </a:extLst>
           </a:blip>
@@ -1310,7 +1311,7 @@
             <a:fld id="{D8479E92-2FD0-48EC-9F2F-E7C5E3DC8D71}" type="datetime1">
               <a:rPr lang="en-US" smtClean="0"/>
               <a:pPr/>
-              <a:t>1/20/2018</a:t>
+              <a:t>1/21/2018</a:t>
             </a:fld>
             <a:endParaRPr lang="en-US" dirty="0"/>
           </a:p>
@@ -1400,7 +1401,7 @@
           <a:blip r:embed="rId2">
             <a:extLst>
               <a:ext uri="{28A0092B-C50C-407E-A947-70E740481C1C}">
-                <a14:useLocalDpi xmlns:a14="http://schemas.microsoft.com/office/drawing/2010/main" xmlns="" val="0"/>
+                <a14:useLocalDpi xmlns="" xmlns:a14="http://schemas.microsoft.com/office/drawing/2010/main" val="0"/>
               </a:ext>
             </a:extLst>
           </a:blip>
@@ -1879,7 +1880,7 @@
             <a:fld id="{9EB73BA6-4C0C-4675-BD5A-92C1E93416D0}" type="datetime1">
               <a:rPr lang="en-US" smtClean="0"/>
               <a:pPr/>
-              <a:t>1/20/2018</a:t>
+              <a:t>1/21/2018</a:t>
             </a:fld>
             <a:endParaRPr lang="en-US" dirty="0"/>
           </a:p>
@@ -1969,7 +1970,7 @@
           <a:blip r:embed="rId2">
             <a:extLst>
               <a:ext uri="{28A0092B-C50C-407E-A947-70E740481C1C}">
-                <a14:useLocalDpi xmlns:a14="http://schemas.microsoft.com/office/drawing/2010/main" xmlns="" val="0"/>
+                <a14:useLocalDpi xmlns="" xmlns:a14="http://schemas.microsoft.com/office/drawing/2010/main" val="0"/>
               </a:ext>
             </a:extLst>
           </a:blip>
@@ -2158,7 +2159,7 @@
             <a:fld id="{6FB05D10-D8AF-438F-8E51-3913AE870CFD}" type="datetime1">
               <a:rPr lang="en-US" smtClean="0"/>
               <a:pPr/>
-              <a:t>1/20/2018</a:t>
+              <a:t>1/21/2018</a:t>
             </a:fld>
             <a:endParaRPr lang="en-US" dirty="0"/>
           </a:p>
@@ -2248,7 +2249,7 @@
           <a:blip r:embed="rId2">
             <a:extLst>
               <a:ext uri="{28A0092B-C50C-407E-A947-70E740481C1C}">
-                <a14:useLocalDpi xmlns:a14="http://schemas.microsoft.com/office/drawing/2010/main" xmlns="" val="0"/>
+                <a14:useLocalDpi xmlns="" xmlns:a14="http://schemas.microsoft.com/office/drawing/2010/main" val="0"/>
               </a:ext>
             </a:extLst>
           </a:blip>
@@ -2721,7 +2722,7 @@
             <a:fld id="{4A64707E-F81B-4A26-91B6-26D893D42047}" type="datetime1">
               <a:rPr lang="en-US" smtClean="0"/>
               <a:pPr/>
-              <a:t>1/20/2018</a:t>
+              <a:t>1/21/2018</a:t>
             </a:fld>
             <a:endParaRPr lang="en-US" dirty="0"/>
           </a:p>
@@ -2811,7 +2812,7 @@
           <a:blip r:embed="rId2">
             <a:extLst>
               <a:ext uri="{28A0092B-C50C-407E-A947-70E740481C1C}">
-                <a14:useLocalDpi xmlns:a14="http://schemas.microsoft.com/office/drawing/2010/main" xmlns="" val="0"/>
+                <a14:useLocalDpi xmlns="" xmlns:a14="http://schemas.microsoft.com/office/drawing/2010/main" val="0"/>
               </a:ext>
             </a:extLst>
           </a:blip>
@@ -3049,7 +3050,7 @@
             <a:fld id="{26F2B987-8BDC-40C7-9BC0-39C4DA5F514D}" type="datetime1">
               <a:rPr lang="en-US" smtClean="0"/>
               <a:pPr/>
-              <a:t>1/20/2018</a:t>
+              <a:t>1/21/2018</a:t>
             </a:fld>
             <a:endParaRPr lang="en-US" dirty="0"/>
           </a:p>
@@ -3139,7 +3140,7 @@
           <a:blip r:embed="rId2">
             <a:extLst>
               <a:ext uri="{28A0092B-C50C-407E-A947-70E740481C1C}">
-                <a14:useLocalDpi xmlns:a14="http://schemas.microsoft.com/office/drawing/2010/main" xmlns="" val="0"/>
+                <a14:useLocalDpi xmlns="" xmlns:a14="http://schemas.microsoft.com/office/drawing/2010/main" val="0"/>
               </a:ext>
             </a:extLst>
           </a:blip>
@@ -3227,7 +3228,7 @@
             <a:fld id="{37582D85-0F8A-45DC-B451-260CE204E768}" type="datetime1">
               <a:rPr lang="en-US" smtClean="0"/>
               <a:pPr/>
-              <a:t>1/20/2018</a:t>
+              <a:t>1/21/2018</a:t>
             </a:fld>
             <a:endParaRPr lang="en-US" dirty="0"/>
           </a:p>
@@ -3345,7 +3346,7 @@
           <a:blip r:embed="rId2">
             <a:extLst>
               <a:ext uri="{28A0092B-C50C-407E-A947-70E740481C1C}">
-                <a14:useLocalDpi xmlns:a14="http://schemas.microsoft.com/office/drawing/2010/main" xmlns="" val="0"/>
+                <a14:useLocalDpi xmlns="" xmlns:a14="http://schemas.microsoft.com/office/drawing/2010/main" val="0"/>
               </a:ext>
             </a:extLst>
           </a:blip>
@@ -3466,7 +3467,7 @@
             <a:fld id="{303A5041-0462-4299-A548-AF73E050D47E}" type="datetime1">
               <a:rPr lang="en-US" smtClean="0"/>
               <a:pPr/>
-              <a:t>1/20/2018</a:t>
+              <a:t>1/21/2018</a:t>
             </a:fld>
             <a:endParaRPr lang="en-US" dirty="0"/>
           </a:p>
@@ -3556,7 +3557,7 @@
           <a:blip r:embed="rId2">
             <a:extLst>
               <a:ext uri="{28A0092B-C50C-407E-A947-70E740481C1C}">
-                <a14:useLocalDpi xmlns:a14="http://schemas.microsoft.com/office/drawing/2010/main" xmlns="" val="0"/>
+                <a14:useLocalDpi xmlns="" xmlns:a14="http://schemas.microsoft.com/office/drawing/2010/main" val="0"/>
               </a:ext>
             </a:extLst>
           </a:blip>
@@ -3667,7 +3668,7 @@
             <a:fld id="{E00C9328-767C-48EA-B5FE-0C841C5E80DF}" type="datetime1">
               <a:rPr lang="en-US" smtClean="0"/>
               <a:pPr/>
-              <a:t>1/20/2018</a:t>
+              <a:t>1/21/2018</a:t>
             </a:fld>
             <a:endParaRPr lang="en-US" dirty="0"/>
           </a:p>
@@ -3757,7 +3758,7 @@
           <a:blip r:embed="rId2">
             <a:extLst>
               <a:ext uri="{28A0092B-C50C-407E-A947-70E740481C1C}">
-                <a14:useLocalDpi xmlns:a14="http://schemas.microsoft.com/office/drawing/2010/main" xmlns="" val="0"/>
+                <a14:useLocalDpi xmlns="" xmlns:a14="http://schemas.microsoft.com/office/drawing/2010/main" val="0"/>
               </a:ext>
             </a:extLst>
           </a:blip>
@@ -3944,7 +3945,7 @@
             <a:fld id="{BF9EFD29-6F05-4DCC-BC3D-707E27A45D7D}" type="datetime1">
               <a:rPr lang="en-US" smtClean="0"/>
               <a:pPr/>
-              <a:t>1/20/2018</a:t>
+              <a:t>1/21/2018</a:t>
             </a:fld>
             <a:endParaRPr lang="en-US" dirty="0"/>
           </a:p>
@@ -4034,7 +4035,7 @@
           <a:blip r:embed="rId2">
             <a:extLst>
               <a:ext uri="{28A0092B-C50C-407E-A947-70E740481C1C}">
-                <a14:useLocalDpi xmlns:a14="http://schemas.microsoft.com/office/drawing/2010/main" xmlns="" val="0"/>
+                <a14:useLocalDpi xmlns="" xmlns:a14="http://schemas.microsoft.com/office/drawing/2010/main" val="0"/>
               </a:ext>
             </a:extLst>
           </a:blip>
@@ -4211,7 +4212,7 @@
             <a:fld id="{E17C08E7-E297-4B35-9D33-968369C8604D}" type="datetime1">
               <a:rPr lang="en-US" smtClean="0"/>
               <a:pPr/>
-              <a:t>1/20/2018</a:t>
+              <a:t>1/21/2018</a:t>
             </a:fld>
             <a:endParaRPr lang="en-US" dirty="0"/>
           </a:p>
@@ -4586,7 +4587,7 @@
             <a:fld id="{C4B3DD9D-B276-4D7C-967D-754AF6FFDB1E}" type="datetime1">
               <a:rPr lang="en-US" smtClean="0"/>
               <a:pPr/>
-              <a:t>1/20/2018</a:t>
+              <a:t>1/21/2018</a:t>
             </a:fld>
             <a:endParaRPr lang="en-US" dirty="0"/>
           </a:p>
@@ -4676,7 +4677,7 @@
           <a:blip r:embed="rId2">
             <a:extLst>
               <a:ext uri="{28A0092B-C50C-407E-A947-70E740481C1C}">
-                <a14:useLocalDpi xmlns:a14="http://schemas.microsoft.com/office/drawing/2010/main" xmlns="" val="0"/>
+                <a14:useLocalDpi xmlns="" xmlns:a14="http://schemas.microsoft.com/office/drawing/2010/main" val="0"/>
               </a:ext>
             </a:extLst>
           </a:blip>
@@ -4735,7 +4736,7 @@
             <a:fld id="{AB22C7D3-0C93-4A57-A187-7DC81504DE50}" type="datetime1">
               <a:rPr lang="en-US" smtClean="0"/>
               <a:pPr/>
-              <a:t>1/20/2018</a:t>
+              <a:t>1/21/2018</a:t>
             </a:fld>
             <a:endParaRPr lang="en-US" dirty="0"/>
           </a:p>
@@ -4825,7 +4826,7 @@
           <a:blip r:embed="rId2">
             <a:extLst>
               <a:ext uri="{28A0092B-C50C-407E-A947-70E740481C1C}">
-                <a14:useLocalDpi xmlns:a14="http://schemas.microsoft.com/office/drawing/2010/main" xmlns="" val="0"/>
+                <a14:useLocalDpi xmlns="" xmlns:a14="http://schemas.microsoft.com/office/drawing/2010/main" val="0"/>
               </a:ext>
             </a:extLst>
           </a:blip>
@@ -4861,7 +4862,7 @@
             <a:fld id="{B1DA66F4-4A7A-4EB9-9E42-AEFE7D596F6C}" type="datetime1">
               <a:rPr lang="en-US" smtClean="0"/>
               <a:pPr/>
-              <a:t>1/20/2018</a:t>
+              <a:t>1/21/2018</a:t>
             </a:fld>
             <a:endParaRPr lang="en-US" dirty="0"/>
           </a:p>
@@ -4951,7 +4952,7 @@
           <a:blip r:embed="rId2">
             <a:extLst>
               <a:ext uri="{28A0092B-C50C-407E-A947-70E740481C1C}">
-                <a14:useLocalDpi xmlns:a14="http://schemas.microsoft.com/office/drawing/2010/main" xmlns="" val="0"/>
+                <a14:useLocalDpi xmlns="" xmlns:a14="http://schemas.microsoft.com/office/drawing/2010/main" val="0"/>
               </a:ext>
             </a:extLst>
           </a:blip>
@@ -5147,7 +5148,7 @@
             <a:fld id="{83756C56-267F-4D0C-89ED-40B943DE8EE5}" type="datetime1">
               <a:rPr lang="en-US" smtClean="0"/>
               <a:pPr/>
-              <a:t>1/20/2018</a:t>
+              <a:t>1/21/2018</a:t>
             </a:fld>
             <a:endParaRPr lang="en-US" dirty="0"/>
           </a:p>
@@ -5237,7 +5238,7 @@
           <a:blip r:embed="rId2">
             <a:extLst>
               <a:ext uri="{28A0092B-C50C-407E-A947-70E740481C1C}">
-                <a14:useLocalDpi xmlns:a14="http://schemas.microsoft.com/office/drawing/2010/main" xmlns="" val="0"/>
+                <a14:useLocalDpi xmlns="" xmlns:a14="http://schemas.microsoft.com/office/drawing/2010/main" val="0"/>
               </a:ext>
             </a:extLst>
           </a:blip>
@@ -5472,7 +5473,7 @@
             <a:fld id="{AB518942-7816-49BE-A0A0-F629C6FDAD32}" type="datetime1">
               <a:rPr lang="en-US" smtClean="0"/>
               <a:pPr/>
-              <a:t>1/20/2018</a:t>
+              <a:t>1/21/2018</a:t>
             </a:fld>
             <a:endParaRPr lang="en-US" dirty="0"/>
           </a:p>
@@ -5687,7 +5688,7 @@
             <a:fld id="{D996A0C8-BB33-4CDA-AAAD-6D3025DD3827}" type="datetime1">
               <a:rPr lang="en-US" smtClean="0"/>
               <a:pPr/>
-              <a:t>1/20/2018</a:t>
+              <a:t>1/21/2018</a:t>
             </a:fld>
             <a:endParaRPr lang="en-US" dirty="0"/>
           </a:p>
@@ -6605,7 +6606,7 @@
                   </a:schemeClr>
                 </a:solidFill>
               </a:rPr>
-              <a:t>/8</a:t>
+              <a:t>/9</a:t>
             </a:r>
             <a:endParaRPr lang="en-US" sz="1600" dirty="0">
               <a:solidFill>
@@ -6655,7 +6656,7 @@
     </p:spTree>
     <p:extLst>
       <p:ext uri="{BB962C8B-B14F-4D97-AF65-F5344CB8AC3E}">
-        <p14:creationId xmlns:p14="http://schemas.microsoft.com/office/powerpoint/2010/main" xmlns="" val="2526593619"/>
+        <p14:creationId xmlns="" xmlns:p14="http://schemas.microsoft.com/office/powerpoint/2010/main" val="2526593619"/>
       </p:ext>
     </p:extLst>
   </p:cSld>
@@ -6811,7 +6812,7 @@
                   </a:schemeClr>
                 </a:solidFill>
               </a:rPr>
-              <a:t>/8</a:t>
+              <a:t>/9</a:t>
             </a:r>
             <a:endParaRPr lang="en-US" sz="1600" dirty="0">
               <a:solidFill>
@@ -6952,7 +6953,7 @@
                   </a:schemeClr>
                 </a:solidFill>
               </a:rPr>
-              <a:t>/8</a:t>
+              <a:t>/9</a:t>
             </a:r>
             <a:endParaRPr lang="en-US" sz="1600" dirty="0">
               <a:solidFill>
@@ -7169,7 +7170,7 @@
         </p:nvSpPr>
         <p:spPr>
           <a:xfrm>
-            <a:off x="685801" y="2142068"/>
+            <a:off x="685801" y="1985312"/>
             <a:ext cx="10131425" cy="3122264"/>
           </a:xfrm>
         </p:spPr>
@@ -7204,7 +7205,29 @@
                   </a:schemeClr>
                 </a:solidFill>
               </a:rPr>
-              <a:t>Aplikácia na počítači – zobrazuje rôzne formy medicínskych dát, ktoré si môže používateľ prehliadať pomocou okuliarov pre virtuálnu realitu</a:t>
+              <a:t>Aplikácia na počítači – zobrazuje rôzne formy medicínskych dát, ktoré si môže používateľ </a:t>
+            </a:r>
+            <a:r>
+              <a:rPr lang="sk-SK" sz="2400" dirty="0" smtClean="0">
+                <a:solidFill>
+                  <a:schemeClr val="accent3">
+                    <a:lumMod val="60000"/>
+                    <a:lumOff val="40000"/>
+                  </a:schemeClr>
+                </a:solidFill>
+              </a:rPr>
+              <a:t>prehliadnuť </a:t>
+            </a:r>
+            <a:r>
+              <a:rPr lang="sk-SK" sz="2400" dirty="0" smtClean="0">
+                <a:solidFill>
+                  <a:schemeClr val="accent3">
+                    <a:lumMod val="60000"/>
+                    <a:lumOff val="40000"/>
+                  </a:schemeClr>
+                </a:solidFill>
+              </a:rPr>
+              <a:t>pomocou okuliarov pre virtuálnu realitu</a:t>
             </a:r>
           </a:p>
           <a:p>
@@ -7279,7 +7302,7 @@
                   </a:schemeClr>
                 </a:solidFill>
               </a:rPr>
-              <a:t>/8</a:t>
+              <a:t>/9</a:t>
             </a:r>
             <a:endParaRPr lang="en-US" sz="1600" dirty="0">
               <a:solidFill>
@@ -7420,7 +7443,7 @@
                   </a:schemeClr>
                 </a:solidFill>
               </a:rPr>
-              <a:t>/8</a:t>
+              <a:t>/9</a:t>
             </a:r>
             <a:endParaRPr lang="en-US" sz="1600" dirty="0">
               <a:solidFill>
@@ -7433,46 +7456,9 @@
           </a:p>
         </p:txBody>
       </p:sp>
-      <p:sp>
-        <p:nvSpPr>
-          <p:cNvPr id="6" name="Nadpis 1"/>
-          <p:cNvSpPr>
-            <a:spLocks noGrp="1"/>
-          </p:cNvSpPr>
-          <p:nvPr>
-            <p:ph type="title"/>
-          </p:nvPr>
-        </p:nvSpPr>
-        <p:spPr/>
-        <p:txBody>
-          <a:bodyPr/>
-          <a:lstStyle/>
-          <a:p>
-            <a:r>
-              <a:rPr lang="sk-SK" dirty="0" smtClean="0">
-                <a:solidFill>
-                  <a:schemeClr val="accent3">
-                    <a:lumMod val="60000"/>
-                    <a:lumOff val="40000"/>
-                  </a:schemeClr>
-                </a:solidFill>
-              </a:rPr>
-              <a:t>Použité technológie</a:t>
-            </a:r>
-            <a:endParaRPr lang="sk-SK" dirty="0">
-              <a:solidFill>
-                <a:schemeClr val="accent3">
-                  <a:lumMod val="60000"/>
-                  <a:lumOff val="40000"/>
-                </a:schemeClr>
-              </a:solidFill>
-            </a:endParaRPr>
-          </a:p>
-        </p:txBody>
-      </p:sp>
       <p:pic>
         <p:nvPicPr>
-          <p:cNvPr id="7" name="Picture 2" descr="C:\Users\Robert\Downloads\siemens.jpg"/>
+          <p:cNvPr id="6" name="Picture 2" descr="C:\Users\Robert\Downloads\siemens.jpg"/>
           <p:cNvPicPr>
             <a:picLocks noChangeAspect="1" noChangeArrowheads="1"/>
           </p:cNvPicPr>
@@ -7498,33 +7484,41 @@
       </p:pic>
       <p:pic>
         <p:nvPicPr>
-          <p:cNvPr id="1041" name="Picture 17" descr="https://doc.micrium.com/download/attachments/10752175/TCPIPDOC?version=1&amp;modificationDate=1381450369000&amp;api=v2"/>
+          <p:cNvPr id="7" name="Obrázok 11"/>
           <p:cNvPicPr>
-            <a:picLocks noChangeAspect="1" noChangeArrowheads="1"/>
+            <a:picLocks noChangeAspect="1"/>
           </p:cNvPicPr>
           <p:nvPr/>
         </p:nvPicPr>
         <p:blipFill>
           <a:blip r:embed="rId3"/>
-          <a:srcRect/>
+          <a:srcRect l="14563" t="25468" r="12988" b="28815"/>
           <a:stretch>
             <a:fillRect/>
           </a:stretch>
         </p:blipFill>
         <p:spPr bwMode="auto">
           <a:xfrm>
-            <a:off x="6691461" y="3431358"/>
-            <a:ext cx="1329179" cy="1329179"/>
+            <a:off x="403519" y="5636002"/>
+            <a:ext cx="2090738" cy="931862"/>
           </a:xfrm>
           <a:prstGeom prst="rect">
             <a:avLst/>
           </a:prstGeom>
-          <a:noFill/>
+          <a:solidFill>
+            <a:schemeClr val="tx1"/>
+          </a:solidFill>
+          <a:ln w="9525">
+            <a:noFill/>
+            <a:miter lim="800000"/>
+            <a:headEnd/>
+            <a:tailEnd/>
+          </a:ln>
         </p:spPr>
       </p:pic>
       <p:pic>
         <p:nvPicPr>
-          <p:cNvPr id="1045" name="Picture 21" descr="https://hackadaycom.files.wordpress.com/2016/04/arduinopi2.png?w=800"/>
+          <p:cNvPr id="1026" name="Picture 2" descr="C:\Users\Robert\Pictures\26994479_1807070789364066_134493658_n.png"/>
           <p:cNvPicPr>
             <a:picLocks noChangeAspect="1" noChangeArrowheads="1"/>
           </p:cNvPicPr>
@@ -7532,15 +7526,15 @@
         </p:nvPicPr>
         <p:blipFill>
           <a:blip r:embed="rId4"/>
-          <a:srcRect l="45835" r="5423"/>
+          <a:srcRect/>
           <a:stretch>
             <a:fillRect/>
           </a:stretch>
         </p:blipFill>
         <p:spPr bwMode="auto">
           <a:xfrm>
-            <a:off x="4687395" y="2295619"/>
-            <a:ext cx="2165894" cy="1710773"/>
+            <a:off x="346503" y="409433"/>
+            <a:ext cx="3421584" cy="1902487"/>
           </a:xfrm>
           <a:prstGeom prst="rect">
             <a:avLst/>
@@ -7550,7 +7544,7 @@
       </p:pic>
       <p:pic>
         <p:nvPicPr>
-          <p:cNvPr id="1047" name="Picture 23" descr="https://download.blender.org/institute/logos/blender-socket.png"/>
+          <p:cNvPr id="1027" name="Picture 3" descr="C:\Users\Robert\Pictures\26995111_1807070796030732_1993481433_n.png"/>
           <p:cNvPicPr>
             <a:picLocks noChangeAspect="1" noChangeArrowheads="1"/>
           </p:cNvPicPr>
@@ -7565,8 +7559,8 @@
         </p:blipFill>
         <p:spPr bwMode="auto">
           <a:xfrm>
-            <a:off x="8630206" y="1851669"/>
-            <a:ext cx="3561794" cy="1113061"/>
+            <a:off x="3742894" y="409434"/>
+            <a:ext cx="3532788" cy="2186651"/>
           </a:xfrm>
           <a:prstGeom prst="rect">
             <a:avLst/>
@@ -7576,7 +7570,7 @@
       </p:pic>
       <p:pic>
         <p:nvPicPr>
-          <p:cNvPr id="1049" name="Picture 25" descr="https://3dwarehouse.sketchup.com/img/SU_Logo_Color.png"/>
+          <p:cNvPr id="1028" name="Picture 4" descr="C:\Users\Robert\Pictures\27042693_1807070799364065_959887095_n.png"/>
           <p:cNvPicPr>
             <a:picLocks noChangeAspect="1" noChangeArrowheads="1"/>
           </p:cNvPicPr>
@@ -7591,20 +7585,18 @@
         </p:blipFill>
         <p:spPr bwMode="auto">
           <a:xfrm>
-            <a:off x="8097098" y="4785991"/>
-            <a:ext cx="3925216" cy="849177"/>
+            <a:off x="7013220" y="1501254"/>
+            <a:ext cx="4034321" cy="2776870"/>
           </a:xfrm>
           <a:prstGeom prst="rect">
             <a:avLst/>
           </a:prstGeom>
-          <a:solidFill>
-            <a:schemeClr val="tx1"/>
-          </a:solidFill>
+          <a:noFill/>
         </p:spPr>
       </p:pic>
       <p:pic>
         <p:nvPicPr>
-          <p:cNvPr id="1053" name="Picture 29" descr="http://is301.com/wp-content/uploads/2017/12/04_Oculus-Full-Lockup-Vertical-Black.png"/>
+          <p:cNvPr id="1030" name="Picture 6" descr="C:\Users\Robert\Pictures\26995055_1807070792697399_1918324467_n.png"/>
           <p:cNvPicPr>
             <a:picLocks noChangeAspect="1" noChangeArrowheads="1"/>
           </p:cNvPicPr>
@@ -7612,27 +7604,25 @@
         </p:nvPicPr>
         <p:blipFill>
           <a:blip r:embed="rId7"/>
-          <a:srcRect l="27446" t="13811" r="27109" b="19398"/>
+          <a:srcRect/>
           <a:stretch>
             <a:fillRect/>
           </a:stretch>
         </p:blipFill>
         <p:spPr bwMode="auto">
           <a:xfrm>
-            <a:off x="200953" y="3733014"/>
-            <a:ext cx="1288481" cy="1065229"/>
+            <a:off x="342759" y="2265528"/>
+            <a:ext cx="3457384" cy="2599898"/>
           </a:xfrm>
           <a:prstGeom prst="rect">
             <a:avLst/>
           </a:prstGeom>
-          <a:solidFill>
-            <a:schemeClr val="tx1"/>
-          </a:solidFill>
+          <a:noFill/>
         </p:spPr>
       </p:pic>
       <p:pic>
         <p:nvPicPr>
-          <p:cNvPr id="1055" name="Picture 31" descr="https://upload.wikimedia.org/wikipedia/commons/thumb/0/02/Leap_Motion_logo.svg/1200px-Leap_Motion_logo.svg.png"/>
+          <p:cNvPr id="1031" name="Picture 7" descr="C:\Users\Robert\Pictures\20217118_1807070802697398_421295172_n.png"/>
           <p:cNvPicPr>
             <a:picLocks noChangeAspect="1" noChangeArrowheads="1"/>
           </p:cNvPicPr>
@@ -7640,27 +7630,25 @@
         </p:nvPicPr>
         <p:blipFill>
           <a:blip r:embed="rId8"/>
-          <a:srcRect l="-9053" t="-11114" r="-8634" b="-13357"/>
+          <a:srcRect/>
           <a:stretch>
             <a:fillRect/>
           </a:stretch>
         </p:blipFill>
         <p:spPr bwMode="auto">
           <a:xfrm>
-            <a:off x="1809945" y="2366129"/>
-            <a:ext cx="2083324" cy="1055802"/>
+            <a:off x="3785926" y="2565779"/>
+            <a:ext cx="3233285" cy="2294377"/>
           </a:xfrm>
           <a:prstGeom prst="rect">
             <a:avLst/>
           </a:prstGeom>
-          <a:solidFill>
-            <a:schemeClr val="tx1"/>
-          </a:solidFill>
+          <a:noFill/>
         </p:spPr>
       </p:pic>
       <p:pic>
         <p:nvPicPr>
-          <p:cNvPr id="1057" name="Picture 33" descr="https://upload.wikimedia.org/wikipedia/commons/thumb/1/19/Unity_Technologies_logo.svg/2000px-Unity_Technologies_logo.svg.png"/>
+          <p:cNvPr id="1029" name="Picture 5" descr="C:\Users\Robert\Pictures\27045219_1807070786030733_1098089076_n.png"/>
           <p:cNvPicPr>
             <a:picLocks noChangeAspect="1" noChangeArrowheads="1"/>
           </p:cNvPicPr>
@@ -7668,34 +7656,6 @@
         </p:nvPicPr>
         <p:blipFill>
           <a:blip r:embed="rId9"/>
-          <a:srcRect l="-1866" t="-8309" r="-2239" b="-6660"/>
-          <a:stretch>
-            <a:fillRect/>
-          </a:stretch>
-        </p:blipFill>
-        <p:spPr bwMode="auto">
-          <a:xfrm>
-            <a:off x="1630837" y="3667027"/>
-            <a:ext cx="2630079" cy="1055802"/>
-          </a:xfrm>
-          <a:prstGeom prst="rect">
-            <a:avLst/>
-          </a:prstGeom>
-          <a:solidFill>
-            <a:schemeClr val="tx1"/>
-          </a:solidFill>
-        </p:spPr>
-      </p:pic>
-      <p:pic>
-        <p:nvPicPr>
-          <p:cNvPr id="1059" name="Picture 35" descr="https://camo.githubusercontent.com/0617f4657fef12e8d16db45b8d73def73144b09f/68747470733a2f2f646576656c6f7065722e6665646f726170726f6a6563742e6f72672f7374617469632f6c6f676f2f6373686172702e706e67"/>
-          <p:cNvPicPr>
-            <a:picLocks noChangeAspect="1" noChangeArrowheads="1"/>
-          </p:cNvPicPr>
-          <p:nvPr/>
-        </p:nvPicPr>
-        <p:blipFill>
-          <a:blip r:embed="rId10"/>
           <a:srcRect/>
           <a:stretch>
             <a:fillRect/>
@@ -7703,8 +7663,8 @@
         </p:blipFill>
         <p:spPr bwMode="auto">
           <a:xfrm>
-            <a:off x="192470" y="2093307"/>
-            <a:ext cx="1385374" cy="1488879"/>
+            <a:off x="6869731" y="3912925"/>
+            <a:ext cx="3407036" cy="2446932"/>
           </a:xfrm>
           <a:prstGeom prst="rect">
             <a:avLst/>
@@ -7712,158 +7672,55 @@
           <a:noFill/>
         </p:spPr>
       </p:pic>
-      <p:pic>
-        <p:nvPicPr>
-          <p:cNvPr id="1061" name="Picture 37" descr="https://upload.wikimedia.org/wikipedia/commons/thumb/a/ae/WiFi_Logo.svg/1200px-WiFi_Logo.svg.png"/>
-          <p:cNvPicPr>
-            <a:picLocks noChangeAspect="1" noChangeArrowheads="1"/>
-          </p:cNvPicPr>
+      <p:sp>
+        <p:nvSpPr>
+          <p:cNvPr id="14" name="BlokTextu 13"/>
+          <p:cNvSpPr txBox="1"/>
           <p:nvPr/>
-        </p:nvPicPr>
-        <p:blipFill>
-          <a:blip r:embed="rId11"/>
-          <a:srcRect/>
-          <a:stretch>
-            <a:fillRect/>
-          </a:stretch>
-        </p:blipFill>
-        <p:spPr bwMode="auto">
-          <a:xfrm>
-            <a:off x="4682060" y="3949831"/>
-            <a:ext cx="2131971" cy="1263193"/>
+        </p:nvSpPr>
+        <p:spPr>
+          <a:xfrm>
+            <a:off x="2664822" y="4950824"/>
+            <a:ext cx="3873946" cy="461665"/>
           </a:xfrm>
           <a:prstGeom prst="rect">
             <a:avLst/>
           </a:prstGeom>
           <a:noFill/>
         </p:spPr>
-      </p:pic>
-      <p:pic>
-        <p:nvPicPr>
-          <p:cNvPr id="1063" name="Picture 39" descr="https://atmosphere.anaren.com/sites/default/files/EspressifLogoFullGlow.png"/>
-          <p:cNvPicPr>
-            <a:picLocks noChangeAspect="1" noChangeArrowheads="1"/>
-          </p:cNvPicPr>
-          <p:nvPr/>
-        </p:nvPicPr>
-        <p:blipFill>
-          <a:blip r:embed="rId12"/>
-          <a:srcRect/>
-          <a:stretch>
-            <a:fillRect/>
-          </a:stretch>
-        </p:blipFill>
-        <p:spPr bwMode="auto">
-          <a:xfrm>
-            <a:off x="6735990" y="1951348"/>
-            <a:ext cx="1438367" cy="1489434"/>
-          </a:xfrm>
-          <a:prstGeom prst="rect">
-            <a:avLst/>
-          </a:prstGeom>
-          <a:noFill/>
-        </p:spPr>
-      </p:pic>
-      <p:pic>
-        <p:nvPicPr>
-          <p:cNvPr id="1065" name="Picture 41" descr="https://camo.githubusercontent.com/2460cb1ca5e4066d33c8aef0b3f10662e7df981e/687474703a2f2f7777772e6c6865726e616e64657a2e6f72672f77702d636f6e74656e742f75706c6f6164732f323031362f30322f632d6c6f676f2e706e67"/>
-          <p:cNvPicPr>
-            <a:picLocks noChangeAspect="1" noChangeArrowheads="1"/>
-          </p:cNvPicPr>
-          <p:nvPr/>
-        </p:nvPicPr>
-        <p:blipFill>
-          <a:blip r:embed="rId13"/>
-          <a:srcRect/>
-          <a:stretch>
-            <a:fillRect/>
-          </a:stretch>
-        </p:blipFill>
-        <p:spPr bwMode="auto">
-          <a:xfrm>
-            <a:off x="4837348" y="1442300"/>
-            <a:ext cx="2224538" cy="1074656"/>
-          </a:xfrm>
-          <a:prstGeom prst="rect">
-            <a:avLst/>
-          </a:prstGeom>
-          <a:noFill/>
-        </p:spPr>
-      </p:pic>
-      <p:pic>
-        <p:nvPicPr>
-          <p:cNvPr id="1067" name="Picture 43" descr="http://editorial.3dprint.com/wp-content/uploads/2016/05/3dp_Prusai3MK2_prusa_logo.png"/>
-          <p:cNvPicPr>
-            <a:picLocks noChangeAspect="1" noChangeArrowheads="1"/>
-          </p:cNvPicPr>
-          <p:nvPr/>
-        </p:nvPicPr>
-        <p:blipFill>
-          <a:blip r:embed="rId14"/>
-          <a:srcRect/>
-          <a:stretch>
-            <a:fillRect/>
-          </a:stretch>
-        </p:blipFill>
-        <p:spPr bwMode="auto">
-          <a:xfrm>
-            <a:off x="9235573" y="3041323"/>
-            <a:ext cx="2348037" cy="1596665"/>
-          </a:xfrm>
-          <a:prstGeom prst="rect">
-            <a:avLst/>
-          </a:prstGeom>
-          <a:solidFill>
-            <a:schemeClr val="tx1"/>
-          </a:solidFill>
-        </p:spPr>
-      </p:pic>
-      <p:pic>
-        <p:nvPicPr>
-          <p:cNvPr id="37" name="Obrázok 11"/>
-          <p:cNvPicPr>
-            <a:picLocks noChangeAspect="1"/>
-          </p:cNvPicPr>
-          <p:nvPr/>
-        </p:nvPicPr>
-        <p:blipFill>
-          <a:blip r:embed="rId15"/>
-          <a:srcRect l="14563" t="25468" r="12988" b="28815"/>
-          <a:stretch>
-            <a:fillRect/>
-          </a:stretch>
-        </p:blipFill>
-        <p:spPr bwMode="auto">
-          <a:xfrm>
-            <a:off x="403519" y="5636002"/>
-            <a:ext cx="2090738" cy="931862"/>
-          </a:xfrm>
-          <a:prstGeom prst="rect">
-            <a:avLst/>
-          </a:prstGeom>
-          <a:solidFill>
-            <a:schemeClr val="tx1"/>
-          </a:solidFill>
-          <a:ln w="9525">
-            <a:noFill/>
-            <a:miter lim="800000"/>
-            <a:headEnd/>
-            <a:tailEnd/>
-          </a:ln>
-        </p:spPr>
-      </p:pic>
+        <p:txBody>
+          <a:bodyPr wrap="none" rtlCol="0">
+            <a:spAutoFit/>
+          </a:bodyPr>
+          <a:lstStyle/>
+          <a:p>
+            <a:r>
+              <a:rPr lang="sk-SK" sz="2400" dirty="0" smtClean="0">
+                <a:solidFill>
+                  <a:schemeClr val="accent3">
+                    <a:lumMod val="60000"/>
+                    <a:lumOff val="40000"/>
+                  </a:schemeClr>
+                </a:solidFill>
+              </a:rPr>
+              <a:t>Modely súčiastok 3D rukavice</a:t>
+            </a:r>
+            <a:endParaRPr lang="sk-SK" sz="2400" dirty="0">
+              <a:solidFill>
+                <a:schemeClr val="accent3">
+                  <a:lumMod val="60000"/>
+                  <a:lumOff val="40000"/>
+                </a:schemeClr>
+              </a:solidFill>
+            </a:endParaRPr>
+          </a:p>
+        </p:txBody>
+      </p:sp>
     </p:spTree>
   </p:cSld>
   <p:clrMapOvr>
     <a:masterClrMapping/>
   </p:clrMapOvr>
-  <p:timing>
-    <p:tnLst>
-      <p:par>
-        <p:cTn id="1" dur="indefinite" restart="never" nodeType="tmRoot"/>
-      </p:par>
-    </p:tnLst>
-  </p:timing>
 </p:sld>
 </file>
 
@@ -7886,12 +7743,12 @@
       </p:grpSpPr>
       <p:sp>
         <p:nvSpPr>
-          <p:cNvPr id="2" name="Nadpis 1"/>
-          <p:cNvSpPr>
-            <a:spLocks noGrp="1"/>
-          </p:cNvSpPr>
-          <p:nvPr>
-            <p:ph type="title"/>
+          <p:cNvPr id="5" name="Zástupný symbol čísla snímky 4"/>
+          <p:cNvSpPr>
+            <a:spLocks noGrp="1"/>
+          </p:cNvSpPr>
+          <p:nvPr>
+            <p:ph type="sldNum" sz="quarter" idx="12"/>
           </p:nvPr>
         </p:nvSpPr>
         <p:spPr/>
@@ -7899,8 +7756,8 @@
           <a:bodyPr/>
           <a:lstStyle/>
           <a:p>
-            <a:r>
-              <a:rPr lang="sk-SK" dirty="0" smtClean="0">
+            <a:fld id="{D57F1E4F-1CFF-5643-939E-217C01CDF565}" type="slidenum">
+              <a:rPr lang="en-US" sz="1600" smtClean="0">
                 <a:solidFill>
                   <a:schemeClr val="accent3">
                     <a:lumMod val="60000"/>
@@ -7908,7 +7765,56 @@
                   </a:schemeClr>
                 </a:solidFill>
               </a:rPr>
-              <a:t>Ukážka aplikácie</a:t>
+              <a:pPr/>
+              <a:t>6</a:t>
+            </a:fld>
+            <a:r>
+              <a:rPr lang="sk-SK" sz="1600" dirty="0" smtClean="0">
+                <a:solidFill>
+                  <a:schemeClr val="accent3">
+                    <a:lumMod val="60000"/>
+                    <a:lumOff val="40000"/>
+                  </a:schemeClr>
+                </a:solidFill>
+              </a:rPr>
+              <a:t>/9</a:t>
+            </a:r>
+            <a:endParaRPr lang="en-US" sz="1600" dirty="0">
+              <a:solidFill>
+                <a:schemeClr val="accent3">
+                  <a:lumMod val="60000"/>
+                  <a:lumOff val="40000"/>
+                </a:schemeClr>
+              </a:solidFill>
+            </a:endParaRPr>
+          </a:p>
+        </p:txBody>
+      </p:sp>
+      <p:sp>
+        <p:nvSpPr>
+          <p:cNvPr id="6" name="Nadpis 1"/>
+          <p:cNvSpPr>
+            <a:spLocks noGrp="1"/>
+          </p:cNvSpPr>
+          <p:nvPr>
+            <p:ph type="title"/>
+          </p:nvPr>
+        </p:nvSpPr>
+        <p:spPr/>
+        <p:txBody>
+          <a:bodyPr/>
+          <a:lstStyle/>
+          <a:p>
+            <a:r>
+              <a:rPr lang="sk-SK" dirty="0" smtClean="0">
+                <a:solidFill>
+                  <a:schemeClr val="accent3">
+                    <a:lumMod val="60000"/>
+                    <a:lumOff val="40000"/>
+                  </a:schemeClr>
+                </a:solidFill>
+              </a:rPr>
+              <a:t>Použité technológie</a:t>
             </a:r>
             <a:endParaRPr lang="sk-SK" dirty="0">
               <a:solidFill>
@@ -7921,58 +7827,9 @@
           </a:p>
         </p:txBody>
       </p:sp>
-      <p:sp>
-        <p:nvSpPr>
-          <p:cNvPr id="4" name="Zástupný symbol čísla snímky 3"/>
-          <p:cNvSpPr>
-            <a:spLocks noGrp="1"/>
-          </p:cNvSpPr>
-          <p:nvPr>
-            <p:ph type="sldNum" sz="quarter" idx="12"/>
-          </p:nvPr>
-        </p:nvSpPr>
-        <p:spPr/>
-        <p:txBody>
-          <a:bodyPr/>
-          <a:lstStyle/>
-          <a:p>
-            <a:fld id="{D57F1E4F-1CFF-5643-939E-217C01CDF565}" type="slidenum">
-              <a:rPr lang="en-US" sz="1600" smtClean="0">
-                <a:solidFill>
-                  <a:schemeClr val="accent3">
-                    <a:lumMod val="60000"/>
-                    <a:lumOff val="40000"/>
-                  </a:schemeClr>
-                </a:solidFill>
-              </a:rPr>
-              <a:pPr/>
-              <a:t>6</a:t>
-            </a:fld>
-            <a:r>
-              <a:rPr lang="sk-SK" sz="1600" dirty="0" smtClean="0">
-                <a:solidFill>
-                  <a:schemeClr val="accent3">
-                    <a:lumMod val="60000"/>
-                    <a:lumOff val="40000"/>
-                  </a:schemeClr>
-                </a:solidFill>
-              </a:rPr>
-              <a:t>/8</a:t>
-            </a:r>
-            <a:endParaRPr lang="en-US" sz="1600" dirty="0">
-              <a:solidFill>
-                <a:schemeClr val="accent3">
-                  <a:lumMod val="60000"/>
-                  <a:lumOff val="40000"/>
-                </a:schemeClr>
-              </a:solidFill>
-            </a:endParaRPr>
-          </a:p>
-        </p:txBody>
-      </p:sp>
       <p:pic>
         <p:nvPicPr>
-          <p:cNvPr id="5" name="Picture 2" descr="C:\Users\Robert\Downloads\siemens.jpg"/>
+          <p:cNvPr id="7" name="Picture 2" descr="C:\Users\Robert\Downloads\siemens.jpg"/>
           <p:cNvPicPr>
             <a:picLocks noChangeAspect="1" noChangeArrowheads="1"/>
           </p:cNvPicPr>
@@ -7998,14 +7855,336 @@
       </p:pic>
       <p:pic>
         <p:nvPicPr>
-          <p:cNvPr id="7" name="Obrázok 11"/>
+          <p:cNvPr id="1041" name="Picture 17" descr="https://doc.micrium.com/download/attachments/10752175/TCPIPDOC?version=1&amp;modificationDate=1381450369000&amp;api=v2"/>
+          <p:cNvPicPr>
+            <a:picLocks noChangeAspect="1" noChangeArrowheads="1"/>
+          </p:cNvPicPr>
+          <p:nvPr/>
+        </p:nvPicPr>
+        <p:blipFill>
+          <a:blip r:embed="rId3"/>
+          <a:srcRect/>
+          <a:stretch>
+            <a:fillRect/>
+          </a:stretch>
+        </p:blipFill>
+        <p:spPr bwMode="auto">
+          <a:xfrm>
+            <a:off x="6691461" y="3431358"/>
+            <a:ext cx="1329179" cy="1329179"/>
+          </a:xfrm>
+          <a:prstGeom prst="rect">
+            <a:avLst/>
+          </a:prstGeom>
+          <a:noFill/>
+        </p:spPr>
+      </p:pic>
+      <p:pic>
+        <p:nvPicPr>
+          <p:cNvPr id="1045" name="Picture 21" descr="https://hackadaycom.files.wordpress.com/2016/04/arduinopi2.png?w=800"/>
+          <p:cNvPicPr>
+            <a:picLocks noChangeAspect="1" noChangeArrowheads="1"/>
+          </p:cNvPicPr>
+          <p:nvPr/>
+        </p:nvPicPr>
+        <p:blipFill>
+          <a:blip r:embed="rId4"/>
+          <a:srcRect l="45835" r="5423"/>
+          <a:stretch>
+            <a:fillRect/>
+          </a:stretch>
+        </p:blipFill>
+        <p:spPr bwMode="auto">
+          <a:xfrm>
+            <a:off x="4687395" y="2295619"/>
+            <a:ext cx="2165894" cy="1710773"/>
+          </a:xfrm>
+          <a:prstGeom prst="rect">
+            <a:avLst/>
+          </a:prstGeom>
+          <a:noFill/>
+        </p:spPr>
+      </p:pic>
+      <p:pic>
+        <p:nvPicPr>
+          <p:cNvPr id="1047" name="Picture 23" descr="https://download.blender.org/institute/logos/blender-socket.png"/>
+          <p:cNvPicPr>
+            <a:picLocks noChangeAspect="1" noChangeArrowheads="1"/>
+          </p:cNvPicPr>
+          <p:nvPr/>
+        </p:nvPicPr>
+        <p:blipFill>
+          <a:blip r:embed="rId5"/>
+          <a:srcRect/>
+          <a:stretch>
+            <a:fillRect/>
+          </a:stretch>
+        </p:blipFill>
+        <p:spPr bwMode="auto">
+          <a:xfrm>
+            <a:off x="8630206" y="1851669"/>
+            <a:ext cx="3561794" cy="1113061"/>
+          </a:xfrm>
+          <a:prstGeom prst="rect">
+            <a:avLst/>
+          </a:prstGeom>
+          <a:noFill/>
+        </p:spPr>
+      </p:pic>
+      <p:pic>
+        <p:nvPicPr>
+          <p:cNvPr id="1049" name="Picture 25" descr="https://3dwarehouse.sketchup.com/img/SU_Logo_Color.png"/>
+          <p:cNvPicPr>
+            <a:picLocks noChangeAspect="1" noChangeArrowheads="1"/>
+          </p:cNvPicPr>
+          <p:nvPr/>
+        </p:nvPicPr>
+        <p:blipFill>
+          <a:blip r:embed="rId6"/>
+          <a:srcRect/>
+          <a:stretch>
+            <a:fillRect/>
+          </a:stretch>
+        </p:blipFill>
+        <p:spPr bwMode="auto">
+          <a:xfrm>
+            <a:off x="8097098" y="4785991"/>
+            <a:ext cx="3925216" cy="849177"/>
+          </a:xfrm>
+          <a:prstGeom prst="rect">
+            <a:avLst/>
+          </a:prstGeom>
+          <a:solidFill>
+            <a:schemeClr val="tx1"/>
+          </a:solidFill>
+        </p:spPr>
+      </p:pic>
+      <p:pic>
+        <p:nvPicPr>
+          <p:cNvPr id="1053" name="Picture 29" descr="http://is301.com/wp-content/uploads/2017/12/04_Oculus-Full-Lockup-Vertical-Black.png"/>
+          <p:cNvPicPr>
+            <a:picLocks noChangeAspect="1" noChangeArrowheads="1"/>
+          </p:cNvPicPr>
+          <p:nvPr/>
+        </p:nvPicPr>
+        <p:blipFill>
+          <a:blip r:embed="rId7"/>
+          <a:srcRect l="27446" t="13811" r="27109" b="19398"/>
+          <a:stretch>
+            <a:fillRect/>
+          </a:stretch>
+        </p:blipFill>
+        <p:spPr bwMode="auto">
+          <a:xfrm>
+            <a:off x="200953" y="3733014"/>
+            <a:ext cx="1288481" cy="1065229"/>
+          </a:xfrm>
+          <a:prstGeom prst="rect">
+            <a:avLst/>
+          </a:prstGeom>
+          <a:solidFill>
+            <a:schemeClr val="tx1"/>
+          </a:solidFill>
+        </p:spPr>
+      </p:pic>
+      <p:pic>
+        <p:nvPicPr>
+          <p:cNvPr id="1055" name="Picture 31" descr="https://upload.wikimedia.org/wikipedia/commons/thumb/0/02/Leap_Motion_logo.svg/1200px-Leap_Motion_logo.svg.png"/>
+          <p:cNvPicPr>
+            <a:picLocks noChangeAspect="1" noChangeArrowheads="1"/>
+          </p:cNvPicPr>
+          <p:nvPr/>
+        </p:nvPicPr>
+        <p:blipFill>
+          <a:blip r:embed="rId8"/>
+          <a:srcRect l="-9053" t="-11114" r="-8634" b="-13357"/>
+          <a:stretch>
+            <a:fillRect/>
+          </a:stretch>
+        </p:blipFill>
+        <p:spPr bwMode="auto">
+          <a:xfrm>
+            <a:off x="1809945" y="2366129"/>
+            <a:ext cx="2083324" cy="1055802"/>
+          </a:xfrm>
+          <a:prstGeom prst="rect">
+            <a:avLst/>
+          </a:prstGeom>
+          <a:solidFill>
+            <a:schemeClr val="tx1"/>
+          </a:solidFill>
+        </p:spPr>
+      </p:pic>
+      <p:pic>
+        <p:nvPicPr>
+          <p:cNvPr id="1057" name="Picture 33" descr="https://upload.wikimedia.org/wikipedia/commons/thumb/1/19/Unity_Technologies_logo.svg/2000px-Unity_Technologies_logo.svg.png"/>
+          <p:cNvPicPr>
+            <a:picLocks noChangeAspect="1" noChangeArrowheads="1"/>
+          </p:cNvPicPr>
+          <p:nvPr/>
+        </p:nvPicPr>
+        <p:blipFill>
+          <a:blip r:embed="rId9"/>
+          <a:srcRect l="-1866" t="-8309" r="-2239" b="-6660"/>
+          <a:stretch>
+            <a:fillRect/>
+          </a:stretch>
+        </p:blipFill>
+        <p:spPr bwMode="auto">
+          <a:xfrm>
+            <a:off x="1630837" y="3667027"/>
+            <a:ext cx="2630079" cy="1055802"/>
+          </a:xfrm>
+          <a:prstGeom prst="rect">
+            <a:avLst/>
+          </a:prstGeom>
+          <a:solidFill>
+            <a:schemeClr val="tx1"/>
+          </a:solidFill>
+        </p:spPr>
+      </p:pic>
+      <p:pic>
+        <p:nvPicPr>
+          <p:cNvPr id="1059" name="Picture 35" descr="https://camo.githubusercontent.com/0617f4657fef12e8d16db45b8d73def73144b09f/68747470733a2f2f646576656c6f7065722e6665646f726170726f6a6563742e6f72672f7374617469632f6c6f676f2f6373686172702e706e67"/>
+          <p:cNvPicPr>
+            <a:picLocks noChangeAspect="1" noChangeArrowheads="1"/>
+          </p:cNvPicPr>
+          <p:nvPr/>
+        </p:nvPicPr>
+        <p:blipFill>
+          <a:blip r:embed="rId10"/>
+          <a:srcRect/>
+          <a:stretch>
+            <a:fillRect/>
+          </a:stretch>
+        </p:blipFill>
+        <p:spPr bwMode="auto">
+          <a:xfrm>
+            <a:off x="192470" y="2093307"/>
+            <a:ext cx="1385374" cy="1488879"/>
+          </a:xfrm>
+          <a:prstGeom prst="rect">
+            <a:avLst/>
+          </a:prstGeom>
+          <a:noFill/>
+        </p:spPr>
+      </p:pic>
+      <p:pic>
+        <p:nvPicPr>
+          <p:cNvPr id="1061" name="Picture 37" descr="https://upload.wikimedia.org/wikipedia/commons/thumb/a/ae/WiFi_Logo.svg/1200px-WiFi_Logo.svg.png"/>
+          <p:cNvPicPr>
+            <a:picLocks noChangeAspect="1" noChangeArrowheads="1"/>
+          </p:cNvPicPr>
+          <p:nvPr/>
+        </p:nvPicPr>
+        <p:blipFill>
+          <a:blip r:embed="rId11"/>
+          <a:srcRect/>
+          <a:stretch>
+            <a:fillRect/>
+          </a:stretch>
+        </p:blipFill>
+        <p:spPr bwMode="auto">
+          <a:xfrm>
+            <a:off x="4682060" y="3949831"/>
+            <a:ext cx="2131971" cy="1263193"/>
+          </a:xfrm>
+          <a:prstGeom prst="rect">
+            <a:avLst/>
+          </a:prstGeom>
+          <a:noFill/>
+        </p:spPr>
+      </p:pic>
+      <p:pic>
+        <p:nvPicPr>
+          <p:cNvPr id="1063" name="Picture 39" descr="https://atmosphere.anaren.com/sites/default/files/EspressifLogoFullGlow.png"/>
+          <p:cNvPicPr>
+            <a:picLocks noChangeAspect="1" noChangeArrowheads="1"/>
+          </p:cNvPicPr>
+          <p:nvPr/>
+        </p:nvPicPr>
+        <p:blipFill>
+          <a:blip r:embed="rId12"/>
+          <a:srcRect/>
+          <a:stretch>
+            <a:fillRect/>
+          </a:stretch>
+        </p:blipFill>
+        <p:spPr bwMode="auto">
+          <a:xfrm>
+            <a:off x="6735990" y="1951348"/>
+            <a:ext cx="1438367" cy="1489434"/>
+          </a:xfrm>
+          <a:prstGeom prst="rect">
+            <a:avLst/>
+          </a:prstGeom>
+          <a:noFill/>
+        </p:spPr>
+      </p:pic>
+      <p:pic>
+        <p:nvPicPr>
+          <p:cNvPr id="1065" name="Picture 41" descr="https://camo.githubusercontent.com/2460cb1ca5e4066d33c8aef0b3f10662e7df981e/687474703a2f2f7777772e6c6865726e616e64657a2e6f72672f77702d636f6e74656e742f75706c6f6164732f323031362f30322f632d6c6f676f2e706e67"/>
+          <p:cNvPicPr>
+            <a:picLocks noChangeAspect="1" noChangeArrowheads="1"/>
+          </p:cNvPicPr>
+          <p:nvPr/>
+        </p:nvPicPr>
+        <p:blipFill>
+          <a:blip r:embed="rId13"/>
+          <a:srcRect/>
+          <a:stretch>
+            <a:fillRect/>
+          </a:stretch>
+        </p:blipFill>
+        <p:spPr bwMode="auto">
+          <a:xfrm>
+            <a:off x="4837348" y="1442300"/>
+            <a:ext cx="2224538" cy="1074656"/>
+          </a:xfrm>
+          <a:prstGeom prst="rect">
+            <a:avLst/>
+          </a:prstGeom>
+          <a:noFill/>
+        </p:spPr>
+      </p:pic>
+      <p:pic>
+        <p:nvPicPr>
+          <p:cNvPr id="1067" name="Picture 43" descr="http://editorial.3dprint.com/wp-content/uploads/2016/05/3dp_Prusai3MK2_prusa_logo.png"/>
+          <p:cNvPicPr>
+            <a:picLocks noChangeAspect="1" noChangeArrowheads="1"/>
+          </p:cNvPicPr>
+          <p:nvPr/>
+        </p:nvPicPr>
+        <p:blipFill>
+          <a:blip r:embed="rId14"/>
+          <a:srcRect/>
+          <a:stretch>
+            <a:fillRect/>
+          </a:stretch>
+        </p:blipFill>
+        <p:spPr bwMode="auto">
+          <a:xfrm>
+            <a:off x="9235573" y="3041323"/>
+            <a:ext cx="2348037" cy="1596665"/>
+          </a:xfrm>
+          <a:prstGeom prst="rect">
+            <a:avLst/>
+          </a:prstGeom>
+          <a:solidFill>
+            <a:schemeClr val="tx1"/>
+          </a:solidFill>
+        </p:spPr>
+      </p:pic>
+      <p:pic>
+        <p:nvPicPr>
+          <p:cNvPr id="37" name="Obrázok 11"/>
           <p:cNvPicPr>
             <a:picLocks noChangeAspect="1"/>
           </p:cNvPicPr>
           <p:nvPr/>
         </p:nvPicPr>
         <p:blipFill>
-          <a:blip r:embed="rId3"/>
+          <a:blip r:embed="rId15"/>
           <a:srcRect l="14563" t="25468" r="12988" b="28815"/>
           <a:stretch>
             <a:fillRect/>
@@ -8030,38 +8209,6 @@
           </a:ln>
         </p:spPr>
       </p:pic>
-      <p:sp>
-        <p:nvSpPr>
-          <p:cNvPr id="10" name="Zástupný symbol obsahu 2"/>
-          <p:cNvSpPr>
-            <a:spLocks noGrp="1"/>
-          </p:cNvSpPr>
-          <p:nvPr>
-            <p:ph idx="1"/>
-          </p:nvPr>
-        </p:nvSpPr>
-        <p:spPr>
-          <a:xfrm>
-            <a:off x="685801" y="2142068"/>
-            <a:ext cx="10131425" cy="893363"/>
-          </a:xfrm>
-        </p:spPr>
-        <p:txBody>
-          <a:bodyPr>
-            <a:normAutofit/>
-          </a:bodyPr>
-          <a:lstStyle/>
-          <a:p>
-            <a:r>
-              <a:rPr lang="sk-SK" sz="2400" dirty="0" smtClean="0">
-                <a:hlinkClick r:id="rId4"/>
-              </a:rPr>
-              <a:t>https://www.youtube.com/watch?v=EYsU3LLesao&amp;feature=youtu.be</a:t>
-            </a:r>
-            <a:endParaRPr lang="sk-SK" dirty="0"/>
-          </a:p>
-        </p:txBody>
-      </p:sp>
     </p:spTree>
   </p:cSld>
   <p:clrMapOvr>
@@ -8118,7 +8265,7 @@
                   </a:schemeClr>
                 </a:solidFill>
               </a:rPr>
-              <a:t>Výhody riešenia A možné rozšírenia</a:t>
+              <a:t>Ukážka aplikácie</a:t>
             </a:r>
             <a:endParaRPr lang="sk-SK" dirty="0">
               <a:solidFill>
@@ -8133,129 +8280,6 @@
       </p:sp>
       <p:sp>
         <p:nvSpPr>
-          <p:cNvPr id="3" name="Zástupný symbol obsahu 2"/>
-          <p:cNvSpPr>
-            <a:spLocks noGrp="1"/>
-          </p:cNvSpPr>
-          <p:nvPr>
-            <p:ph idx="1"/>
-          </p:nvPr>
-        </p:nvSpPr>
-        <p:spPr>
-          <a:xfrm>
-            <a:off x="698864" y="1919998"/>
-            <a:ext cx="10131425" cy="3649133"/>
-          </a:xfrm>
-        </p:spPr>
-        <p:txBody>
-          <a:bodyPr>
-            <a:normAutofit lnSpcReduction="10000"/>
-          </a:bodyPr>
-          <a:lstStyle/>
-          <a:p>
-            <a:pPr>
-              <a:buNone/>
-            </a:pPr>
-            <a:r>
-              <a:rPr lang="sk-SK" sz="2400" dirty="0" smtClean="0">
-                <a:solidFill>
-                  <a:schemeClr val="accent3">
-                    <a:lumMod val="60000"/>
-                    <a:lumOff val="40000"/>
-                  </a:schemeClr>
-                </a:solidFill>
-              </a:rPr>
-              <a:t>Výhody</a:t>
-            </a:r>
-          </a:p>
-          <a:p>
-            <a:r>
-              <a:rPr lang="sk-SK" sz="2400" dirty="0" smtClean="0">
-                <a:solidFill>
-                  <a:schemeClr val="accent3">
-                    <a:lumMod val="60000"/>
-                    <a:lumOff val="40000"/>
-                  </a:schemeClr>
-                </a:solidFill>
-              </a:rPr>
-              <a:t>Rukavice je možné využiť vo virtuálnej, zmiešanej alebo rozšírenej realite</a:t>
-            </a:r>
-          </a:p>
-          <a:p>
-            <a:r>
-              <a:rPr lang="sk-SK" sz="2400" dirty="0" smtClean="0">
-                <a:solidFill>
-                  <a:schemeClr val="accent3">
-                    <a:lumMod val="60000"/>
-                    <a:lumOff val="40000"/>
-                  </a:schemeClr>
-                </a:solidFill>
-              </a:rPr>
-              <a:t>Nízka hmotnosť, malá veľkosť a podpora bezdrôtovej komunikácie</a:t>
-            </a:r>
-          </a:p>
-          <a:p>
-            <a:r>
-              <a:rPr lang="sk-SK" sz="2400" dirty="0" smtClean="0">
-                <a:solidFill>
-                  <a:schemeClr val="accent3">
-                    <a:lumMod val="60000"/>
-                    <a:lumOff val="40000"/>
-                  </a:schemeClr>
-                </a:solidFill>
-              </a:rPr>
-              <a:t>Jednoduché rozšírenie o akékoľvek nové získané medicínske dáta, ktoré je možné nahrať do programu</a:t>
-            </a:r>
-          </a:p>
-          <a:p>
-            <a:pPr>
-              <a:buNone/>
-            </a:pPr>
-            <a:r>
-              <a:rPr lang="sk-SK" sz="2400" dirty="0" smtClean="0">
-                <a:solidFill>
-                  <a:schemeClr val="accent3">
-                    <a:lumMod val="60000"/>
-                    <a:lumOff val="40000"/>
-                  </a:schemeClr>
-                </a:solidFill>
-              </a:rPr>
-              <a:t>Rozšírenia</a:t>
-            </a:r>
-          </a:p>
-          <a:p>
-            <a:r>
-              <a:rPr lang="sk-SK" sz="2400" dirty="0" smtClean="0">
-                <a:solidFill>
-                  <a:schemeClr val="accent3">
-                    <a:lumMod val="60000"/>
-                    <a:lumOff val="40000"/>
-                  </a:schemeClr>
-                </a:solidFill>
-              </a:rPr>
-              <a:t>Využitie inej technológie s lepšie implementovaným snímaním rúk</a:t>
-            </a:r>
-          </a:p>
-          <a:p>
-            <a:r>
-              <a:rPr lang="sk-SK" sz="2400" dirty="0" smtClean="0">
-                <a:solidFill>
-                  <a:schemeClr val="accent3">
-                    <a:lumMod val="60000"/>
-                    <a:lumOff val="40000"/>
-                  </a:schemeClr>
-                </a:solidFill>
-              </a:rPr>
-              <a:t>Rozšírenie pôsobenia spätnej väzby pri dotyku na celý prst</a:t>
-            </a:r>
-          </a:p>
-          <a:p>
-            <a:endParaRPr lang="sk-SK" dirty="0"/>
-          </a:p>
-        </p:txBody>
-      </p:sp>
-      <p:sp>
-        <p:nvSpPr>
           <p:cNvPr id="4" name="Zástupný symbol čísla snímky 3"/>
           <p:cNvSpPr>
             <a:spLocks noGrp="1"/>
@@ -8290,7 +8314,7 @@
                   </a:schemeClr>
                 </a:solidFill>
               </a:rPr>
-              <a:t>/8</a:t>
+              <a:t>/9</a:t>
             </a:r>
             <a:endParaRPr lang="en-US" sz="1600" dirty="0">
               <a:solidFill>
@@ -8363,6 +8387,38 @@
           </a:ln>
         </p:spPr>
       </p:pic>
+      <p:sp>
+        <p:nvSpPr>
+          <p:cNvPr id="10" name="Zástupný symbol obsahu 2"/>
+          <p:cNvSpPr>
+            <a:spLocks noGrp="1"/>
+          </p:cNvSpPr>
+          <p:nvPr>
+            <p:ph idx="1"/>
+          </p:nvPr>
+        </p:nvSpPr>
+        <p:spPr>
+          <a:xfrm>
+            <a:off x="685801" y="2142068"/>
+            <a:ext cx="10131425" cy="893363"/>
+          </a:xfrm>
+        </p:spPr>
+        <p:txBody>
+          <a:bodyPr>
+            <a:normAutofit/>
+          </a:bodyPr>
+          <a:lstStyle/>
+          <a:p>
+            <a:r>
+              <a:rPr lang="sk-SK" sz="2400" dirty="0" smtClean="0">
+                <a:hlinkClick r:id="rId4"/>
+              </a:rPr>
+              <a:t>https://www.youtube.com/watch?v=EYsU3LLesao&amp;feature=youtu.be</a:t>
+            </a:r>
+            <a:endParaRPr lang="sk-SK" dirty="0"/>
+          </a:p>
+        </p:txBody>
+      </p:sp>
     </p:spTree>
   </p:cSld>
   <p:clrMapOvr>
@@ -8397,7 +8453,167 @@
       </p:grpSpPr>
       <p:sp>
         <p:nvSpPr>
-          <p:cNvPr id="5" name="Zástupný symbol čísla snímky 4"/>
+          <p:cNvPr id="2" name="Nadpis 1"/>
+          <p:cNvSpPr>
+            <a:spLocks noGrp="1"/>
+          </p:cNvSpPr>
+          <p:nvPr>
+            <p:ph type="title"/>
+          </p:nvPr>
+        </p:nvSpPr>
+        <p:spPr/>
+        <p:txBody>
+          <a:bodyPr/>
+          <a:lstStyle/>
+          <a:p>
+            <a:r>
+              <a:rPr lang="sk-SK" dirty="0" smtClean="0">
+                <a:solidFill>
+                  <a:schemeClr val="accent3">
+                    <a:lumMod val="60000"/>
+                    <a:lumOff val="40000"/>
+                  </a:schemeClr>
+                </a:solidFill>
+              </a:rPr>
+              <a:t>Výhody riešenia A možné rozšírenia</a:t>
+            </a:r>
+            <a:endParaRPr lang="sk-SK" dirty="0">
+              <a:solidFill>
+                <a:schemeClr val="accent3">
+                  <a:lumMod val="60000"/>
+                  <a:lumOff val="40000"/>
+                </a:schemeClr>
+              </a:solidFill>
+            </a:endParaRPr>
+          </a:p>
+        </p:txBody>
+      </p:sp>
+      <p:sp>
+        <p:nvSpPr>
+          <p:cNvPr id="3" name="Zástupný symbol obsahu 2"/>
+          <p:cNvSpPr>
+            <a:spLocks noGrp="1"/>
+          </p:cNvSpPr>
+          <p:nvPr>
+            <p:ph idx="1"/>
+          </p:nvPr>
+        </p:nvSpPr>
+        <p:spPr>
+          <a:xfrm>
+            <a:off x="698864" y="1919998"/>
+            <a:ext cx="10131425" cy="3649133"/>
+          </a:xfrm>
+        </p:spPr>
+        <p:txBody>
+          <a:bodyPr>
+            <a:normAutofit lnSpcReduction="10000"/>
+          </a:bodyPr>
+          <a:lstStyle/>
+          <a:p>
+            <a:pPr>
+              <a:buNone/>
+            </a:pPr>
+            <a:r>
+              <a:rPr lang="sk-SK" sz="2400" dirty="0" smtClean="0">
+                <a:solidFill>
+                  <a:schemeClr val="accent3">
+                    <a:lumMod val="60000"/>
+                    <a:lumOff val="40000"/>
+                  </a:schemeClr>
+                </a:solidFill>
+              </a:rPr>
+              <a:t>Výhody</a:t>
+            </a:r>
+          </a:p>
+          <a:p>
+            <a:r>
+              <a:rPr lang="sk-SK" sz="2400" dirty="0" smtClean="0">
+                <a:solidFill>
+                  <a:schemeClr val="accent3">
+                    <a:lumMod val="60000"/>
+                    <a:lumOff val="40000"/>
+                  </a:schemeClr>
+                </a:solidFill>
+              </a:rPr>
+              <a:t>Rukavice je možné využiť vo virtuálnej, zmiešanej alebo rozšírenej realite</a:t>
+            </a:r>
+          </a:p>
+          <a:p>
+            <a:r>
+              <a:rPr lang="sk-SK" sz="2400" dirty="0" smtClean="0">
+                <a:solidFill>
+                  <a:schemeClr val="accent3">
+                    <a:lumMod val="60000"/>
+                    <a:lumOff val="40000"/>
+                  </a:schemeClr>
+                </a:solidFill>
+              </a:rPr>
+              <a:t>Nízka hmotnosť, malá veľkosť a podpora bezdrôtovej komunikácie</a:t>
+            </a:r>
+          </a:p>
+          <a:p>
+            <a:r>
+              <a:rPr lang="sk-SK" sz="2400" dirty="0" smtClean="0">
+                <a:solidFill>
+                  <a:schemeClr val="accent3">
+                    <a:lumMod val="60000"/>
+                    <a:lumOff val="40000"/>
+                  </a:schemeClr>
+                </a:solidFill>
+              </a:rPr>
+              <a:t>Jednoduché rozšírenie o akékoľvek nové získané medicínske dáta, ktoré je možné nahrať do programu</a:t>
+            </a:r>
+          </a:p>
+          <a:p>
+            <a:pPr>
+              <a:buNone/>
+            </a:pPr>
+            <a:r>
+              <a:rPr lang="sk-SK" sz="2400" dirty="0" smtClean="0">
+                <a:solidFill>
+                  <a:schemeClr val="accent3">
+                    <a:lumMod val="60000"/>
+                    <a:lumOff val="40000"/>
+                  </a:schemeClr>
+                </a:solidFill>
+              </a:rPr>
+              <a:t>Rozšírenia</a:t>
+            </a:r>
+          </a:p>
+          <a:p>
+            <a:r>
+              <a:rPr lang="sk-SK" sz="2400" dirty="0" smtClean="0">
+                <a:solidFill>
+                  <a:schemeClr val="accent3">
+                    <a:lumMod val="60000"/>
+                    <a:lumOff val="40000"/>
+                  </a:schemeClr>
+                </a:solidFill>
+              </a:rPr>
+              <a:t>Využitie inej technológie s lepšie implementovaným snímaním rúk</a:t>
+            </a:r>
+          </a:p>
+          <a:p>
+            <a:r>
+              <a:rPr lang="sk-SK" sz="2400" dirty="0" smtClean="0">
+                <a:solidFill>
+                  <a:schemeClr val="accent3">
+                    <a:lumMod val="60000"/>
+                    <a:lumOff val="40000"/>
+                  </a:schemeClr>
+                </a:solidFill>
+              </a:rPr>
+              <a:t>Rozšírenie pôsobenia spätnej väzby pri dotyku na celý prst</a:t>
+            </a:r>
+          </a:p>
+          <a:p>
+            <a:endParaRPr lang="sk-SK" dirty="0"/>
+          </a:p>
+        </p:txBody>
+      </p:sp>
+      <p:sp>
+        <p:nvSpPr>
+          <p:cNvPr id="4" name="Zástupný symbol čísla snímky 3"/>
           <p:cNvSpPr>
             <a:spLocks noGrp="1"/>
           </p:cNvSpPr>
@@ -8431,7 +8647,148 @@
                   </a:schemeClr>
                 </a:solidFill>
               </a:rPr>
-              <a:t>/8</a:t>
+              <a:t>/9</a:t>
+            </a:r>
+            <a:endParaRPr lang="en-US" sz="1600" dirty="0">
+              <a:solidFill>
+                <a:schemeClr val="accent3">
+                  <a:lumMod val="60000"/>
+                  <a:lumOff val="40000"/>
+                </a:schemeClr>
+              </a:solidFill>
+            </a:endParaRPr>
+          </a:p>
+        </p:txBody>
+      </p:sp>
+      <p:pic>
+        <p:nvPicPr>
+          <p:cNvPr id="5" name="Picture 2" descr="C:\Users\Robert\Downloads\siemens.jpg"/>
+          <p:cNvPicPr>
+            <a:picLocks noChangeAspect="1" noChangeArrowheads="1"/>
+          </p:cNvPicPr>
+          <p:nvPr/>
+        </p:nvPicPr>
+        <p:blipFill>
+          <a:blip r:embed="rId2"/>
+          <a:srcRect/>
+          <a:stretch>
+            <a:fillRect/>
+          </a:stretch>
+        </p:blipFill>
+        <p:spPr bwMode="auto">
+          <a:xfrm>
+            <a:off x="8574832" y="127376"/>
+            <a:ext cx="3194763" cy="1277905"/>
+          </a:xfrm>
+          <a:prstGeom prst="rect">
+            <a:avLst/>
+          </a:prstGeom>
+          <a:noFill/>
+        </p:spPr>
+      </p:pic>
+      <p:pic>
+        <p:nvPicPr>
+          <p:cNvPr id="7" name="Obrázok 11"/>
+          <p:cNvPicPr>
+            <a:picLocks noChangeAspect="1"/>
+          </p:cNvPicPr>
+          <p:nvPr/>
+        </p:nvPicPr>
+        <p:blipFill>
+          <a:blip r:embed="rId3"/>
+          <a:srcRect l="14563" t="25468" r="12988" b="28815"/>
+          <a:stretch>
+            <a:fillRect/>
+          </a:stretch>
+        </p:blipFill>
+        <p:spPr bwMode="auto">
+          <a:xfrm>
+            <a:off x="403519" y="5636002"/>
+            <a:ext cx="2090738" cy="931862"/>
+          </a:xfrm>
+          <a:prstGeom prst="rect">
+            <a:avLst/>
+          </a:prstGeom>
+          <a:solidFill>
+            <a:schemeClr val="tx1"/>
+          </a:solidFill>
+          <a:ln w="9525">
+            <a:noFill/>
+            <a:miter lim="800000"/>
+            <a:headEnd/>
+            <a:tailEnd/>
+          </a:ln>
+        </p:spPr>
+      </p:pic>
+    </p:spTree>
+  </p:cSld>
+  <p:clrMapOvr>
+    <a:masterClrMapping/>
+  </p:clrMapOvr>
+  <p:timing>
+    <p:tnLst>
+      <p:par>
+        <p:cTn id="1" dur="indefinite" restart="never" nodeType="tmRoot"/>
+      </p:par>
+    </p:tnLst>
+  </p:timing>
+</p:sld>
+</file>
+
+<file path=ppt/slides/slide9.xml><?xml version="1.0" encoding="utf-8"?>
+<p:sld xmlns:a="http://schemas.openxmlformats.org/drawingml/2006/main" xmlns:r="http://schemas.openxmlformats.org/officeDocument/2006/relationships" xmlns:p="http://schemas.openxmlformats.org/presentationml/2006/main">
+  <p:cSld>
+    <p:spTree>
+      <p:nvGrpSpPr>
+        <p:cNvPr id="1" name=""/>
+        <p:cNvGrpSpPr/>
+        <p:nvPr/>
+      </p:nvGrpSpPr>
+      <p:grpSpPr>
+        <a:xfrm>
+          <a:off x="0" y="0"/>
+          <a:ext cx="0" cy="0"/>
+          <a:chOff x="0" y="0"/>
+          <a:chExt cx="0" cy="0"/>
+        </a:xfrm>
+      </p:grpSpPr>
+      <p:sp>
+        <p:nvSpPr>
+          <p:cNvPr id="5" name="Zástupný symbol čísla snímky 4"/>
+          <p:cNvSpPr>
+            <a:spLocks noGrp="1"/>
+          </p:cNvSpPr>
+          <p:nvPr>
+            <p:ph type="sldNum" sz="quarter" idx="12"/>
+          </p:nvPr>
+        </p:nvSpPr>
+        <p:spPr/>
+        <p:txBody>
+          <a:bodyPr/>
+          <a:lstStyle/>
+          <a:p>
+            <a:fld id="{D57F1E4F-1CFF-5643-939E-217C01CDF565}" type="slidenum">
+              <a:rPr lang="en-US" sz="1600" smtClean="0">
+                <a:solidFill>
+                  <a:schemeClr val="accent3">
+                    <a:lumMod val="60000"/>
+                    <a:lumOff val="40000"/>
+                  </a:schemeClr>
+                </a:solidFill>
+              </a:rPr>
+              <a:pPr/>
+              <a:t>9</a:t>
+            </a:fld>
+            <a:r>
+              <a:rPr lang="sk-SK" sz="1600" dirty="0" smtClean="0">
+                <a:solidFill>
+                  <a:schemeClr val="accent3">
+                    <a:lumMod val="60000"/>
+                    <a:lumOff val="40000"/>
+                  </a:schemeClr>
+                </a:solidFill>
+              </a:rPr>
+              <a:t>/9</a:t>
             </a:r>
             <a:endParaRPr lang="en-US" sz="1600" dirty="0">
               <a:solidFill>
@@ -8816,7 +9173,7 @@
   <a:extraClrSchemeLst/>
   <a:extLst>
     <a:ext uri="{05A4C25C-085E-4340-85A3-A5531E510DB2}">
-      <thm15:themeFamily xmlns:thm15="http://schemas.microsoft.com/office/thememl/2012/main" xmlns="" name="Celestial" id="{C4BB2A3D-0E93-4C5F-B0D2-9D3FCE089CC5}" vid="{42E5908D-19A2-46FD-89FA-638B126129EF}"/>
+      <thm15:themeFamily xmlns="" xmlns:thm15="http://schemas.microsoft.com/office/thememl/2012/main" name="Celestial" id="{C4BB2A3D-0E93-4C5F-B0D2-9D3FCE089CC5}" vid="{42E5908D-19A2-46FD-89FA-638B126129EF}"/>
     </a:ext>
   </a:extLst>
 </a:theme>
